--- a/section1/cs_project_section1.pptx
+++ b/section1/cs_project_section1.pptx
@@ -10,14 +10,28 @@
     <p:sldId id="258" r:id="rId4"/>
     <p:sldId id="262" r:id="rId5"/>
     <p:sldId id="263" r:id="rId6"/>
-    <p:sldId id="264" r:id="rId7"/>
-    <p:sldId id="267" r:id="rId8"/>
-    <p:sldId id="265" r:id="rId9"/>
-    <p:sldId id="269" r:id="rId10"/>
-    <p:sldId id="270" r:id="rId11"/>
-    <p:sldId id="266" r:id="rId12"/>
-    <p:sldId id="268" r:id="rId13"/>
-    <p:sldId id="259" r:id="rId14"/>
+    <p:sldId id="273" r:id="rId7"/>
+    <p:sldId id="264" r:id="rId8"/>
+    <p:sldId id="274" r:id="rId9"/>
+    <p:sldId id="275" r:id="rId10"/>
+    <p:sldId id="267" r:id="rId11"/>
+    <p:sldId id="265" r:id="rId12"/>
+    <p:sldId id="276" r:id="rId13"/>
+    <p:sldId id="272" r:id="rId14"/>
+    <p:sldId id="266" r:id="rId15"/>
+    <p:sldId id="271" r:id="rId16"/>
+    <p:sldId id="269" r:id="rId17"/>
+    <p:sldId id="270" r:id="rId18"/>
+    <p:sldId id="277" r:id="rId19"/>
+    <p:sldId id="286" r:id="rId20"/>
+    <p:sldId id="278" r:id="rId21"/>
+    <p:sldId id="268" r:id="rId22"/>
+    <p:sldId id="279" r:id="rId23"/>
+    <p:sldId id="280" r:id="rId24"/>
+    <p:sldId id="283" r:id="rId25"/>
+    <p:sldId id="285" r:id="rId26"/>
+    <p:sldId id="281" r:id="rId27"/>
+    <p:sldId id="259" r:id="rId28"/>
   </p:sldIdLst>
   <p:sldSz cx="9144000" cy="6858000" type="screen4x3"/>
   <p:notesSz cx="6858000" cy="9144000"/>
@@ -3001,8 +3015,8 @@
         </p:nvSpPr>
         <p:spPr bwMode="auto">
           <a:xfrm>
-            <a:off x="333829" y="1551564"/>
-            <a:ext cx="8186057" cy="3754874"/>
+            <a:off x="333829" y="1366898"/>
+            <a:ext cx="8186057" cy="4124206"/>
           </a:xfrm>
           <a:prstGeom prst="rect">
             <a:avLst/>
@@ -3207,7 +3221,7 @@
                 <a:ea typeface="맑은 고딕" panose="020B0503020000020004" pitchFamily="50" charset="-127"/>
                 <a:cs typeface="Segoe UI" panose="020B0502040204020203" pitchFamily="34" charset="0"/>
               </a:rPr>
-              <a:t>1</a:t>
+              <a:t>1.</a:t>
             </a:r>
             <a:r>
               <a:rPr lang="ko-KR" altLang="en-US" sz="2800" b="1">
@@ -3218,7 +3232,7 @@
                 <a:ea typeface="맑은 고딕" panose="020B0503020000020004" pitchFamily="50" charset="-127"/>
                 <a:cs typeface="Segoe UI" panose="020B0502040204020203" pitchFamily="34" charset="0"/>
               </a:rPr>
-              <a:t>의 프로젝트</a:t>
+              <a:t> 프로젝트</a:t>
             </a:r>
             <a:br>
               <a:rPr lang="en-US" altLang="ko-KR" sz="2800" b="1">
@@ -3249,7 +3263,7 @@
                 <a:ea typeface="맑은 고딕" panose="020B0503020000020004" pitchFamily="50" charset="-127"/>
                 <a:cs typeface="Segoe UI" panose="020B0502040204020203" pitchFamily="34" charset="0"/>
               </a:rPr>
-              <a:t>게임 판매량 데이터로 </a:t>
+              <a:t>게임 판매량 데이터로 분석해본</a:t>
             </a:r>
             <a:br>
               <a:rPr lang="en-US" altLang="ko-KR" sz="3200" b="1">
@@ -3270,7 +3284,7 @@
                 <a:ea typeface="맑은 고딕" panose="020B0503020000020004" pitchFamily="50" charset="-127"/>
                 <a:cs typeface="Segoe UI" panose="020B0502040204020203" pitchFamily="34" charset="0"/>
               </a:rPr>
-              <a:t>‘</a:t>
+              <a:t>‘ </a:t>
             </a:r>
             <a:r>
               <a:rPr lang="ko-KR" altLang="en-US" sz="3200" b="1">
@@ -3281,9 +3295,9 @@
                 <a:ea typeface="맑은 고딕" panose="020B0503020000020004" pitchFamily="50" charset="-127"/>
                 <a:cs typeface="Segoe UI" panose="020B0502040204020203" pitchFamily="34" charset="0"/>
               </a:rPr>
-              <a:t>다음 분기에 어떤게임을 설계해야 할까</a:t>
-            </a:r>
-            <a:r>
+              <a:t>다음분기 어떤게임을</a:t>
+            </a:r>
+            <a:br>
               <a:rPr lang="en-US" altLang="ko-KR" sz="3200" b="1">
                 <a:solidFill>
                   <a:srgbClr val="CCDBE9"/>
@@ -3292,7 +3306,28 @@
                 <a:ea typeface="맑은 고딕" panose="020B0503020000020004" pitchFamily="50" charset="-127"/>
                 <a:cs typeface="Segoe UI" panose="020B0502040204020203" pitchFamily="34" charset="0"/>
               </a:rPr>
-              <a:t>’</a:t>
+            </a:br>
+            <a:r>
+              <a:rPr lang="ko-KR" altLang="en-US" sz="3200" b="1">
+                <a:solidFill>
+                  <a:srgbClr val="CCDBE9"/>
+                </a:solidFill>
+                <a:latin typeface="맑은 고딕" panose="020B0503020000020004" pitchFamily="50" charset="-127"/>
+                <a:ea typeface="맑은 고딕" panose="020B0503020000020004" pitchFamily="50" charset="-127"/>
+                <a:cs typeface="Segoe UI" panose="020B0502040204020203" pitchFamily="34" charset="0"/>
+              </a:rPr>
+              <a:t>설계하면 좋을까</a:t>
+            </a:r>
+            <a:r>
+              <a:rPr lang="en-US" altLang="ko-KR" sz="3200" b="1">
+                <a:solidFill>
+                  <a:srgbClr val="CCDBE9"/>
+                </a:solidFill>
+                <a:latin typeface="맑은 고딕" panose="020B0503020000020004" pitchFamily="50" charset="-127"/>
+                <a:ea typeface="맑은 고딕" panose="020B0503020000020004" pitchFamily="50" charset="-127"/>
+                <a:cs typeface="Segoe UI" panose="020B0502040204020203" pitchFamily="34" charset="0"/>
+              </a:rPr>
+              <a:t>?’ </a:t>
             </a:r>
             <a:br>
               <a:rPr lang="en-US" altLang="ko-KR" sz="3200" b="1">
@@ -3394,10 +3429,149 @@
           <a:chExt cx="0" cy="0"/>
         </a:xfrm>
       </p:grpSpPr>
+      <p:pic>
+        <p:nvPicPr>
+          <p:cNvPr id="4" name="그림 3">
+            <a:extLst>
+              <a:ext uri="{FF2B5EF4-FFF2-40B4-BE49-F238E27FC236}">
+                <a16:creationId xmlns:a16="http://schemas.microsoft.com/office/drawing/2014/main" id="{841E888B-D738-D0B6-C774-AC48DC7EFCCB}"/>
+              </a:ext>
+            </a:extLst>
+          </p:cNvPr>
+          <p:cNvPicPr>
+            <a:picLocks noChangeAspect="1"/>
+          </p:cNvPicPr>
+          <p:nvPr/>
+        </p:nvPicPr>
+        <p:blipFill>
+          <a:blip r:embed="rId2"/>
+          <a:stretch>
+            <a:fillRect/>
+          </a:stretch>
+        </p:blipFill>
+        <p:spPr>
+          <a:xfrm>
+            <a:off x="1645054" y="110596"/>
+            <a:ext cx="7374323" cy="6096239"/>
+          </a:xfrm>
+          <a:prstGeom prst="rect">
+            <a:avLst/>
+          </a:prstGeom>
+        </p:spPr>
+      </p:pic>
+      <p:sp>
+        <p:nvSpPr>
+          <p:cNvPr id="5" name="직사각형 4">
+            <a:extLst>
+              <a:ext uri="{FF2B5EF4-FFF2-40B4-BE49-F238E27FC236}">
+                <a16:creationId xmlns:a16="http://schemas.microsoft.com/office/drawing/2014/main" id="{32195417-838B-3971-D430-1B3F1FAFD0E5}"/>
+              </a:ext>
+            </a:extLst>
+          </p:cNvPr>
+          <p:cNvSpPr/>
+          <p:nvPr/>
+        </p:nvSpPr>
+        <p:spPr>
+          <a:xfrm>
+            <a:off x="2235201" y="581891"/>
+            <a:ext cx="460374" cy="5624944"/>
+          </a:xfrm>
+          <a:prstGeom prst="rect">
+            <a:avLst/>
+          </a:prstGeom>
+          <a:noFill/>
+          <a:ln w="57150">
+            <a:solidFill>
+              <a:srgbClr val="FF0000"/>
+            </a:solidFill>
+          </a:ln>
+        </p:spPr>
+        <p:style>
+          <a:lnRef idx="2">
+            <a:schemeClr val="accent1">
+              <a:shade val="50000"/>
+            </a:schemeClr>
+          </a:lnRef>
+          <a:fillRef idx="1">
+            <a:schemeClr val="accent1"/>
+          </a:fillRef>
+          <a:effectRef idx="0">
+            <a:schemeClr val="accent1"/>
+          </a:effectRef>
+          <a:fontRef idx="minor">
+            <a:schemeClr val="lt1"/>
+          </a:fontRef>
+        </p:style>
+        <p:txBody>
+          <a:bodyPr rtlCol="0" anchor="ctr"/>
+          <a:lstStyle/>
+          <a:p>
+            <a:pPr algn="ctr"/>
+            <a:endParaRPr lang="ko-KR" altLang="en-US"/>
+          </a:p>
+        </p:txBody>
+      </p:sp>
+      <p:sp>
+        <p:nvSpPr>
+          <p:cNvPr id="6" name="화살표: 오른쪽 5">
+            <a:extLst>
+              <a:ext uri="{FF2B5EF4-FFF2-40B4-BE49-F238E27FC236}">
+                <a16:creationId xmlns:a16="http://schemas.microsoft.com/office/drawing/2014/main" id="{09F30F20-E251-49AE-F3C4-76684184DDF8}"/>
+              </a:ext>
+            </a:extLst>
+          </p:cNvPr>
+          <p:cNvSpPr/>
+          <p:nvPr/>
+        </p:nvSpPr>
+        <p:spPr>
+          <a:xfrm rot="20856427">
+            <a:off x="813343" y="5753252"/>
+            <a:ext cx="1332972" cy="973046"/>
+          </a:xfrm>
+          <a:prstGeom prst="rightArrow">
+            <a:avLst>
+              <a:gd name="adj1" fmla="val 50000"/>
+              <a:gd name="adj2" fmla="val 63313"/>
+            </a:avLst>
+          </a:prstGeom>
+          <a:solidFill>
+            <a:schemeClr val="tx1"/>
+          </a:solidFill>
+          <a:ln w="57150">
+            <a:solidFill>
+              <a:srgbClr val="FF0000"/>
+            </a:solidFill>
+          </a:ln>
+        </p:spPr>
+        <p:style>
+          <a:lnRef idx="2">
+            <a:schemeClr val="accent1">
+              <a:shade val="50000"/>
+            </a:schemeClr>
+          </a:lnRef>
+          <a:fillRef idx="1">
+            <a:schemeClr val="accent1"/>
+          </a:fillRef>
+          <a:effectRef idx="0">
+            <a:schemeClr val="accent1"/>
+          </a:effectRef>
+          <a:fontRef idx="minor">
+            <a:schemeClr val="lt1"/>
+          </a:fontRef>
+        </p:style>
+        <p:txBody>
+          <a:bodyPr rtlCol="0" anchor="ctr"/>
+          <a:lstStyle/>
+          <a:p>
+            <a:pPr algn="ctr"/>
+            <a:endParaRPr lang="ko-KR" altLang="en-US"/>
+          </a:p>
+        </p:txBody>
+      </p:sp>
     </p:spTree>
     <p:extLst>
       <p:ext uri="{BB962C8B-B14F-4D97-AF65-F5344CB8AC3E}">
-        <p14:creationId xmlns:p14="http://schemas.microsoft.com/office/powerpoint/2010/main" val="2071575934"/>
+        <p14:creationId xmlns:p14="http://schemas.microsoft.com/office/powerpoint/2010/main" val="1700154152"/>
       </p:ext>
     </p:extLst>
   </p:cSld>
@@ -3426,10 +3600,10 @@
       </p:grpSpPr>
       <p:pic>
         <p:nvPicPr>
-          <p:cNvPr id="3" name="그림 2">
+          <p:cNvPr id="10" name="그림 9">
             <a:extLst>
               <a:ext uri="{FF2B5EF4-FFF2-40B4-BE49-F238E27FC236}">
-                <a16:creationId xmlns:a16="http://schemas.microsoft.com/office/drawing/2014/main" id="{3BF9200B-9D38-D1F4-1C90-7ECBDFFB0126}"/>
+                <a16:creationId xmlns:a16="http://schemas.microsoft.com/office/drawing/2014/main" id="{096A43C2-EB0E-31D1-F2D1-8F946DC9453A}"/>
               </a:ext>
             </a:extLst>
           </p:cNvPr>
@@ -3446,8 +3620,8 @@
         </p:blipFill>
         <p:spPr>
           <a:xfrm>
-            <a:off x="1013403" y="2997364"/>
-            <a:ext cx="7117195" cy="863272"/>
+            <a:off x="0" y="2132927"/>
+            <a:ext cx="9144000" cy="2197768"/>
           </a:xfrm>
           <a:prstGeom prst="rect">
             <a:avLst/>
@@ -3457,7 +3631,7 @@
     </p:spTree>
     <p:extLst>
       <p:ext uri="{BB962C8B-B14F-4D97-AF65-F5344CB8AC3E}">
-        <p14:creationId xmlns:p14="http://schemas.microsoft.com/office/powerpoint/2010/main" val="937604165"/>
+        <p14:creationId xmlns:p14="http://schemas.microsoft.com/office/powerpoint/2010/main" val="2378752019"/>
       </p:ext>
     </p:extLst>
   </p:cSld>
@@ -3486,10 +3660,10 @@
       </p:grpSpPr>
       <p:pic>
         <p:nvPicPr>
-          <p:cNvPr id="5" name="그림 4">
+          <p:cNvPr id="10" name="그림 9">
             <a:extLst>
               <a:ext uri="{FF2B5EF4-FFF2-40B4-BE49-F238E27FC236}">
-                <a16:creationId xmlns:a16="http://schemas.microsoft.com/office/drawing/2014/main" id="{AE8D6F0B-DA65-E915-5787-E762111C8A1F}"/>
+                <a16:creationId xmlns:a16="http://schemas.microsoft.com/office/drawing/2014/main" id="{096A43C2-EB0E-31D1-F2D1-8F946DC9453A}"/>
               </a:ext>
             </a:extLst>
           </p:cNvPr>
@@ -3506,18 +3680,127 @@
         </p:blipFill>
         <p:spPr>
           <a:xfrm>
-            <a:off x="1073388" y="2993519"/>
-            <a:ext cx="6997225" cy="870962"/>
+            <a:off x="0" y="2132927"/>
+            <a:ext cx="9144000" cy="2197768"/>
           </a:xfrm>
           <a:prstGeom prst="rect">
             <a:avLst/>
           </a:prstGeom>
         </p:spPr>
       </p:pic>
+      <p:sp>
+        <p:nvSpPr>
+          <p:cNvPr id="7" name="직사각형 6">
+            <a:extLst>
+              <a:ext uri="{FF2B5EF4-FFF2-40B4-BE49-F238E27FC236}">
+                <a16:creationId xmlns:a16="http://schemas.microsoft.com/office/drawing/2014/main" id="{BBB64C95-C8BB-33A4-2024-F20D8806B520}"/>
+              </a:ext>
+            </a:extLst>
+          </p:cNvPr>
+          <p:cNvSpPr/>
+          <p:nvPr/>
+        </p:nvSpPr>
+        <p:spPr>
+          <a:xfrm>
+            <a:off x="4571999" y="2132926"/>
+            <a:ext cx="2373746" cy="2197767"/>
+          </a:xfrm>
+          <a:prstGeom prst="rect">
+            <a:avLst/>
+          </a:prstGeom>
+          <a:noFill/>
+          <a:ln w="57150">
+            <a:solidFill>
+              <a:srgbClr val="FF0000"/>
+            </a:solidFill>
+          </a:ln>
+        </p:spPr>
+        <p:style>
+          <a:lnRef idx="2">
+            <a:schemeClr val="accent1">
+              <a:shade val="50000"/>
+            </a:schemeClr>
+          </a:lnRef>
+          <a:fillRef idx="1">
+            <a:schemeClr val="accent1"/>
+          </a:fillRef>
+          <a:effectRef idx="0">
+            <a:schemeClr val="accent1"/>
+          </a:effectRef>
+          <a:fontRef idx="minor">
+            <a:schemeClr val="lt1"/>
+          </a:fontRef>
+        </p:style>
+        <p:txBody>
+          <a:bodyPr rtlCol="0" anchor="ctr"/>
+          <a:lstStyle/>
+          <a:p>
+            <a:pPr algn="ctr"/>
+            <a:endParaRPr lang="ko-KR" altLang="en-US"/>
+          </a:p>
+        </p:txBody>
+      </p:sp>
+      <p:sp>
+        <p:nvSpPr>
+          <p:cNvPr id="13" name="화살표: 오른쪽 12">
+            <a:extLst>
+              <a:ext uri="{FF2B5EF4-FFF2-40B4-BE49-F238E27FC236}">
+                <a16:creationId xmlns:a16="http://schemas.microsoft.com/office/drawing/2014/main" id="{F600D3C6-6204-0120-F83B-0449103D5192}"/>
+              </a:ext>
+            </a:extLst>
+          </p:cNvPr>
+          <p:cNvSpPr/>
+          <p:nvPr/>
+        </p:nvSpPr>
+        <p:spPr>
+          <a:xfrm rot="15704378">
+            <a:off x="5329925" y="4774197"/>
+            <a:ext cx="1332972" cy="973046"/>
+          </a:xfrm>
+          <a:prstGeom prst="rightArrow">
+            <a:avLst>
+              <a:gd name="adj1" fmla="val 50000"/>
+              <a:gd name="adj2" fmla="val 63313"/>
+            </a:avLst>
+          </a:prstGeom>
+          <a:solidFill>
+            <a:schemeClr val="tx1"/>
+          </a:solidFill>
+          <a:ln w="57150">
+            <a:solidFill>
+              <a:srgbClr val="FF0000"/>
+            </a:solidFill>
+          </a:ln>
+        </p:spPr>
+        <p:style>
+          <a:lnRef idx="2">
+            <a:schemeClr val="accent1">
+              <a:shade val="50000"/>
+            </a:schemeClr>
+          </a:lnRef>
+          <a:fillRef idx="1">
+            <a:schemeClr val="accent1"/>
+          </a:fillRef>
+          <a:effectRef idx="0">
+            <a:schemeClr val="accent1"/>
+          </a:effectRef>
+          <a:fontRef idx="minor">
+            <a:schemeClr val="lt1"/>
+          </a:fontRef>
+        </p:style>
+        <p:txBody>
+          <a:bodyPr rtlCol="0" anchor="ctr"/>
+          <a:lstStyle/>
+          <a:p>
+            <a:pPr algn="ctr"/>
+            <a:endParaRPr lang="ko-KR" altLang="en-US"/>
+          </a:p>
+        </p:txBody>
+      </p:sp>
     </p:spTree>
     <p:extLst>
       <p:ext uri="{BB962C8B-B14F-4D97-AF65-F5344CB8AC3E}">
-        <p14:creationId xmlns:p14="http://schemas.microsoft.com/office/powerpoint/2010/main" val="1903509082"/>
+        <p14:creationId xmlns:p14="http://schemas.microsoft.com/office/powerpoint/2010/main" val="2660695382"/>
       </p:ext>
     </p:extLst>
   </p:cSld>
@@ -3546,22 +3829,24 @@
       </p:grpSpPr>
       <p:sp>
         <p:nvSpPr>
-          <p:cNvPr id="3" name="Rectangle 1">
+          <p:cNvPr id="8" name="Rectangle 1">
             <a:extLst>
               <a:ext uri="{FF2B5EF4-FFF2-40B4-BE49-F238E27FC236}">
-                <a16:creationId xmlns:a16="http://schemas.microsoft.com/office/drawing/2014/main" id="{8F6BF384-5703-9E4C-AE3D-EE3E4A4FB502}"/>
+                <a16:creationId xmlns:a16="http://schemas.microsoft.com/office/drawing/2014/main" id="{D2645956-8DE6-BE33-8D44-F69EE31FDC34}"/>
               </a:ext>
             </a:extLst>
           </p:cNvPr>
-          <p:cNvSpPr txBox="1">
-            <a:spLocks noChangeArrowheads="1"/>
+          <p:cNvSpPr>
+            <a:spLocks noGrp="1" noChangeArrowheads="1"/>
           </p:cNvSpPr>
-          <p:nvPr/>
+          <p:nvPr>
+            <p:ph type="ctrTitle"/>
+          </p:nvPr>
         </p:nvSpPr>
         <p:spPr bwMode="auto">
           <a:xfrm>
-            <a:off x="0" y="4728329"/>
-            <a:ext cx="5494774" cy="923330"/>
+            <a:off x="478972" y="2505671"/>
+            <a:ext cx="8186057" cy="1846659"/>
           </a:xfrm>
           <a:prstGeom prst="rect">
             <a:avLst/>
@@ -3596,47 +3881,28 @@
           </a:extLst>
         </p:spPr>
         <p:txBody>
-          <a:bodyPr vert="horz" wrap="none" lIns="0" tIns="0" rIns="0" bIns="0" numCol="1" rtlCol="0" anchor="ctr" anchorCtr="0" compatLnSpc="1">
+          <a:bodyPr vert="horz" wrap="square" lIns="0" tIns="0" rIns="0" bIns="0" numCol="1" rtlCol="0" anchor="ctr" anchorCtr="0" compatLnSpc="1">
             <a:prstTxWarp prst="textNoShape">
               <a:avLst/>
             </a:prstTxWarp>
             <a:spAutoFit/>
           </a:bodyPr>
           <a:lstStyle>
-            <a:lvl1pPr algn="ctr" defTabSz="457200" rtl="0" eaLnBrk="0" fontAlgn="base" latinLnBrk="1" hangingPunct="0">
+            <a:lvl1pPr eaLnBrk="0" fontAlgn="base" hangingPunct="0">
               <a:spcBef>
                 <a:spcPct val="0"/>
               </a:spcBef>
               <a:spcAft>
                 <a:spcPct val="0"/>
               </a:spcAft>
-              <a:buNone/>
-              <a:defRPr sz="5400" kern="1200">
-                <a:ln>
-                  <a:solidFill>
-                    <a:schemeClr val="bg1">
-                      <a:lumMod val="75000"/>
-                      <a:lumOff val="25000"/>
-                      <a:alpha val="10000"/>
-                    </a:schemeClr>
-                  </a:solidFill>
-                </a:ln>
+              <a:defRPr>
                 <a:solidFill>
                   <a:schemeClr val="tx1"/>
                 </a:solidFill>
-                <a:effectLst>
-                  <a:outerShdw blurRad="9525" dist="25400" dir="14640000" algn="tl" rotWithShape="0">
-                    <a:schemeClr val="bg1">
-                      <a:alpha val="30000"/>
-                    </a:schemeClr>
-                  </a:outerShdw>
-                </a:effectLst>
                 <a:latin typeface="Arial" panose="020B0604020202020204" pitchFamily="34" charset="0"/>
-                <a:ea typeface="+mj-ea"/>
-                <a:cs typeface="Trebuchet MS"/>
               </a:defRPr>
             </a:lvl1pPr>
-            <a:lvl2pPr eaLnBrk="0" fontAlgn="base" latinLnBrk="1" hangingPunct="0">
+            <a:lvl2pPr eaLnBrk="0" fontAlgn="base" hangingPunct="0">
               <a:spcBef>
                 <a:spcPct val="0"/>
               </a:spcBef>
@@ -3650,7 +3916,7 @@
                 <a:latin typeface="Arial" panose="020B0604020202020204" pitchFamily="34" charset="0"/>
               </a:defRPr>
             </a:lvl2pPr>
-            <a:lvl3pPr eaLnBrk="0" fontAlgn="base" latinLnBrk="1" hangingPunct="0">
+            <a:lvl3pPr eaLnBrk="0" fontAlgn="base" hangingPunct="0">
               <a:spcBef>
                 <a:spcPct val="0"/>
               </a:spcBef>
@@ -3664,7 +3930,7 @@
                 <a:latin typeface="Arial" panose="020B0604020202020204" pitchFamily="34" charset="0"/>
               </a:defRPr>
             </a:lvl3pPr>
-            <a:lvl4pPr eaLnBrk="0" fontAlgn="base" latinLnBrk="1" hangingPunct="0">
+            <a:lvl4pPr eaLnBrk="0" fontAlgn="base" hangingPunct="0">
               <a:spcBef>
                 <a:spcPct val="0"/>
               </a:spcBef>
@@ -3678,7 +3944,7 @@
                 <a:latin typeface="Arial" panose="020B0604020202020204" pitchFamily="34" charset="0"/>
               </a:defRPr>
             </a:lvl4pPr>
-            <a:lvl5pPr eaLnBrk="0" fontAlgn="base" latinLnBrk="1" hangingPunct="0">
+            <a:lvl5pPr eaLnBrk="0" fontAlgn="base" hangingPunct="0">
               <a:spcBef>
                 <a:spcPct val="0"/>
               </a:spcBef>
@@ -3692,7 +3958,7 @@
                 <a:latin typeface="Arial" panose="020B0604020202020204" pitchFamily="34" charset="0"/>
               </a:defRPr>
             </a:lvl5pPr>
-            <a:lvl6pPr eaLnBrk="0" fontAlgn="base" latinLnBrk="1" hangingPunct="0">
+            <a:lvl6pPr eaLnBrk="0" fontAlgn="base" hangingPunct="0">
               <a:spcBef>
                 <a:spcPct val="0"/>
               </a:spcBef>
@@ -3706,7 +3972,7 @@
                 <a:latin typeface="Arial" panose="020B0604020202020204" pitchFamily="34" charset="0"/>
               </a:defRPr>
             </a:lvl6pPr>
-            <a:lvl7pPr eaLnBrk="0" fontAlgn="base" latinLnBrk="1" hangingPunct="0">
+            <a:lvl7pPr eaLnBrk="0" fontAlgn="base" hangingPunct="0">
               <a:spcBef>
                 <a:spcPct val="0"/>
               </a:spcBef>
@@ -3720,7 +3986,7 @@
                 <a:latin typeface="Arial" panose="020B0604020202020204" pitchFamily="34" charset="0"/>
               </a:defRPr>
             </a:lvl7pPr>
-            <a:lvl8pPr eaLnBrk="0" fontAlgn="base" latinLnBrk="1" hangingPunct="0">
+            <a:lvl8pPr eaLnBrk="0" fontAlgn="base" hangingPunct="0">
               <a:spcBef>
                 <a:spcPct val="0"/>
               </a:spcBef>
@@ -3734,7 +4000,7 @@
                 <a:latin typeface="Arial" panose="020B0604020202020204" pitchFamily="34" charset="0"/>
               </a:defRPr>
             </a:lvl8pPr>
-            <a:lvl9pPr eaLnBrk="0" fontAlgn="base" latinLnBrk="1" hangingPunct="0">
+            <a:lvl9pPr eaLnBrk="0" fontAlgn="base" hangingPunct="0">
               <a:spcBef>
                 <a:spcPct val="0"/>
               </a:spcBef>
@@ -3750,200 +4016,135 @@
             </a:lvl9pPr>
           </a:lstStyle>
           <a:p>
-            <a:pPr algn="l" defTabSz="914400" latinLnBrk="0"/>
-            <a:r>
-              <a:rPr lang="ko-KR" altLang="en-US" sz="2000" b="1">
-                <a:ln>
-                  <a:noFill/>
-                </a:ln>
+            <a:pPr algn="l" latinLnBrk="0">
+              <a:lnSpc>
+                <a:spcPct val="100000"/>
+              </a:lnSpc>
+            </a:pPr>
+            <a:r>
+              <a:rPr lang="ko-KR" altLang="en-US" sz="2800">
                 <a:solidFill>
                   <a:srgbClr val="CCDBE9"/>
                 </a:solidFill>
-                <a:effectLst/>
-                <a:latin typeface="마비옛체_OTF" panose="02000503000000000000" pitchFamily="50" charset="-127"/>
-                <a:ea typeface="마비옛체_OTF" panose="02000503000000000000" pitchFamily="50" charset="-127"/>
+                <a:latin typeface="맑은 고딕" panose="020B0503020000020004" pitchFamily="50" charset="-127"/>
+                <a:ea typeface="맑은 고딕" panose="020B0503020000020004" pitchFamily="50" charset="-127"/>
                 <a:cs typeface="Segoe UI" panose="020B0502040204020203" pitchFamily="34" charset="0"/>
               </a:rPr>
-              <a:t>제출 파일명 </a:t>
-            </a:r>
-            <a:r>
-              <a:rPr lang="en-US" altLang="ko-KR" sz="2000" b="1">
-                <a:ln>
-                  <a:noFill/>
-                </a:ln>
+              <a:t>판매량으로 본 각 지역별 선호게임 장르</a:t>
+            </a:r>
+            <a:br>
+              <a:rPr lang="en-US" altLang="ko-KR" sz="2800">
                 <a:solidFill>
                   <a:srgbClr val="CCDBE9"/>
                 </a:solidFill>
-                <a:effectLst/>
-                <a:latin typeface="마비옛체_OTF" panose="02000503000000000000" pitchFamily="50" charset="-127"/>
-                <a:ea typeface="마비옛체_OTF" panose="02000503000000000000" pitchFamily="50" charset="-127"/>
+                <a:latin typeface="맑은 고딕" panose="020B0503020000020004" pitchFamily="50" charset="-127"/>
+                <a:ea typeface="맑은 고딕" panose="020B0503020000020004" pitchFamily="50" charset="-127"/>
                 <a:cs typeface="Segoe UI" panose="020B0502040204020203" pitchFamily="34" charset="0"/>
               </a:rPr>
-              <a:t>: AI_14_</a:t>
-            </a:r>
-            <a:r>
-              <a:rPr lang="ko-KR" altLang="en-US" sz="2000" b="1">
-                <a:ln>
-                  <a:noFill/>
-                </a:ln>
+            </a:br>
+            <a:br>
+              <a:rPr lang="en-US" altLang="ko-KR" sz="2800">
                 <a:solidFill>
                   <a:srgbClr val="CCDBE9"/>
                 </a:solidFill>
-                <a:effectLst/>
-                <a:latin typeface="마비옛체_OTF" panose="02000503000000000000" pitchFamily="50" charset="-127"/>
-                <a:ea typeface="마비옛체_OTF" panose="02000503000000000000" pitchFamily="50" charset="-127"/>
+                <a:latin typeface="맑은 고딕" panose="020B0503020000020004" pitchFamily="50" charset="-127"/>
+                <a:ea typeface="맑은 고딕" panose="020B0503020000020004" pitchFamily="50" charset="-127"/>
                 <a:cs typeface="Segoe UI" panose="020B0502040204020203" pitchFamily="34" charset="0"/>
               </a:rPr>
-              <a:t>성환영</a:t>
-            </a:r>
-            <a:r>
-              <a:rPr lang="en-US" altLang="ko-KR" sz="2000" b="1">
-                <a:ln>
-                  <a:noFill/>
-                </a:ln>
+            </a:br>
+            <a:r>
+              <a:rPr lang="en-US" altLang="ko-KR" sz="2800">
                 <a:solidFill>
                   <a:srgbClr val="CCDBE9"/>
                 </a:solidFill>
-                <a:effectLst/>
-                <a:latin typeface="마비옛체_OTF" panose="02000503000000000000" pitchFamily="50" charset="-127"/>
-                <a:ea typeface="마비옛체_OTF" panose="02000503000000000000" pitchFamily="50" charset="-127"/>
+                <a:latin typeface="맑은 고딕" panose="020B0503020000020004" pitchFamily="50" charset="-127"/>
+                <a:ea typeface="맑은 고딕" panose="020B0503020000020004" pitchFamily="50" charset="-127"/>
                 <a:cs typeface="Segoe UI" panose="020B0502040204020203" pitchFamily="34" charset="0"/>
               </a:rPr>
-              <a:t>_Section1.zip</a:t>
-            </a:r>
-          </a:p>
-          <a:p>
-            <a:pPr algn="l" defTabSz="914400" latinLnBrk="0"/>
-            <a:r>
-              <a:rPr lang="en-US" altLang="ko-KR" sz="2000" b="1">
-                <a:ln>
-                  <a:noFill/>
-                </a:ln>
+              <a:t>JP </a:t>
+            </a:r>
+            <a:r>
+              <a:rPr lang="ko-KR" altLang="en-US" sz="2800">
                 <a:solidFill>
                   <a:srgbClr val="CCDBE9"/>
                 </a:solidFill>
-                <a:effectLst/>
-                <a:latin typeface="마비옛체_OTF" panose="02000503000000000000" pitchFamily="50" charset="-127"/>
-                <a:ea typeface="마비옛체_OTF" panose="02000503000000000000" pitchFamily="50" charset="-127"/>
+                <a:latin typeface="맑은 고딕" panose="020B0503020000020004" pitchFamily="50" charset="-127"/>
+                <a:ea typeface="맑은 고딕" panose="020B0503020000020004" pitchFamily="50" charset="-127"/>
                 <a:cs typeface="Segoe UI" panose="020B0502040204020203" pitchFamily="34" charset="0"/>
               </a:rPr>
-              <a:t> </a:t>
-            </a:r>
-            <a:r>
-              <a:rPr lang="ko-KR" altLang="en-US" sz="2000" b="1">
-                <a:ln>
-                  <a:noFill/>
-                </a:ln>
+              <a:t>지역</a:t>
+            </a:r>
+            <a:r>
+              <a:rPr lang="en-US" altLang="ko-KR" sz="2800">
                 <a:solidFill>
                   <a:srgbClr val="CCDBE9"/>
                 </a:solidFill>
-                <a:effectLst/>
-                <a:latin typeface="마비옛체_OTF" panose="02000503000000000000" pitchFamily="50" charset="-127"/>
-                <a:ea typeface="마비옛체_OTF" panose="02000503000000000000" pitchFamily="50" charset="-127"/>
+                <a:latin typeface="맑은 고딕" panose="020B0503020000020004" pitchFamily="50" charset="-127"/>
+                <a:ea typeface="맑은 고딕" panose="020B0503020000020004" pitchFamily="50" charset="-127"/>
                 <a:cs typeface="Segoe UI" panose="020B0502040204020203" pitchFamily="34" charset="0"/>
               </a:rPr>
-              <a:t>파일 구성 </a:t>
-            </a:r>
-            <a:r>
-              <a:rPr lang="en-US" altLang="ko-KR" sz="2000" b="1">
-                <a:ln>
-                  <a:noFill/>
-                </a:ln>
-                <a:solidFill>
-                  <a:srgbClr val="CCDBE9"/>
-                </a:solidFill>
-                <a:effectLst/>
-                <a:latin typeface="마비옛체_OTF" panose="02000503000000000000" pitchFamily="50" charset="-127"/>
-                <a:ea typeface="마비옛체_OTF" panose="02000503000000000000" pitchFamily="50" charset="-127"/>
+              <a:t> : </a:t>
+            </a:r>
+            <a:r>
+              <a:rPr lang="ko-KR" altLang="en-US" sz="3200">
+                <a:solidFill>
+                  <a:srgbClr val="FF69B4"/>
+                </a:solidFill>
+                <a:latin typeface="맑은 고딕" panose="020B0503020000020004" pitchFamily="50" charset="-127"/>
+                <a:ea typeface="맑은 고딕" panose="020B0503020000020004" pitchFamily="50" charset="-127"/>
                 <a:cs typeface="Segoe UI" panose="020B0502040204020203" pitchFamily="34" charset="0"/>
               </a:rPr>
-              <a:t>: Ppt + </a:t>
-            </a:r>
-            <a:r>
-              <a:rPr lang="ko-KR" altLang="en-US" sz="2000" b="1">
-                <a:ln>
-                  <a:noFill/>
-                </a:ln>
+              <a:t>롤플레잉</a:t>
+            </a:r>
+            <a:br>
+              <a:rPr lang="en-US" altLang="ko-KR" sz="2800">
                 <a:solidFill>
                   <a:srgbClr val="CCDBE9"/>
                 </a:solidFill>
-                <a:effectLst/>
-                <a:latin typeface="마비옛체_OTF" panose="02000503000000000000" pitchFamily="50" charset="-127"/>
-                <a:ea typeface="마비옛체_OTF" panose="02000503000000000000" pitchFamily="50" charset="-127"/>
+                <a:latin typeface="맑은 고딕" panose="020B0503020000020004" pitchFamily="50" charset="-127"/>
+                <a:ea typeface="맑은 고딕" panose="020B0503020000020004" pitchFamily="50" charset="-127"/>
                 <a:cs typeface="Segoe UI" panose="020B0502040204020203" pitchFamily="34" charset="0"/>
               </a:rPr>
-              <a:t>영상파일 </a:t>
-            </a:r>
-            <a:r>
-              <a:rPr lang="en-US" altLang="ko-KR" sz="2000" b="1">
-                <a:ln>
-                  <a:noFill/>
-                </a:ln>
+            </a:br>
+            <a:r>
+              <a:rPr lang="ko-KR" altLang="en-US" sz="2800">
                 <a:solidFill>
                   <a:srgbClr val="CCDBE9"/>
                 </a:solidFill>
-                <a:effectLst/>
-                <a:latin typeface="마비옛체_OTF" panose="02000503000000000000" pitchFamily="50" charset="-127"/>
-                <a:ea typeface="마비옛체_OTF" panose="02000503000000000000" pitchFamily="50" charset="-127"/>
+                <a:latin typeface="맑은 고딕" panose="020B0503020000020004" pitchFamily="50" charset="-127"/>
+                <a:ea typeface="맑은 고딕" panose="020B0503020000020004" pitchFamily="50" charset="-127"/>
                 <a:cs typeface="Segoe UI" panose="020B0502040204020203" pitchFamily="34" charset="0"/>
               </a:rPr>
-              <a:t>+ </a:t>
-            </a:r>
-            <a:r>
-              <a:rPr lang="ko-KR" altLang="en-US" sz="2000" b="1">
-                <a:ln>
-                  <a:noFill/>
-                </a:ln>
+              <a:t>그외의 지역</a:t>
+            </a:r>
+            <a:r>
+              <a:rPr lang="en-US" altLang="ko-KR" sz="2800">
                 <a:solidFill>
                   <a:srgbClr val="CCDBE9"/>
                 </a:solidFill>
-                <a:effectLst/>
-                <a:latin typeface="마비옛체_OTF" panose="02000503000000000000" pitchFamily="50" charset="-127"/>
-                <a:ea typeface="마비옛체_OTF" panose="02000503000000000000" pitchFamily="50" charset="-127"/>
+                <a:latin typeface="맑은 고딕" panose="020B0503020000020004" pitchFamily="50" charset="-127"/>
+                <a:ea typeface="맑은 고딕" panose="020B0503020000020004" pitchFamily="50" charset="-127"/>
                 <a:cs typeface="Segoe UI" panose="020B0502040204020203" pitchFamily="34" charset="0"/>
               </a:rPr>
-              <a:t>코랩파일 압축해서 제출</a:t>
-            </a:r>
-            <a:r>
-              <a:rPr lang="en-US" altLang="ko-KR" sz="2000" b="1">
-                <a:ln>
-                  <a:noFill/>
-                </a:ln>
-                <a:solidFill>
-                  <a:srgbClr val="CCDBE9"/>
-                </a:solidFill>
-                <a:effectLst/>
-                <a:latin typeface="마비옛체_OTF" panose="02000503000000000000" pitchFamily="50" charset="-127"/>
-                <a:ea typeface="마비옛체_OTF" panose="02000503000000000000" pitchFamily="50" charset="-127"/>
+              <a:t>(NA,EU,Other): </a:t>
+            </a:r>
+            <a:r>
+              <a:rPr lang="ko-KR" altLang="en-US" sz="3200">
+                <a:solidFill>
+                  <a:srgbClr val="FF0000"/>
+                </a:solidFill>
+                <a:latin typeface="맑은 고딕" panose="020B0503020000020004" pitchFamily="50" charset="-127"/>
+                <a:ea typeface="맑은 고딕" panose="020B0503020000020004" pitchFamily="50" charset="-127"/>
                 <a:cs typeface="Segoe UI" panose="020B0502040204020203" pitchFamily="34" charset="0"/>
               </a:rPr>
-              <a:t>. </a:t>
-            </a:r>
-          </a:p>
-          <a:p>
-            <a:pPr algn="l" defTabSz="914400" latinLnBrk="0"/>
-            <a:r>
-              <a:rPr lang="en-US" altLang="ko-KR" sz="2000" b="1">
-                <a:ln>
-                  <a:noFill/>
-                </a:ln>
-                <a:solidFill>
-                  <a:srgbClr val="CCDBE9"/>
-                </a:solidFill>
-                <a:effectLst/>
-                <a:latin typeface="마비옛체_OTF" panose="02000503000000000000" pitchFamily="50" charset="-127"/>
-                <a:ea typeface="마비옛체_OTF" panose="02000503000000000000" pitchFamily="50" charset="-127"/>
-                <a:cs typeface="Segoe UI" panose="020B0502040204020203" pitchFamily="34" charset="0"/>
-              </a:rPr>
-              <a:t> </a:t>
-            </a:r>
-            <a:endParaRPr lang="ko-KR" altLang="ko-KR" sz="2000">
-              <a:ln>
-                <a:noFill/>
-              </a:ln>
-              <a:effectLst/>
-              <a:latin typeface="마비옛체_OTF" panose="02000503000000000000" pitchFamily="50" charset="-127"/>
-              <a:ea typeface="마비옛체_OTF" panose="02000503000000000000" pitchFamily="50" charset="-127"/>
+              <a:t>액션</a:t>
+            </a:r>
+            <a:endParaRPr lang="ko-KR" altLang="ko-KR" sz="2800">
+              <a:solidFill>
+                <a:srgbClr val="FF0000"/>
+              </a:solidFill>
+              <a:latin typeface="맑은 고딕" panose="020B0503020000020004" pitchFamily="50" charset="-127"/>
+              <a:ea typeface="맑은 고딕" panose="020B0503020000020004" pitchFamily="50" charset="-127"/>
             </a:endParaRPr>
           </a:p>
         </p:txBody>
@@ -3951,7 +4152,1469 @@
     </p:spTree>
     <p:extLst>
       <p:ext uri="{BB962C8B-B14F-4D97-AF65-F5344CB8AC3E}">
-        <p14:creationId xmlns:p14="http://schemas.microsoft.com/office/powerpoint/2010/main" val="567759182"/>
+        <p14:creationId xmlns:p14="http://schemas.microsoft.com/office/powerpoint/2010/main" val="351049335"/>
+      </p:ext>
+    </p:extLst>
+  </p:cSld>
+  <p:clrMapOvr>
+    <a:masterClrMapping/>
+  </p:clrMapOvr>
+</p:sld>
+</file>
+
+<file path=ppt/slides/slide14.xml><?xml version="1.0" encoding="utf-8"?>
+<p:sld xmlns:a="http://schemas.openxmlformats.org/drawingml/2006/main" xmlns:r="http://schemas.openxmlformats.org/officeDocument/2006/relationships" xmlns:p="http://schemas.openxmlformats.org/presentationml/2006/main">
+  <p:cSld>
+    <p:spTree>
+      <p:nvGrpSpPr>
+        <p:cNvPr id="1" name=""/>
+        <p:cNvGrpSpPr/>
+        <p:nvPr/>
+      </p:nvGrpSpPr>
+      <p:grpSpPr>
+        <a:xfrm>
+          <a:off x="0" y="0"/>
+          <a:ext cx="0" cy="0"/>
+          <a:chOff x="0" y="0"/>
+          <a:chExt cx="0" cy="0"/>
+        </a:xfrm>
+      </p:grpSpPr>
+      <p:pic>
+        <p:nvPicPr>
+          <p:cNvPr id="5" name="그림 4">
+            <a:extLst>
+              <a:ext uri="{FF2B5EF4-FFF2-40B4-BE49-F238E27FC236}">
+                <a16:creationId xmlns:a16="http://schemas.microsoft.com/office/drawing/2014/main" id="{FABCFA1D-D4C0-926B-6D98-2D376A2F3815}"/>
+              </a:ext>
+            </a:extLst>
+          </p:cNvPr>
+          <p:cNvPicPr>
+            <a:picLocks noChangeAspect="1"/>
+          </p:cNvPicPr>
+          <p:nvPr/>
+        </p:nvPicPr>
+        <p:blipFill rotWithShape="1">
+          <a:blip r:embed="rId2"/>
+          <a:srcRect t="38938" b="42036"/>
+          <a:stretch/>
+        </p:blipFill>
+        <p:spPr>
+          <a:xfrm>
+            <a:off x="704850" y="2952751"/>
+            <a:ext cx="7966444" cy="704850"/>
+          </a:xfrm>
+          <a:prstGeom prst="rect">
+            <a:avLst/>
+          </a:prstGeom>
+        </p:spPr>
+      </p:pic>
+    </p:spTree>
+    <p:extLst>
+      <p:ext uri="{BB962C8B-B14F-4D97-AF65-F5344CB8AC3E}">
+        <p14:creationId xmlns:p14="http://schemas.microsoft.com/office/powerpoint/2010/main" val="937604165"/>
+      </p:ext>
+    </p:extLst>
+  </p:cSld>
+  <p:clrMapOvr>
+    <a:masterClrMapping/>
+  </p:clrMapOvr>
+</p:sld>
+</file>
+
+<file path=ppt/slides/slide15.xml><?xml version="1.0" encoding="utf-8"?>
+<p:sld xmlns:a="http://schemas.openxmlformats.org/drawingml/2006/main" xmlns:r="http://schemas.openxmlformats.org/officeDocument/2006/relationships" xmlns:p="http://schemas.openxmlformats.org/presentationml/2006/main">
+  <p:cSld>
+    <p:spTree>
+      <p:nvGrpSpPr>
+        <p:cNvPr id="1" name=""/>
+        <p:cNvGrpSpPr/>
+        <p:nvPr/>
+      </p:nvGrpSpPr>
+      <p:grpSpPr>
+        <a:xfrm>
+          <a:off x="0" y="0"/>
+          <a:ext cx="0" cy="0"/>
+          <a:chOff x="0" y="0"/>
+          <a:chExt cx="0" cy="0"/>
+        </a:xfrm>
+      </p:grpSpPr>
+      <p:pic>
+        <p:nvPicPr>
+          <p:cNvPr id="5" name="그림 4">
+            <a:extLst>
+              <a:ext uri="{FF2B5EF4-FFF2-40B4-BE49-F238E27FC236}">
+                <a16:creationId xmlns:a16="http://schemas.microsoft.com/office/drawing/2014/main" id="{C7EE7A22-DF83-B250-1FD6-BC67DB6A002C}"/>
+              </a:ext>
+            </a:extLst>
+          </p:cNvPr>
+          <p:cNvPicPr>
+            <a:picLocks noChangeAspect="1"/>
+          </p:cNvPicPr>
+          <p:nvPr/>
+        </p:nvPicPr>
+        <p:blipFill>
+          <a:blip r:embed="rId2"/>
+          <a:stretch>
+            <a:fillRect/>
+          </a:stretch>
+        </p:blipFill>
+        <p:spPr>
+          <a:xfrm>
+            <a:off x="4860926" y="1036359"/>
+            <a:ext cx="3362794" cy="3972479"/>
+          </a:xfrm>
+          <a:prstGeom prst="rect">
+            <a:avLst/>
+          </a:prstGeom>
+        </p:spPr>
+      </p:pic>
+      <p:sp>
+        <p:nvSpPr>
+          <p:cNvPr id="6" name="직사각형 5">
+            <a:extLst>
+              <a:ext uri="{FF2B5EF4-FFF2-40B4-BE49-F238E27FC236}">
+                <a16:creationId xmlns:a16="http://schemas.microsoft.com/office/drawing/2014/main" id="{11289AC7-3432-5629-0F4E-1EDB958A509B}"/>
+              </a:ext>
+            </a:extLst>
+          </p:cNvPr>
+          <p:cNvSpPr/>
+          <p:nvPr/>
+        </p:nvSpPr>
+        <p:spPr>
+          <a:xfrm>
+            <a:off x="5286177" y="1459346"/>
+            <a:ext cx="2863274" cy="1320800"/>
+          </a:xfrm>
+          <a:prstGeom prst="rect">
+            <a:avLst/>
+          </a:prstGeom>
+          <a:noFill/>
+          <a:ln w="57150">
+            <a:solidFill>
+              <a:srgbClr val="FF0000"/>
+            </a:solidFill>
+          </a:ln>
+        </p:spPr>
+        <p:style>
+          <a:lnRef idx="2">
+            <a:schemeClr val="accent1">
+              <a:shade val="50000"/>
+            </a:schemeClr>
+          </a:lnRef>
+          <a:fillRef idx="1">
+            <a:schemeClr val="accent1"/>
+          </a:fillRef>
+          <a:effectRef idx="0">
+            <a:schemeClr val="accent1"/>
+          </a:effectRef>
+          <a:fontRef idx="minor">
+            <a:schemeClr val="lt1"/>
+          </a:fontRef>
+        </p:style>
+        <p:txBody>
+          <a:bodyPr rtlCol="0" anchor="ctr"/>
+          <a:lstStyle/>
+          <a:p>
+            <a:pPr algn="ctr"/>
+            <a:endParaRPr lang="ko-KR" altLang="en-US"/>
+          </a:p>
+        </p:txBody>
+      </p:sp>
+      <p:sp>
+        <p:nvSpPr>
+          <p:cNvPr id="7" name="화살표: 오른쪽 6">
+            <a:extLst>
+              <a:ext uri="{FF2B5EF4-FFF2-40B4-BE49-F238E27FC236}">
+                <a16:creationId xmlns:a16="http://schemas.microsoft.com/office/drawing/2014/main" id="{417F087D-F081-0F31-666B-CD05E6B1CF9A}"/>
+              </a:ext>
+            </a:extLst>
+          </p:cNvPr>
+          <p:cNvSpPr/>
+          <p:nvPr/>
+        </p:nvSpPr>
+        <p:spPr>
+          <a:xfrm rot="15704378">
+            <a:off x="5544930" y="5179784"/>
+            <a:ext cx="1332972" cy="973046"/>
+          </a:xfrm>
+          <a:prstGeom prst="rightArrow">
+            <a:avLst>
+              <a:gd name="adj1" fmla="val 50000"/>
+              <a:gd name="adj2" fmla="val 63313"/>
+            </a:avLst>
+          </a:prstGeom>
+          <a:solidFill>
+            <a:schemeClr val="tx1"/>
+          </a:solidFill>
+          <a:ln w="57150">
+            <a:solidFill>
+              <a:srgbClr val="FF0000"/>
+            </a:solidFill>
+          </a:ln>
+        </p:spPr>
+        <p:style>
+          <a:lnRef idx="2">
+            <a:schemeClr val="accent1">
+              <a:shade val="50000"/>
+            </a:schemeClr>
+          </a:lnRef>
+          <a:fillRef idx="1">
+            <a:schemeClr val="accent1"/>
+          </a:fillRef>
+          <a:effectRef idx="0">
+            <a:schemeClr val="accent1"/>
+          </a:effectRef>
+          <a:fontRef idx="minor">
+            <a:schemeClr val="lt1"/>
+          </a:fontRef>
+        </p:style>
+        <p:txBody>
+          <a:bodyPr rtlCol="0" anchor="ctr"/>
+          <a:lstStyle/>
+          <a:p>
+            <a:pPr algn="ctr"/>
+            <a:endParaRPr lang="ko-KR" altLang="en-US"/>
+          </a:p>
+        </p:txBody>
+      </p:sp>
+      <p:pic>
+        <p:nvPicPr>
+          <p:cNvPr id="9" name="그림 8">
+            <a:extLst>
+              <a:ext uri="{FF2B5EF4-FFF2-40B4-BE49-F238E27FC236}">
+                <a16:creationId xmlns:a16="http://schemas.microsoft.com/office/drawing/2014/main" id="{4909842E-0496-BC9F-051B-A1C288A25650}"/>
+              </a:ext>
+            </a:extLst>
+          </p:cNvPr>
+          <p:cNvPicPr>
+            <a:picLocks noChangeAspect="1"/>
+          </p:cNvPicPr>
+          <p:nvPr/>
+        </p:nvPicPr>
+        <p:blipFill>
+          <a:blip r:embed="rId3"/>
+          <a:stretch>
+            <a:fillRect/>
+          </a:stretch>
+        </p:blipFill>
+        <p:spPr>
+          <a:xfrm>
+            <a:off x="265258" y="1069720"/>
+            <a:ext cx="3829050" cy="4191000"/>
+          </a:xfrm>
+          <a:prstGeom prst="rect">
+            <a:avLst/>
+          </a:prstGeom>
+        </p:spPr>
+      </p:pic>
+      <p:sp>
+        <p:nvSpPr>
+          <p:cNvPr id="10" name="직사각형 9">
+            <a:extLst>
+              <a:ext uri="{FF2B5EF4-FFF2-40B4-BE49-F238E27FC236}">
+                <a16:creationId xmlns:a16="http://schemas.microsoft.com/office/drawing/2014/main" id="{A570F24C-ED61-9354-EB15-0C0343D8D596}"/>
+              </a:ext>
+            </a:extLst>
+          </p:cNvPr>
+          <p:cNvSpPr/>
+          <p:nvPr/>
+        </p:nvSpPr>
+        <p:spPr>
+          <a:xfrm>
+            <a:off x="849745" y="1459346"/>
+            <a:ext cx="1948873" cy="3722254"/>
+          </a:xfrm>
+          <a:prstGeom prst="rect">
+            <a:avLst/>
+          </a:prstGeom>
+          <a:noFill/>
+          <a:ln w="57150">
+            <a:solidFill>
+              <a:srgbClr val="FF0000"/>
+            </a:solidFill>
+          </a:ln>
+        </p:spPr>
+        <p:style>
+          <a:lnRef idx="2">
+            <a:schemeClr val="accent1">
+              <a:shade val="50000"/>
+            </a:schemeClr>
+          </a:lnRef>
+          <a:fillRef idx="1">
+            <a:schemeClr val="accent1"/>
+          </a:fillRef>
+          <a:effectRef idx="0">
+            <a:schemeClr val="accent1"/>
+          </a:effectRef>
+          <a:fontRef idx="minor">
+            <a:schemeClr val="lt1"/>
+          </a:fontRef>
+        </p:style>
+        <p:txBody>
+          <a:bodyPr rtlCol="0" anchor="ctr"/>
+          <a:lstStyle/>
+          <a:p>
+            <a:pPr algn="ctr"/>
+            <a:endParaRPr lang="ko-KR" altLang="en-US"/>
+          </a:p>
+        </p:txBody>
+      </p:sp>
+      <p:sp>
+        <p:nvSpPr>
+          <p:cNvPr id="11" name="직사각형 10">
+            <a:extLst>
+              <a:ext uri="{FF2B5EF4-FFF2-40B4-BE49-F238E27FC236}">
+                <a16:creationId xmlns:a16="http://schemas.microsoft.com/office/drawing/2014/main" id="{F845D64C-DCC2-D64E-B7F0-EAA877030155}"/>
+              </a:ext>
+            </a:extLst>
+          </p:cNvPr>
+          <p:cNvSpPr/>
+          <p:nvPr/>
+        </p:nvSpPr>
+        <p:spPr>
+          <a:xfrm>
+            <a:off x="5286177" y="2951018"/>
+            <a:ext cx="2863274" cy="1814945"/>
+          </a:xfrm>
+          <a:prstGeom prst="rect">
+            <a:avLst/>
+          </a:prstGeom>
+          <a:noFill/>
+          <a:ln w="57150">
+            <a:solidFill>
+              <a:srgbClr val="FF0000"/>
+            </a:solidFill>
+          </a:ln>
+        </p:spPr>
+        <p:style>
+          <a:lnRef idx="2">
+            <a:schemeClr val="accent1">
+              <a:shade val="50000"/>
+            </a:schemeClr>
+          </a:lnRef>
+          <a:fillRef idx="1">
+            <a:schemeClr val="accent1"/>
+          </a:fillRef>
+          <a:effectRef idx="0">
+            <a:schemeClr val="accent1"/>
+          </a:effectRef>
+          <a:fontRef idx="minor">
+            <a:schemeClr val="lt1"/>
+          </a:fontRef>
+        </p:style>
+        <p:txBody>
+          <a:bodyPr rtlCol="0" anchor="ctr"/>
+          <a:lstStyle/>
+          <a:p>
+            <a:pPr algn="ctr"/>
+            <a:endParaRPr lang="ko-KR" altLang="en-US"/>
+          </a:p>
+        </p:txBody>
+      </p:sp>
+    </p:spTree>
+    <p:extLst>
+      <p:ext uri="{BB962C8B-B14F-4D97-AF65-F5344CB8AC3E}">
+        <p14:creationId xmlns:p14="http://schemas.microsoft.com/office/powerpoint/2010/main" val="1111729528"/>
+      </p:ext>
+    </p:extLst>
+  </p:cSld>
+  <p:clrMapOvr>
+    <a:masterClrMapping/>
+  </p:clrMapOvr>
+</p:sld>
+</file>
+
+<file path=ppt/slides/slide16.xml><?xml version="1.0" encoding="utf-8"?>
+<p:sld xmlns:a="http://schemas.openxmlformats.org/drawingml/2006/main" xmlns:r="http://schemas.openxmlformats.org/officeDocument/2006/relationships" xmlns:p="http://schemas.openxmlformats.org/presentationml/2006/main">
+  <p:cSld>
+    <p:spTree>
+      <p:nvGrpSpPr>
+        <p:cNvPr id="1" name=""/>
+        <p:cNvGrpSpPr/>
+        <p:nvPr/>
+      </p:nvGrpSpPr>
+      <p:grpSpPr>
+        <a:xfrm>
+          <a:off x="0" y="0"/>
+          <a:ext cx="0" cy="0"/>
+          <a:chOff x="0" y="0"/>
+          <a:chExt cx="0" cy="0"/>
+        </a:xfrm>
+      </p:grpSpPr>
+      <p:pic>
+        <p:nvPicPr>
+          <p:cNvPr id="3" name="그림 2">
+            <a:extLst>
+              <a:ext uri="{FF2B5EF4-FFF2-40B4-BE49-F238E27FC236}">
+                <a16:creationId xmlns:a16="http://schemas.microsoft.com/office/drawing/2014/main" id="{8ACF7773-8905-A55D-BF91-4F5CAA9F79A0}"/>
+              </a:ext>
+            </a:extLst>
+          </p:cNvPr>
+          <p:cNvPicPr>
+            <a:picLocks noChangeAspect="1"/>
+          </p:cNvPicPr>
+          <p:nvPr/>
+        </p:nvPicPr>
+        <p:blipFill rotWithShape="1">
+          <a:blip r:embed="rId2"/>
+          <a:srcRect b="45386"/>
+          <a:stretch/>
+        </p:blipFill>
+        <p:spPr>
+          <a:xfrm>
+            <a:off x="4572000" y="2850332"/>
+            <a:ext cx="3610479" cy="3350584"/>
+          </a:xfrm>
+          <a:prstGeom prst="rect">
+            <a:avLst/>
+          </a:prstGeom>
+        </p:spPr>
+      </p:pic>
+      <p:sp>
+        <p:nvSpPr>
+          <p:cNvPr id="4" name="Rectangle 1">
+            <a:extLst>
+              <a:ext uri="{FF2B5EF4-FFF2-40B4-BE49-F238E27FC236}">
+                <a16:creationId xmlns:a16="http://schemas.microsoft.com/office/drawing/2014/main" id="{2D49D277-56FF-7B6C-27F7-F2C2C1AE5436}"/>
+              </a:ext>
+            </a:extLst>
+          </p:cNvPr>
+          <p:cNvSpPr>
+            <a:spLocks noGrp="1" noChangeArrowheads="1"/>
+          </p:cNvSpPr>
+          <p:nvPr>
+            <p:ph type="ctrTitle"/>
+          </p:nvPr>
+        </p:nvSpPr>
+        <p:spPr bwMode="auto">
+          <a:xfrm>
+            <a:off x="470394" y="1112408"/>
+            <a:ext cx="4609606" cy="861774"/>
+          </a:xfrm>
+          <a:prstGeom prst="rect">
+            <a:avLst/>
+          </a:prstGeom>
+          <a:solidFill>
+            <a:srgbClr val="262829"/>
+          </a:solidFill>
+          <a:ln>
+            <a:noFill/>
+          </a:ln>
+          <a:effectLst/>
+          <a:extLst>
+            <a:ext uri="{91240B29-F687-4F45-9708-019B960494DF}">
+              <a14:hiddenLine xmlns:a14="http://schemas.microsoft.com/office/drawing/2010/main" w="9525">
+                <a:solidFill>
+                  <a:schemeClr val="tx1"/>
+                </a:solidFill>
+                <a:miter lim="800000"/>
+                <a:headEnd/>
+                <a:tailEnd/>
+              </a14:hiddenLine>
+            </a:ext>
+            <a:ext uri="{AF507438-7753-43E0-B8FC-AC1667EBCBE1}">
+              <a14:hiddenEffects xmlns:a14="http://schemas.microsoft.com/office/drawing/2010/main">
+                <a:effectLst>
+                  <a:outerShdw dist="35921" dir="2700000" algn="ctr" rotWithShape="0">
+                    <a:schemeClr val="bg2"/>
+                  </a:outerShdw>
+                </a:effectLst>
+              </a14:hiddenEffects>
+            </a:ext>
+          </a:extLst>
+        </p:spPr>
+        <p:txBody>
+          <a:bodyPr vert="horz" wrap="square" lIns="0" tIns="0" rIns="0" bIns="0" numCol="1" rtlCol="0" anchor="ctr" anchorCtr="0" compatLnSpc="1">
+            <a:prstTxWarp prst="textNoShape">
+              <a:avLst/>
+            </a:prstTxWarp>
+            <a:spAutoFit/>
+          </a:bodyPr>
+          <a:lstStyle>
+            <a:lvl1pPr eaLnBrk="0" fontAlgn="base" hangingPunct="0">
+              <a:spcBef>
+                <a:spcPct val="0"/>
+              </a:spcBef>
+              <a:spcAft>
+                <a:spcPct val="0"/>
+              </a:spcAft>
+              <a:defRPr>
+                <a:solidFill>
+                  <a:schemeClr val="tx1"/>
+                </a:solidFill>
+                <a:latin typeface="Arial" panose="020B0604020202020204" pitchFamily="34" charset="0"/>
+              </a:defRPr>
+            </a:lvl1pPr>
+            <a:lvl2pPr eaLnBrk="0" fontAlgn="base" hangingPunct="0">
+              <a:spcBef>
+                <a:spcPct val="0"/>
+              </a:spcBef>
+              <a:spcAft>
+                <a:spcPct val="0"/>
+              </a:spcAft>
+              <a:defRPr>
+                <a:solidFill>
+                  <a:schemeClr val="tx1"/>
+                </a:solidFill>
+                <a:latin typeface="Arial" panose="020B0604020202020204" pitchFamily="34" charset="0"/>
+              </a:defRPr>
+            </a:lvl2pPr>
+            <a:lvl3pPr eaLnBrk="0" fontAlgn="base" hangingPunct="0">
+              <a:spcBef>
+                <a:spcPct val="0"/>
+              </a:spcBef>
+              <a:spcAft>
+                <a:spcPct val="0"/>
+              </a:spcAft>
+              <a:defRPr>
+                <a:solidFill>
+                  <a:schemeClr val="tx1"/>
+                </a:solidFill>
+                <a:latin typeface="Arial" panose="020B0604020202020204" pitchFamily="34" charset="0"/>
+              </a:defRPr>
+            </a:lvl3pPr>
+            <a:lvl4pPr eaLnBrk="0" fontAlgn="base" hangingPunct="0">
+              <a:spcBef>
+                <a:spcPct val="0"/>
+              </a:spcBef>
+              <a:spcAft>
+                <a:spcPct val="0"/>
+              </a:spcAft>
+              <a:defRPr>
+                <a:solidFill>
+                  <a:schemeClr val="tx1"/>
+                </a:solidFill>
+                <a:latin typeface="Arial" panose="020B0604020202020204" pitchFamily="34" charset="0"/>
+              </a:defRPr>
+            </a:lvl4pPr>
+            <a:lvl5pPr eaLnBrk="0" fontAlgn="base" hangingPunct="0">
+              <a:spcBef>
+                <a:spcPct val="0"/>
+              </a:spcBef>
+              <a:spcAft>
+                <a:spcPct val="0"/>
+              </a:spcAft>
+              <a:defRPr>
+                <a:solidFill>
+                  <a:schemeClr val="tx1"/>
+                </a:solidFill>
+                <a:latin typeface="Arial" panose="020B0604020202020204" pitchFamily="34" charset="0"/>
+              </a:defRPr>
+            </a:lvl5pPr>
+            <a:lvl6pPr eaLnBrk="0" fontAlgn="base" hangingPunct="0">
+              <a:spcBef>
+                <a:spcPct val="0"/>
+              </a:spcBef>
+              <a:spcAft>
+                <a:spcPct val="0"/>
+              </a:spcAft>
+              <a:defRPr>
+                <a:solidFill>
+                  <a:schemeClr val="tx1"/>
+                </a:solidFill>
+                <a:latin typeface="Arial" panose="020B0604020202020204" pitchFamily="34" charset="0"/>
+              </a:defRPr>
+            </a:lvl6pPr>
+            <a:lvl7pPr eaLnBrk="0" fontAlgn="base" hangingPunct="0">
+              <a:spcBef>
+                <a:spcPct val="0"/>
+              </a:spcBef>
+              <a:spcAft>
+                <a:spcPct val="0"/>
+              </a:spcAft>
+              <a:defRPr>
+                <a:solidFill>
+                  <a:schemeClr val="tx1"/>
+                </a:solidFill>
+                <a:latin typeface="Arial" panose="020B0604020202020204" pitchFamily="34" charset="0"/>
+              </a:defRPr>
+            </a:lvl7pPr>
+            <a:lvl8pPr eaLnBrk="0" fontAlgn="base" hangingPunct="0">
+              <a:spcBef>
+                <a:spcPct val="0"/>
+              </a:spcBef>
+              <a:spcAft>
+                <a:spcPct val="0"/>
+              </a:spcAft>
+              <a:defRPr>
+                <a:solidFill>
+                  <a:schemeClr val="tx1"/>
+                </a:solidFill>
+                <a:latin typeface="Arial" panose="020B0604020202020204" pitchFamily="34" charset="0"/>
+              </a:defRPr>
+            </a:lvl8pPr>
+            <a:lvl9pPr eaLnBrk="0" fontAlgn="base" hangingPunct="0">
+              <a:spcBef>
+                <a:spcPct val="0"/>
+              </a:spcBef>
+              <a:spcAft>
+                <a:spcPct val="0"/>
+              </a:spcAft>
+              <a:defRPr>
+                <a:solidFill>
+                  <a:schemeClr val="tx1"/>
+                </a:solidFill>
+                <a:latin typeface="Arial" panose="020B0604020202020204" pitchFamily="34" charset="0"/>
+              </a:defRPr>
+            </a:lvl9pPr>
+          </a:lstStyle>
+          <a:p>
+            <a:pPr algn="l" latinLnBrk="0">
+              <a:lnSpc>
+                <a:spcPct val="100000"/>
+              </a:lnSpc>
+            </a:pPr>
+            <a:r>
+              <a:rPr lang="ko-KR" altLang="en-US" sz="2800">
+                <a:solidFill>
+                  <a:srgbClr val="FF0000"/>
+                </a:solidFill>
+                <a:latin typeface="맑은 고딕" panose="020B0503020000020004" pitchFamily="50" charset="-127"/>
+                <a:ea typeface="맑은 고딕" panose="020B0503020000020004" pitchFamily="50" charset="-127"/>
+                <a:cs typeface="Segoe UI" panose="020B0502040204020203" pitchFamily="34" charset="0"/>
+              </a:rPr>
+              <a:t>연도별 판매량 </a:t>
+            </a:r>
+            <a:r>
+              <a:rPr lang="en-US" altLang="ko-KR" sz="2800">
+                <a:solidFill>
+                  <a:srgbClr val="FF0000"/>
+                </a:solidFill>
+                <a:latin typeface="맑은 고딕" panose="020B0503020000020004" pitchFamily="50" charset="-127"/>
+                <a:ea typeface="맑은 고딕" panose="020B0503020000020004" pitchFamily="50" charset="-127"/>
+                <a:cs typeface="Segoe UI" panose="020B0502040204020203" pitchFamily="34" charset="0"/>
+              </a:rPr>
+              <a:t>1</a:t>
+            </a:r>
+            <a:r>
+              <a:rPr lang="ko-KR" altLang="en-US" sz="2800">
+                <a:solidFill>
+                  <a:srgbClr val="FF0000"/>
+                </a:solidFill>
+                <a:latin typeface="맑은 고딕" panose="020B0503020000020004" pitchFamily="50" charset="-127"/>
+                <a:ea typeface="맑은 고딕" panose="020B0503020000020004" pitchFamily="50" charset="-127"/>
+                <a:cs typeface="Segoe UI" panose="020B0502040204020203" pitchFamily="34" charset="0"/>
+              </a:rPr>
+              <a:t>위 장르 </a:t>
+            </a:r>
+            <a:br>
+              <a:rPr lang="en-US" altLang="ko-KR" sz="2800">
+                <a:solidFill>
+                  <a:srgbClr val="FF0000"/>
+                </a:solidFill>
+                <a:latin typeface="맑은 고딕" panose="020B0503020000020004" pitchFamily="50" charset="-127"/>
+                <a:ea typeface="맑은 고딕" panose="020B0503020000020004" pitchFamily="50" charset="-127"/>
+                <a:cs typeface="Segoe UI" panose="020B0502040204020203" pitchFamily="34" charset="0"/>
+              </a:rPr>
+            </a:br>
+            <a:r>
+              <a:rPr lang="ko-KR" altLang="en-US" sz="2800">
+                <a:solidFill>
+                  <a:srgbClr val="FF0000"/>
+                </a:solidFill>
+                <a:latin typeface="맑은 고딕" panose="020B0503020000020004" pitchFamily="50" charset="-127"/>
+                <a:ea typeface="맑은 고딕" panose="020B0503020000020004" pitchFamily="50" charset="-127"/>
+                <a:cs typeface="Segoe UI" panose="020B0502040204020203" pitchFamily="34" charset="0"/>
+              </a:rPr>
+              <a:t>한개씩만 뽑아내기 성공</a:t>
+            </a:r>
+            <a:r>
+              <a:rPr lang="en-US" altLang="ko-KR" sz="2800">
+                <a:solidFill>
+                  <a:srgbClr val="FF0000"/>
+                </a:solidFill>
+                <a:latin typeface="맑은 고딕" panose="020B0503020000020004" pitchFamily="50" charset="-127"/>
+                <a:ea typeface="맑은 고딕" panose="020B0503020000020004" pitchFamily="50" charset="-127"/>
+                <a:cs typeface="Segoe UI" panose="020B0502040204020203" pitchFamily="34" charset="0"/>
+              </a:rPr>
+              <a:t>.</a:t>
+            </a:r>
+            <a:endParaRPr lang="ko-KR" altLang="ko-KR" sz="2800">
+              <a:solidFill>
+                <a:srgbClr val="FF0000"/>
+              </a:solidFill>
+              <a:latin typeface="맑은 고딕" panose="020B0503020000020004" pitchFamily="50" charset="-127"/>
+              <a:ea typeface="맑은 고딕" panose="020B0503020000020004" pitchFamily="50" charset="-127"/>
+            </a:endParaRPr>
+          </a:p>
+        </p:txBody>
+      </p:sp>
+      <p:sp>
+        <p:nvSpPr>
+          <p:cNvPr id="5" name="직사각형 4">
+            <a:extLst>
+              <a:ext uri="{FF2B5EF4-FFF2-40B4-BE49-F238E27FC236}">
+                <a16:creationId xmlns:a16="http://schemas.microsoft.com/office/drawing/2014/main" id="{D8DDD3CD-85FD-D45B-BB48-A1CF25F680AE}"/>
+              </a:ext>
+            </a:extLst>
+          </p:cNvPr>
+          <p:cNvSpPr/>
+          <p:nvPr/>
+        </p:nvSpPr>
+        <p:spPr>
+          <a:xfrm>
+            <a:off x="4672661" y="3200011"/>
+            <a:ext cx="3509818" cy="341745"/>
+          </a:xfrm>
+          <a:prstGeom prst="rect">
+            <a:avLst/>
+          </a:prstGeom>
+          <a:noFill/>
+          <a:ln w="57150">
+            <a:solidFill>
+              <a:srgbClr val="FF0000"/>
+            </a:solidFill>
+          </a:ln>
+        </p:spPr>
+        <p:style>
+          <a:lnRef idx="2">
+            <a:schemeClr val="accent1">
+              <a:shade val="50000"/>
+            </a:schemeClr>
+          </a:lnRef>
+          <a:fillRef idx="1">
+            <a:schemeClr val="accent1"/>
+          </a:fillRef>
+          <a:effectRef idx="0">
+            <a:schemeClr val="accent1"/>
+          </a:effectRef>
+          <a:fontRef idx="minor">
+            <a:schemeClr val="lt1"/>
+          </a:fontRef>
+        </p:style>
+        <p:txBody>
+          <a:bodyPr rtlCol="0" anchor="ctr"/>
+          <a:lstStyle/>
+          <a:p>
+            <a:pPr algn="ctr"/>
+            <a:endParaRPr lang="ko-KR" altLang="en-US"/>
+          </a:p>
+        </p:txBody>
+      </p:sp>
+      <p:sp>
+        <p:nvSpPr>
+          <p:cNvPr id="6" name="직사각형 5">
+            <a:extLst>
+              <a:ext uri="{FF2B5EF4-FFF2-40B4-BE49-F238E27FC236}">
+                <a16:creationId xmlns:a16="http://schemas.microsoft.com/office/drawing/2014/main" id="{C577D84B-F196-AF0D-FA3C-BFD653208AA0}"/>
+              </a:ext>
+            </a:extLst>
+          </p:cNvPr>
+          <p:cNvSpPr/>
+          <p:nvPr/>
+        </p:nvSpPr>
+        <p:spPr>
+          <a:xfrm>
+            <a:off x="4672661" y="3549690"/>
+            <a:ext cx="3509818" cy="341745"/>
+          </a:xfrm>
+          <a:prstGeom prst="rect">
+            <a:avLst/>
+          </a:prstGeom>
+          <a:noFill/>
+          <a:ln w="57150">
+            <a:solidFill>
+              <a:srgbClr val="FF0000"/>
+            </a:solidFill>
+          </a:ln>
+        </p:spPr>
+        <p:style>
+          <a:lnRef idx="2">
+            <a:schemeClr val="accent1">
+              <a:shade val="50000"/>
+            </a:schemeClr>
+          </a:lnRef>
+          <a:fillRef idx="1">
+            <a:schemeClr val="accent1"/>
+          </a:fillRef>
+          <a:effectRef idx="0">
+            <a:schemeClr val="accent1"/>
+          </a:effectRef>
+          <a:fontRef idx="minor">
+            <a:schemeClr val="lt1"/>
+          </a:fontRef>
+        </p:style>
+        <p:txBody>
+          <a:bodyPr rtlCol="0" anchor="ctr"/>
+          <a:lstStyle/>
+          <a:p>
+            <a:pPr algn="ctr"/>
+            <a:endParaRPr lang="ko-KR" altLang="en-US"/>
+          </a:p>
+        </p:txBody>
+      </p:sp>
+      <p:sp>
+        <p:nvSpPr>
+          <p:cNvPr id="7" name="직사각형 6">
+            <a:extLst>
+              <a:ext uri="{FF2B5EF4-FFF2-40B4-BE49-F238E27FC236}">
+                <a16:creationId xmlns:a16="http://schemas.microsoft.com/office/drawing/2014/main" id="{E0225BED-8D33-03B8-2760-7C88D329A3A1}"/>
+              </a:ext>
+            </a:extLst>
+          </p:cNvPr>
+          <p:cNvSpPr/>
+          <p:nvPr/>
+        </p:nvSpPr>
+        <p:spPr>
+          <a:xfrm>
+            <a:off x="4672661" y="3899369"/>
+            <a:ext cx="3509818" cy="341745"/>
+          </a:xfrm>
+          <a:prstGeom prst="rect">
+            <a:avLst/>
+          </a:prstGeom>
+          <a:noFill/>
+          <a:ln w="57150">
+            <a:solidFill>
+              <a:srgbClr val="FF0000"/>
+            </a:solidFill>
+          </a:ln>
+        </p:spPr>
+        <p:style>
+          <a:lnRef idx="2">
+            <a:schemeClr val="accent1">
+              <a:shade val="50000"/>
+            </a:schemeClr>
+          </a:lnRef>
+          <a:fillRef idx="1">
+            <a:schemeClr val="accent1"/>
+          </a:fillRef>
+          <a:effectRef idx="0">
+            <a:schemeClr val="accent1"/>
+          </a:effectRef>
+          <a:fontRef idx="minor">
+            <a:schemeClr val="lt1"/>
+          </a:fontRef>
+        </p:style>
+        <p:txBody>
+          <a:bodyPr rtlCol="0" anchor="ctr"/>
+          <a:lstStyle/>
+          <a:p>
+            <a:pPr algn="ctr"/>
+            <a:endParaRPr lang="ko-KR" altLang="en-US"/>
+          </a:p>
+        </p:txBody>
+      </p:sp>
+      <p:sp>
+        <p:nvSpPr>
+          <p:cNvPr id="8" name="직사각형 7">
+            <a:extLst>
+              <a:ext uri="{FF2B5EF4-FFF2-40B4-BE49-F238E27FC236}">
+                <a16:creationId xmlns:a16="http://schemas.microsoft.com/office/drawing/2014/main" id="{6B9E3F41-0A12-ECD0-77A9-6B37ABB3BB49}"/>
+              </a:ext>
+            </a:extLst>
+          </p:cNvPr>
+          <p:cNvSpPr/>
+          <p:nvPr/>
+        </p:nvSpPr>
+        <p:spPr>
+          <a:xfrm>
+            <a:off x="4672661" y="4249048"/>
+            <a:ext cx="3509818" cy="341745"/>
+          </a:xfrm>
+          <a:prstGeom prst="rect">
+            <a:avLst/>
+          </a:prstGeom>
+          <a:noFill/>
+          <a:ln w="57150">
+            <a:solidFill>
+              <a:srgbClr val="FF0000"/>
+            </a:solidFill>
+          </a:ln>
+        </p:spPr>
+        <p:style>
+          <a:lnRef idx="2">
+            <a:schemeClr val="accent1">
+              <a:shade val="50000"/>
+            </a:schemeClr>
+          </a:lnRef>
+          <a:fillRef idx="1">
+            <a:schemeClr val="accent1"/>
+          </a:fillRef>
+          <a:effectRef idx="0">
+            <a:schemeClr val="accent1"/>
+          </a:effectRef>
+          <a:fontRef idx="minor">
+            <a:schemeClr val="lt1"/>
+          </a:fontRef>
+        </p:style>
+        <p:txBody>
+          <a:bodyPr rtlCol="0" anchor="ctr"/>
+          <a:lstStyle/>
+          <a:p>
+            <a:pPr algn="ctr"/>
+            <a:endParaRPr lang="ko-KR" altLang="en-US"/>
+          </a:p>
+        </p:txBody>
+      </p:sp>
+      <p:sp>
+        <p:nvSpPr>
+          <p:cNvPr id="9" name="직사각형 8">
+            <a:extLst>
+              <a:ext uri="{FF2B5EF4-FFF2-40B4-BE49-F238E27FC236}">
+                <a16:creationId xmlns:a16="http://schemas.microsoft.com/office/drawing/2014/main" id="{09164CC7-B507-BBD9-A432-9AC3C234A2FB}"/>
+              </a:ext>
+            </a:extLst>
+          </p:cNvPr>
+          <p:cNvSpPr/>
+          <p:nvPr/>
+        </p:nvSpPr>
+        <p:spPr>
+          <a:xfrm>
+            <a:off x="4672661" y="4598727"/>
+            <a:ext cx="3509818" cy="341745"/>
+          </a:xfrm>
+          <a:prstGeom prst="rect">
+            <a:avLst/>
+          </a:prstGeom>
+          <a:noFill/>
+          <a:ln w="57150">
+            <a:solidFill>
+              <a:srgbClr val="FF0000"/>
+            </a:solidFill>
+          </a:ln>
+        </p:spPr>
+        <p:style>
+          <a:lnRef idx="2">
+            <a:schemeClr val="accent1">
+              <a:shade val="50000"/>
+            </a:schemeClr>
+          </a:lnRef>
+          <a:fillRef idx="1">
+            <a:schemeClr val="accent1"/>
+          </a:fillRef>
+          <a:effectRef idx="0">
+            <a:schemeClr val="accent1"/>
+          </a:effectRef>
+          <a:fontRef idx="minor">
+            <a:schemeClr val="lt1"/>
+          </a:fontRef>
+        </p:style>
+        <p:txBody>
+          <a:bodyPr rtlCol="0" anchor="ctr"/>
+          <a:lstStyle/>
+          <a:p>
+            <a:pPr algn="ctr"/>
+            <a:endParaRPr lang="ko-KR" altLang="en-US"/>
+          </a:p>
+        </p:txBody>
+      </p:sp>
+      <p:sp>
+        <p:nvSpPr>
+          <p:cNvPr id="10" name="화살표: 오른쪽 9">
+            <a:extLst>
+              <a:ext uri="{FF2B5EF4-FFF2-40B4-BE49-F238E27FC236}">
+                <a16:creationId xmlns:a16="http://schemas.microsoft.com/office/drawing/2014/main" id="{9DE1D40D-EF8F-2D61-81F6-63DA4D7288EC}"/>
+              </a:ext>
+            </a:extLst>
+          </p:cNvPr>
+          <p:cNvSpPr/>
+          <p:nvPr/>
+        </p:nvSpPr>
+        <p:spPr>
+          <a:xfrm rot="20590864">
+            <a:off x="2868143" y="3795392"/>
+            <a:ext cx="1332972" cy="973046"/>
+          </a:xfrm>
+          <a:prstGeom prst="rightArrow">
+            <a:avLst>
+              <a:gd name="adj1" fmla="val 50000"/>
+              <a:gd name="adj2" fmla="val 63313"/>
+            </a:avLst>
+          </a:prstGeom>
+          <a:solidFill>
+            <a:schemeClr val="tx1"/>
+          </a:solidFill>
+          <a:ln w="57150">
+            <a:solidFill>
+              <a:srgbClr val="FF0000"/>
+            </a:solidFill>
+          </a:ln>
+        </p:spPr>
+        <p:style>
+          <a:lnRef idx="2">
+            <a:schemeClr val="accent1">
+              <a:shade val="50000"/>
+            </a:schemeClr>
+          </a:lnRef>
+          <a:fillRef idx="1">
+            <a:schemeClr val="accent1"/>
+          </a:fillRef>
+          <a:effectRef idx="0">
+            <a:schemeClr val="accent1"/>
+          </a:effectRef>
+          <a:fontRef idx="minor">
+            <a:schemeClr val="lt1"/>
+          </a:fontRef>
+        </p:style>
+        <p:txBody>
+          <a:bodyPr rtlCol="0" anchor="ctr"/>
+          <a:lstStyle/>
+          <a:p>
+            <a:pPr algn="ctr"/>
+            <a:endParaRPr lang="ko-KR" altLang="en-US"/>
+          </a:p>
+        </p:txBody>
+      </p:sp>
+    </p:spTree>
+    <p:extLst>
+      <p:ext uri="{BB962C8B-B14F-4D97-AF65-F5344CB8AC3E}">
+        <p14:creationId xmlns:p14="http://schemas.microsoft.com/office/powerpoint/2010/main" val="2120161179"/>
+      </p:ext>
+    </p:extLst>
+  </p:cSld>
+  <p:clrMapOvr>
+    <a:masterClrMapping/>
+  </p:clrMapOvr>
+</p:sld>
+</file>
+
+<file path=ppt/slides/slide17.xml><?xml version="1.0" encoding="utf-8"?>
+<p:sld xmlns:a="http://schemas.openxmlformats.org/drawingml/2006/main" xmlns:r="http://schemas.openxmlformats.org/officeDocument/2006/relationships" xmlns:p="http://schemas.openxmlformats.org/presentationml/2006/main">
+  <p:cSld>
+    <p:spTree>
+      <p:nvGrpSpPr>
+        <p:cNvPr id="1" name=""/>
+        <p:cNvGrpSpPr/>
+        <p:nvPr/>
+      </p:nvGrpSpPr>
+      <p:grpSpPr>
+        <a:xfrm>
+          <a:off x="0" y="0"/>
+          <a:ext cx="0" cy="0"/>
+          <a:chOff x="0" y="0"/>
+          <a:chExt cx="0" cy="0"/>
+        </a:xfrm>
+      </p:grpSpPr>
+      <p:pic>
+        <p:nvPicPr>
+          <p:cNvPr id="15" name="그림 14">
+            <a:extLst>
+              <a:ext uri="{FF2B5EF4-FFF2-40B4-BE49-F238E27FC236}">
+                <a16:creationId xmlns:a16="http://schemas.microsoft.com/office/drawing/2014/main" id="{6D976B42-F116-A7F1-8317-D29B43694E13}"/>
+              </a:ext>
+            </a:extLst>
+          </p:cNvPr>
+          <p:cNvPicPr>
+            <a:picLocks noChangeAspect="1"/>
+          </p:cNvPicPr>
+          <p:nvPr/>
+        </p:nvPicPr>
+        <p:blipFill>
+          <a:blip r:embed="rId2"/>
+          <a:stretch>
+            <a:fillRect/>
+          </a:stretch>
+        </p:blipFill>
+        <p:spPr>
+          <a:xfrm>
+            <a:off x="0" y="1059342"/>
+            <a:ext cx="9144000" cy="4739316"/>
+          </a:xfrm>
+          <a:prstGeom prst="rect">
+            <a:avLst/>
+          </a:prstGeom>
+        </p:spPr>
+      </p:pic>
+      <p:sp>
+        <p:nvSpPr>
+          <p:cNvPr id="12" name="화살표: 오른쪽 11">
+            <a:extLst>
+              <a:ext uri="{FF2B5EF4-FFF2-40B4-BE49-F238E27FC236}">
+                <a16:creationId xmlns:a16="http://schemas.microsoft.com/office/drawing/2014/main" id="{5FD60121-F011-B74B-B2D7-3750F1648E34}"/>
+              </a:ext>
+            </a:extLst>
+          </p:cNvPr>
+          <p:cNvSpPr/>
+          <p:nvPr/>
+        </p:nvSpPr>
+        <p:spPr>
+          <a:xfrm rot="18928481">
+            <a:off x="5346295" y="3461738"/>
+            <a:ext cx="1332972" cy="634441"/>
+          </a:xfrm>
+          <a:prstGeom prst="rightArrow">
+            <a:avLst>
+              <a:gd name="adj1" fmla="val 37787"/>
+              <a:gd name="adj2" fmla="val 57986"/>
+            </a:avLst>
+          </a:prstGeom>
+          <a:solidFill>
+            <a:schemeClr val="tx1"/>
+          </a:solidFill>
+          <a:ln w="57150">
+            <a:solidFill>
+              <a:srgbClr val="FF0000"/>
+            </a:solidFill>
+          </a:ln>
+        </p:spPr>
+        <p:style>
+          <a:lnRef idx="2">
+            <a:schemeClr val="accent1">
+              <a:shade val="50000"/>
+            </a:schemeClr>
+          </a:lnRef>
+          <a:fillRef idx="1">
+            <a:schemeClr val="accent1"/>
+          </a:fillRef>
+          <a:effectRef idx="0">
+            <a:schemeClr val="accent1"/>
+          </a:effectRef>
+          <a:fontRef idx="minor">
+            <a:schemeClr val="lt1"/>
+          </a:fontRef>
+        </p:style>
+        <p:txBody>
+          <a:bodyPr rtlCol="0" anchor="ctr"/>
+          <a:lstStyle/>
+          <a:p>
+            <a:pPr algn="ctr"/>
+            <a:endParaRPr lang="ko-KR" altLang="en-US"/>
+          </a:p>
+        </p:txBody>
+      </p:sp>
+      <p:sp>
+        <p:nvSpPr>
+          <p:cNvPr id="13" name="직사각형 12">
+            <a:extLst>
+              <a:ext uri="{FF2B5EF4-FFF2-40B4-BE49-F238E27FC236}">
+                <a16:creationId xmlns:a16="http://schemas.microsoft.com/office/drawing/2014/main" id="{F98C60BC-9763-B273-8B1B-28B7D8C2CB6A}"/>
+              </a:ext>
+            </a:extLst>
+          </p:cNvPr>
+          <p:cNvSpPr/>
+          <p:nvPr/>
+        </p:nvSpPr>
+        <p:spPr>
+          <a:xfrm rot="19394820">
+            <a:off x="4625006" y="2159281"/>
+            <a:ext cx="3097707" cy="1738071"/>
+          </a:xfrm>
+          <a:prstGeom prst="rect">
+            <a:avLst/>
+          </a:prstGeom>
+          <a:noFill/>
+          <a:ln w="57150">
+            <a:solidFill>
+              <a:srgbClr val="FF0000"/>
+            </a:solidFill>
+          </a:ln>
+        </p:spPr>
+        <p:style>
+          <a:lnRef idx="2">
+            <a:schemeClr val="accent1">
+              <a:shade val="50000"/>
+            </a:schemeClr>
+          </a:lnRef>
+          <a:fillRef idx="1">
+            <a:schemeClr val="accent1"/>
+          </a:fillRef>
+          <a:effectRef idx="0">
+            <a:schemeClr val="accent1"/>
+          </a:effectRef>
+          <a:fontRef idx="minor">
+            <a:schemeClr val="lt1"/>
+          </a:fontRef>
+        </p:style>
+        <p:txBody>
+          <a:bodyPr rtlCol="0" anchor="ctr"/>
+          <a:lstStyle/>
+          <a:p>
+            <a:pPr algn="ctr"/>
+            <a:endParaRPr lang="ko-KR" altLang="en-US"/>
+          </a:p>
+        </p:txBody>
+      </p:sp>
+    </p:spTree>
+    <p:extLst>
+      <p:ext uri="{BB962C8B-B14F-4D97-AF65-F5344CB8AC3E}">
+        <p14:creationId xmlns:p14="http://schemas.microsoft.com/office/powerpoint/2010/main" val="2071575934"/>
+      </p:ext>
+    </p:extLst>
+  </p:cSld>
+  <p:clrMapOvr>
+    <a:masterClrMapping/>
+  </p:clrMapOvr>
+</p:sld>
+</file>
+
+<file path=ppt/slides/slide18.xml><?xml version="1.0" encoding="utf-8"?>
+<p:sld xmlns:a="http://schemas.openxmlformats.org/drawingml/2006/main" xmlns:r="http://schemas.openxmlformats.org/officeDocument/2006/relationships" xmlns:p="http://schemas.openxmlformats.org/presentationml/2006/main">
+  <p:cSld>
+    <p:spTree>
+      <p:nvGrpSpPr>
+        <p:cNvPr id="1" name=""/>
+        <p:cNvGrpSpPr/>
+        <p:nvPr/>
+      </p:nvGrpSpPr>
+      <p:grpSpPr>
+        <a:xfrm>
+          <a:off x="0" y="0"/>
+          <a:ext cx="0" cy="0"/>
+          <a:chOff x="0" y="0"/>
+          <a:chExt cx="0" cy="0"/>
+        </a:xfrm>
+      </p:grpSpPr>
+      <p:pic>
+        <p:nvPicPr>
+          <p:cNvPr id="11" name="그림 10">
+            <a:extLst>
+              <a:ext uri="{FF2B5EF4-FFF2-40B4-BE49-F238E27FC236}">
+                <a16:creationId xmlns:a16="http://schemas.microsoft.com/office/drawing/2014/main" id="{48FD4C36-7553-4DE8-FC19-752644A95374}"/>
+              </a:ext>
+            </a:extLst>
+          </p:cNvPr>
+          <p:cNvPicPr>
+            <a:picLocks noChangeAspect="1"/>
+          </p:cNvPicPr>
+          <p:nvPr/>
+        </p:nvPicPr>
+        <p:blipFill>
+          <a:blip r:embed="rId2"/>
+          <a:stretch>
+            <a:fillRect/>
+          </a:stretch>
+        </p:blipFill>
+        <p:spPr>
+          <a:xfrm>
+            <a:off x="0" y="1061495"/>
+            <a:ext cx="9144000" cy="4735009"/>
+          </a:xfrm>
+          <a:prstGeom prst="rect">
+            <a:avLst/>
+          </a:prstGeom>
+        </p:spPr>
+      </p:pic>
+      <p:sp>
+        <p:nvSpPr>
+          <p:cNvPr id="4" name="직사각형 3">
+            <a:extLst>
+              <a:ext uri="{FF2B5EF4-FFF2-40B4-BE49-F238E27FC236}">
+                <a16:creationId xmlns:a16="http://schemas.microsoft.com/office/drawing/2014/main" id="{11D3FDB3-99C1-E57B-5804-8FAA282C7190}"/>
+              </a:ext>
+            </a:extLst>
+          </p:cNvPr>
+          <p:cNvSpPr/>
+          <p:nvPr/>
+        </p:nvSpPr>
+        <p:spPr>
+          <a:xfrm>
+            <a:off x="5978905" y="1256145"/>
+            <a:ext cx="1308587" cy="434109"/>
+          </a:xfrm>
+          <a:prstGeom prst="rect">
+            <a:avLst/>
+          </a:prstGeom>
+          <a:noFill/>
+          <a:ln w="57150">
+            <a:solidFill>
+              <a:srgbClr val="FF0000"/>
+            </a:solidFill>
+          </a:ln>
+        </p:spPr>
+        <p:style>
+          <a:lnRef idx="2">
+            <a:schemeClr val="accent1">
+              <a:shade val="50000"/>
+            </a:schemeClr>
+          </a:lnRef>
+          <a:fillRef idx="1">
+            <a:schemeClr val="accent1"/>
+          </a:fillRef>
+          <a:effectRef idx="0">
+            <a:schemeClr val="accent1"/>
+          </a:effectRef>
+          <a:fontRef idx="minor">
+            <a:schemeClr val="lt1"/>
+          </a:fontRef>
+        </p:style>
+        <p:txBody>
+          <a:bodyPr rtlCol="0" anchor="ctr"/>
+          <a:lstStyle/>
+          <a:p>
+            <a:pPr algn="ctr"/>
+            <a:endParaRPr lang="ko-KR" altLang="en-US"/>
+          </a:p>
+        </p:txBody>
+      </p:sp>
+      <p:sp>
+        <p:nvSpPr>
+          <p:cNvPr id="5" name="화살표: 오른쪽 4">
+            <a:extLst>
+              <a:ext uri="{FF2B5EF4-FFF2-40B4-BE49-F238E27FC236}">
+                <a16:creationId xmlns:a16="http://schemas.microsoft.com/office/drawing/2014/main" id="{CF3CBCB4-E1B6-A4F8-02CE-63D7AFDD048F}"/>
+              </a:ext>
+            </a:extLst>
+          </p:cNvPr>
+          <p:cNvSpPr/>
+          <p:nvPr/>
+        </p:nvSpPr>
+        <p:spPr>
+          <a:xfrm rot="3137624">
+            <a:off x="5287562" y="473748"/>
+            <a:ext cx="970338" cy="681050"/>
+          </a:xfrm>
+          <a:prstGeom prst="rightArrow">
+            <a:avLst>
+              <a:gd name="adj1" fmla="val 37787"/>
+              <a:gd name="adj2" fmla="val 57986"/>
+            </a:avLst>
+          </a:prstGeom>
+          <a:solidFill>
+            <a:schemeClr val="tx1"/>
+          </a:solidFill>
+          <a:ln w="57150">
+            <a:solidFill>
+              <a:srgbClr val="FF0000"/>
+            </a:solidFill>
+          </a:ln>
+        </p:spPr>
+        <p:style>
+          <a:lnRef idx="2">
+            <a:schemeClr val="accent1">
+              <a:shade val="50000"/>
+            </a:schemeClr>
+          </a:lnRef>
+          <a:fillRef idx="1">
+            <a:schemeClr val="accent1"/>
+          </a:fillRef>
+          <a:effectRef idx="0">
+            <a:schemeClr val="accent1"/>
+          </a:effectRef>
+          <a:fontRef idx="minor">
+            <a:schemeClr val="lt1"/>
+          </a:fontRef>
+        </p:style>
+        <p:txBody>
+          <a:bodyPr rtlCol="0" anchor="ctr"/>
+          <a:lstStyle/>
+          <a:p>
+            <a:pPr algn="ctr"/>
+            <a:endParaRPr lang="ko-KR" altLang="en-US"/>
+          </a:p>
+        </p:txBody>
+      </p:sp>
+    </p:spTree>
+    <p:extLst>
+      <p:ext uri="{BB962C8B-B14F-4D97-AF65-F5344CB8AC3E}">
+        <p14:creationId xmlns:p14="http://schemas.microsoft.com/office/powerpoint/2010/main" val="3705851849"/>
+      </p:ext>
+    </p:extLst>
+  </p:cSld>
+  <p:clrMapOvr>
+    <a:masterClrMapping/>
+  </p:clrMapOvr>
+</p:sld>
+</file>
+
+<file path=ppt/slides/slide19.xml><?xml version="1.0" encoding="utf-8"?>
+<p:sld xmlns:a="http://schemas.openxmlformats.org/drawingml/2006/main" xmlns:r="http://schemas.openxmlformats.org/officeDocument/2006/relationships" xmlns:p="http://schemas.openxmlformats.org/presentationml/2006/main">
+  <p:cSld>
+    <p:spTree>
+      <p:nvGrpSpPr>
+        <p:cNvPr id="1" name=""/>
+        <p:cNvGrpSpPr/>
+        <p:nvPr/>
+      </p:nvGrpSpPr>
+      <p:grpSpPr>
+        <a:xfrm>
+          <a:off x="0" y="0"/>
+          <a:ext cx="0" cy="0"/>
+          <a:chOff x="0" y="0"/>
+          <a:chExt cx="0" cy="0"/>
+        </a:xfrm>
+      </p:grpSpPr>
+      <p:pic>
+        <p:nvPicPr>
+          <p:cNvPr id="3" name="그림 2">
+            <a:extLst>
+              <a:ext uri="{FF2B5EF4-FFF2-40B4-BE49-F238E27FC236}">
+                <a16:creationId xmlns:a16="http://schemas.microsoft.com/office/drawing/2014/main" id="{60492114-275E-46D9-FE84-76BDD6DFDF15}"/>
+              </a:ext>
+            </a:extLst>
+          </p:cNvPr>
+          <p:cNvPicPr>
+            <a:picLocks noChangeAspect="1"/>
+          </p:cNvPicPr>
+          <p:nvPr/>
+        </p:nvPicPr>
+        <p:blipFill>
+          <a:blip r:embed="rId2"/>
+          <a:stretch>
+            <a:fillRect/>
+          </a:stretch>
+        </p:blipFill>
+        <p:spPr>
+          <a:xfrm>
+            <a:off x="0" y="1017309"/>
+            <a:ext cx="9144000" cy="4823381"/>
+          </a:xfrm>
+          <a:prstGeom prst="rect">
+            <a:avLst/>
+          </a:prstGeom>
+        </p:spPr>
+      </p:pic>
+      <p:sp>
+        <p:nvSpPr>
+          <p:cNvPr id="5" name="화살표: 오른쪽 4">
+            <a:extLst>
+              <a:ext uri="{FF2B5EF4-FFF2-40B4-BE49-F238E27FC236}">
+                <a16:creationId xmlns:a16="http://schemas.microsoft.com/office/drawing/2014/main" id="{CF3CBCB4-E1B6-A4F8-02CE-63D7AFDD048F}"/>
+              </a:ext>
+            </a:extLst>
+          </p:cNvPr>
+          <p:cNvSpPr/>
+          <p:nvPr/>
+        </p:nvSpPr>
+        <p:spPr>
+          <a:xfrm rot="3137624">
+            <a:off x="7082591" y="1587822"/>
+            <a:ext cx="2125226" cy="681050"/>
+          </a:xfrm>
+          <a:prstGeom prst="rightArrow">
+            <a:avLst>
+              <a:gd name="adj1" fmla="val 37787"/>
+              <a:gd name="adj2" fmla="val 57986"/>
+            </a:avLst>
+          </a:prstGeom>
+          <a:solidFill>
+            <a:schemeClr val="tx1"/>
+          </a:solidFill>
+          <a:ln w="57150">
+            <a:solidFill>
+              <a:srgbClr val="FF0000"/>
+            </a:solidFill>
+          </a:ln>
+        </p:spPr>
+        <p:style>
+          <a:lnRef idx="2">
+            <a:schemeClr val="accent1">
+              <a:shade val="50000"/>
+            </a:schemeClr>
+          </a:lnRef>
+          <a:fillRef idx="1">
+            <a:schemeClr val="accent1"/>
+          </a:fillRef>
+          <a:effectRef idx="0">
+            <a:schemeClr val="accent1"/>
+          </a:effectRef>
+          <a:fontRef idx="minor">
+            <a:schemeClr val="lt1"/>
+          </a:fontRef>
+        </p:style>
+        <p:txBody>
+          <a:bodyPr rtlCol="0" anchor="ctr"/>
+          <a:lstStyle/>
+          <a:p>
+            <a:pPr algn="ctr"/>
+            <a:endParaRPr lang="ko-KR" altLang="en-US"/>
+          </a:p>
+        </p:txBody>
+      </p:sp>
+    </p:spTree>
+    <p:extLst>
+      <p:ext uri="{BB962C8B-B14F-4D97-AF65-F5344CB8AC3E}">
+        <p14:creationId xmlns:p14="http://schemas.microsoft.com/office/powerpoint/2010/main" val="2946784106"/>
       </p:ext>
     </p:extLst>
   </p:cSld>
@@ -3978,12 +5641,71 @@
           <a:chExt cx="0" cy="0"/>
         </a:xfrm>
       </p:grpSpPr>
-      <p:sp>
-        <p:nvSpPr>
-          <p:cNvPr id="9" name="Rectangle 1">
+      <p:pic>
+        <p:nvPicPr>
+          <p:cNvPr id="16" name="그림 15">
             <a:extLst>
               <a:ext uri="{FF2B5EF4-FFF2-40B4-BE49-F238E27FC236}">
-                <a16:creationId xmlns:a16="http://schemas.microsoft.com/office/drawing/2014/main" id="{9D974DF8-8BCD-803D-B13A-0FDC8AE19267}"/>
+                <a16:creationId xmlns:a16="http://schemas.microsoft.com/office/drawing/2014/main" id="{5D04A864-1E4C-61F4-CD44-27DAF58BE7A0}"/>
+              </a:ext>
+            </a:extLst>
+          </p:cNvPr>
+          <p:cNvPicPr>
+            <a:picLocks noChangeAspect="1"/>
+          </p:cNvPicPr>
+          <p:nvPr/>
+        </p:nvPicPr>
+        <p:blipFill rotWithShape="1">
+          <a:blip r:embed="rId2"/>
+          <a:srcRect b="8088"/>
+          <a:stretch/>
+        </p:blipFill>
+        <p:spPr>
+          <a:xfrm>
+            <a:off x="393474" y="1914525"/>
+            <a:ext cx="8357052" cy="3571875"/>
+          </a:xfrm>
+          <a:prstGeom prst="rect">
+            <a:avLst/>
+          </a:prstGeom>
+        </p:spPr>
+      </p:pic>
+    </p:spTree>
+    <p:extLst>
+      <p:ext uri="{BB962C8B-B14F-4D97-AF65-F5344CB8AC3E}">
+        <p14:creationId xmlns:p14="http://schemas.microsoft.com/office/powerpoint/2010/main" val="3814500104"/>
+      </p:ext>
+    </p:extLst>
+  </p:cSld>
+  <p:clrMapOvr>
+    <a:masterClrMapping/>
+  </p:clrMapOvr>
+</p:sld>
+</file>
+
+<file path=ppt/slides/slide20.xml><?xml version="1.0" encoding="utf-8"?>
+<p:sld xmlns:a="http://schemas.openxmlformats.org/drawingml/2006/main" xmlns:r="http://schemas.openxmlformats.org/officeDocument/2006/relationships" xmlns:p="http://schemas.openxmlformats.org/presentationml/2006/main">
+  <p:cSld>
+    <p:spTree>
+      <p:nvGrpSpPr>
+        <p:cNvPr id="1" name=""/>
+        <p:cNvGrpSpPr/>
+        <p:nvPr/>
+      </p:nvGrpSpPr>
+      <p:grpSpPr>
+        <a:xfrm>
+          <a:off x="0" y="0"/>
+          <a:ext cx="0" cy="0"/>
+          <a:chOff x="0" y="0"/>
+          <a:chExt cx="0" cy="0"/>
+        </a:xfrm>
+      </p:grpSpPr>
+      <p:sp>
+        <p:nvSpPr>
+          <p:cNvPr id="8" name="Rectangle 1">
+            <a:extLst>
+              <a:ext uri="{FF2B5EF4-FFF2-40B4-BE49-F238E27FC236}">
+                <a16:creationId xmlns:a16="http://schemas.microsoft.com/office/drawing/2014/main" id="{D2645956-8DE6-BE33-8D44-F69EE31FDC34}"/>
               </a:ext>
             </a:extLst>
           </p:cNvPr>
@@ -3996,8 +5718,8 @@
         </p:nvSpPr>
         <p:spPr bwMode="auto">
           <a:xfrm>
-            <a:off x="582810" y="1555086"/>
-            <a:ext cx="1674265" cy="430887"/>
+            <a:off x="478972" y="782125"/>
+            <a:ext cx="8424883" cy="5293757"/>
           </a:xfrm>
           <a:prstGeom prst="rect">
             <a:avLst/>
@@ -4167,13 +5889,13 @@
             </a:lvl9pPr>
           </a:lstStyle>
           <a:p>
-            <a:pPr latinLnBrk="0">
+            <a:pPr algn="l" latinLnBrk="0">
               <a:lnSpc>
                 <a:spcPct val="100000"/>
               </a:lnSpc>
             </a:pPr>
             <a:r>
-              <a:rPr lang="ko-KR" altLang="en-US" sz="2800" b="1">
+              <a:rPr lang="ko-KR" altLang="en-US" sz="3600" b="1">
                 <a:solidFill>
                   <a:srgbClr val="CCDBE9"/>
                 </a:solidFill>
@@ -4181,21 +5903,509 @@
                 <a:ea typeface="맑은 고딕" panose="020B0503020000020004" pitchFamily="50" charset="-127"/>
                 <a:cs typeface="Segoe UI" panose="020B0502040204020203" pitchFamily="34" charset="0"/>
               </a:rPr>
-              <a:t>목차</a:t>
-            </a:r>
-            <a:endParaRPr lang="ko-KR" altLang="ko-KR" sz="2800">
+              <a:t>연도별 게임트렌드 결론</a:t>
+            </a:r>
+            <a:r>
+              <a:rPr lang="en-US" altLang="ko-KR" sz="3600" b="1">
+                <a:solidFill>
+                  <a:srgbClr val="CCDBE9"/>
+                </a:solidFill>
+                <a:latin typeface="맑은 고딕" panose="020B0503020000020004" pitchFamily="50" charset="-127"/>
+                <a:ea typeface="맑은 고딕" panose="020B0503020000020004" pitchFamily="50" charset="-127"/>
+                <a:cs typeface="Segoe UI" panose="020B0502040204020203" pitchFamily="34" charset="0"/>
+              </a:rPr>
+              <a:t>.</a:t>
+            </a:r>
+            <a:br>
+              <a:rPr lang="en-US" altLang="ko-KR" sz="2800">
+                <a:solidFill>
+                  <a:srgbClr val="CCDBE9"/>
+                </a:solidFill>
+                <a:latin typeface="맑은 고딕" panose="020B0503020000020004" pitchFamily="50" charset="-127"/>
+                <a:ea typeface="맑은 고딕" panose="020B0503020000020004" pitchFamily="50" charset="-127"/>
+                <a:cs typeface="Segoe UI" panose="020B0502040204020203" pitchFamily="34" charset="0"/>
+              </a:rPr>
+            </a:br>
+            <a:br>
+              <a:rPr lang="en-US" altLang="ko-KR" sz="2800">
+                <a:solidFill>
+                  <a:srgbClr val="CCDBE9"/>
+                </a:solidFill>
+                <a:latin typeface="맑은 고딕" panose="020B0503020000020004" pitchFamily="50" charset="-127"/>
+                <a:ea typeface="맑은 고딕" panose="020B0503020000020004" pitchFamily="50" charset="-127"/>
+                <a:cs typeface="Segoe UI" panose="020B0502040204020203" pitchFamily="34" charset="0"/>
+              </a:rPr>
+            </a:br>
+            <a:br>
+              <a:rPr lang="en-US" altLang="ko-KR" sz="2800">
+                <a:solidFill>
+                  <a:srgbClr val="CCDBE9"/>
+                </a:solidFill>
+                <a:latin typeface="맑은 고딕" panose="020B0503020000020004" pitchFamily="50" charset="-127"/>
+                <a:ea typeface="맑은 고딕" panose="020B0503020000020004" pitchFamily="50" charset="-127"/>
+                <a:cs typeface="Segoe UI" panose="020B0502040204020203" pitchFamily="34" charset="0"/>
+              </a:rPr>
+            </a:br>
+            <a:r>
+              <a:rPr lang="en-US" altLang="ko-KR" sz="2800">
+                <a:solidFill>
+                  <a:srgbClr val="CCDBE9"/>
+                </a:solidFill>
+                <a:latin typeface="맑은 고딕" panose="020B0503020000020004" pitchFamily="50" charset="-127"/>
+                <a:ea typeface="맑은 고딕" panose="020B0503020000020004" pitchFamily="50" charset="-127"/>
+                <a:cs typeface="Segoe UI" panose="020B0502040204020203" pitchFamily="34" charset="0"/>
+              </a:rPr>
+              <a:t>1. 1980</a:t>
+            </a:r>
+            <a:r>
+              <a:rPr lang="ko-KR" altLang="en-US" sz="2800">
+                <a:solidFill>
+                  <a:srgbClr val="CCDBE9"/>
+                </a:solidFill>
+                <a:latin typeface="맑은 고딕" panose="020B0503020000020004" pitchFamily="50" charset="-127"/>
+                <a:ea typeface="맑은 고딕" panose="020B0503020000020004" pitchFamily="50" charset="-127"/>
+                <a:cs typeface="Segoe UI" panose="020B0502040204020203" pitchFamily="34" charset="0"/>
+              </a:rPr>
+              <a:t>년 </a:t>
+            </a:r>
+            <a:r>
+              <a:rPr lang="en-US" altLang="ko-KR" sz="2800">
+                <a:solidFill>
+                  <a:srgbClr val="CCDBE9"/>
+                </a:solidFill>
+                <a:latin typeface="맑은 고딕" panose="020B0503020000020004" pitchFamily="50" charset="-127"/>
+                <a:ea typeface="맑은 고딕" panose="020B0503020000020004" pitchFamily="50" charset="-127"/>
+                <a:cs typeface="Segoe UI" panose="020B0502040204020203" pitchFamily="34" charset="0"/>
+              </a:rPr>
+              <a:t>~ 2000</a:t>
+            </a:r>
+            <a:r>
+              <a:rPr lang="ko-KR" altLang="en-US" sz="2800">
+                <a:solidFill>
+                  <a:srgbClr val="CCDBE9"/>
+                </a:solidFill>
+                <a:latin typeface="맑은 고딕" panose="020B0503020000020004" pitchFamily="50" charset="-127"/>
+                <a:ea typeface="맑은 고딕" panose="020B0503020000020004" pitchFamily="50" charset="-127"/>
+                <a:cs typeface="Segoe UI" panose="020B0502040204020203" pitchFamily="34" charset="0"/>
+              </a:rPr>
+              <a:t>년까지</a:t>
+            </a:r>
+            <a:br>
+              <a:rPr lang="en-US" altLang="ko-KR" sz="2800">
+                <a:solidFill>
+                  <a:srgbClr val="CCDBE9"/>
+                </a:solidFill>
+                <a:latin typeface="맑은 고딕" panose="020B0503020000020004" pitchFamily="50" charset="-127"/>
+                <a:ea typeface="맑은 고딕" panose="020B0503020000020004" pitchFamily="50" charset="-127"/>
+                <a:cs typeface="Segoe UI" panose="020B0502040204020203" pitchFamily="34" charset="0"/>
+              </a:rPr>
+            </a:br>
+            <a:r>
+              <a:rPr lang="ko-KR" altLang="en-US" sz="2800">
+                <a:solidFill>
+                  <a:srgbClr val="CCDBE9"/>
+                </a:solidFill>
+                <a:latin typeface="맑은 고딕" panose="020B0503020000020004" pitchFamily="50" charset="-127"/>
+                <a:ea typeface="맑은 고딕" panose="020B0503020000020004" pitchFamily="50" charset="-127"/>
+                <a:cs typeface="Segoe UI" panose="020B0502040204020203" pitchFamily="34" charset="0"/>
+              </a:rPr>
+              <a:t> </a:t>
+            </a:r>
+            <a:r>
+              <a:rPr lang="ko-KR" altLang="en-US" sz="2800" b="1">
+                <a:solidFill>
+                  <a:srgbClr val="FF0000"/>
+                </a:solidFill>
+                <a:latin typeface="맑은 고딕" panose="020B0503020000020004" pitchFamily="50" charset="-127"/>
+                <a:ea typeface="맑은 고딕" panose="020B0503020000020004" pitchFamily="50" charset="-127"/>
+                <a:cs typeface="Segoe UI" panose="020B0502040204020203" pitchFamily="34" charset="0"/>
+              </a:rPr>
+              <a:t>장르별 판매량의 구분이 뚜렷하지 않음</a:t>
+            </a:r>
+            <a:br>
+              <a:rPr lang="en-US" altLang="ko-KR" sz="2800">
+                <a:solidFill>
+                  <a:srgbClr val="CCDBE9"/>
+                </a:solidFill>
+                <a:latin typeface="맑은 고딕" panose="020B0503020000020004" pitchFamily="50" charset="-127"/>
+                <a:ea typeface="맑은 고딕" panose="020B0503020000020004" pitchFamily="50" charset="-127"/>
+                <a:cs typeface="Segoe UI" panose="020B0502040204020203" pitchFamily="34" charset="0"/>
+              </a:rPr>
+            </a:br>
+            <a:br>
+              <a:rPr lang="en-US" altLang="ko-KR" sz="2800">
+                <a:solidFill>
+                  <a:srgbClr val="CCDBE9"/>
+                </a:solidFill>
+                <a:latin typeface="맑은 고딕" panose="020B0503020000020004" pitchFamily="50" charset="-127"/>
+                <a:ea typeface="맑은 고딕" panose="020B0503020000020004" pitchFamily="50" charset="-127"/>
+                <a:cs typeface="Segoe UI" panose="020B0502040204020203" pitchFamily="34" charset="0"/>
+              </a:rPr>
+            </a:br>
+            <a:br>
+              <a:rPr lang="en-US" altLang="ko-KR" sz="2800">
+                <a:solidFill>
+                  <a:srgbClr val="CCDBE9"/>
+                </a:solidFill>
+                <a:latin typeface="맑은 고딕" panose="020B0503020000020004" pitchFamily="50" charset="-127"/>
+                <a:ea typeface="맑은 고딕" panose="020B0503020000020004" pitchFamily="50" charset="-127"/>
+                <a:cs typeface="Segoe UI" panose="020B0502040204020203" pitchFamily="34" charset="0"/>
+              </a:rPr>
+            </a:br>
+            <a:r>
+              <a:rPr lang="en-US" altLang="ko-KR" sz="2800">
+                <a:solidFill>
+                  <a:srgbClr val="CCDBE9"/>
+                </a:solidFill>
+                <a:latin typeface="맑은 고딕" panose="020B0503020000020004" pitchFamily="50" charset="-127"/>
+                <a:ea typeface="맑은 고딕" panose="020B0503020000020004" pitchFamily="50" charset="-127"/>
+                <a:cs typeface="Segoe UI" panose="020B0502040204020203" pitchFamily="34" charset="0"/>
+              </a:rPr>
+              <a:t>2. 2001</a:t>
+            </a:r>
+            <a:r>
+              <a:rPr lang="ko-KR" altLang="en-US" sz="2800">
+                <a:solidFill>
+                  <a:srgbClr val="CCDBE9"/>
+                </a:solidFill>
+                <a:latin typeface="맑은 고딕" panose="020B0503020000020004" pitchFamily="50" charset="-127"/>
+                <a:ea typeface="맑은 고딕" panose="020B0503020000020004" pitchFamily="50" charset="-127"/>
+                <a:cs typeface="Segoe UI" panose="020B0502040204020203" pitchFamily="34" charset="0"/>
+              </a:rPr>
+              <a:t>년</a:t>
+            </a:r>
+            <a:r>
+              <a:rPr lang="en-US" altLang="ko-KR" sz="2800">
+                <a:solidFill>
+                  <a:srgbClr val="CCDBE9"/>
+                </a:solidFill>
+                <a:latin typeface="맑은 고딕" panose="020B0503020000020004" pitchFamily="50" charset="-127"/>
+                <a:ea typeface="맑은 고딕" panose="020B0503020000020004" pitchFamily="50" charset="-127"/>
+                <a:cs typeface="Segoe UI" panose="020B0502040204020203" pitchFamily="34" charset="0"/>
+              </a:rPr>
+              <a:t>~</a:t>
+            </a:r>
+            <a:r>
+              <a:rPr lang="ko-KR" altLang="en-US" sz="2800">
+                <a:solidFill>
+                  <a:srgbClr val="CCDBE9"/>
+                </a:solidFill>
+                <a:latin typeface="맑은 고딕" panose="020B0503020000020004" pitchFamily="50" charset="-127"/>
+                <a:ea typeface="맑은 고딕" panose="020B0503020000020004" pitchFamily="50" charset="-127"/>
+                <a:cs typeface="Segoe UI" panose="020B0502040204020203" pitchFamily="34" charset="0"/>
+              </a:rPr>
+              <a:t> </a:t>
+            </a:r>
+            <a:r>
+              <a:rPr lang="en-US" altLang="ko-KR" sz="2800" b="1">
+                <a:solidFill>
+                  <a:srgbClr val="FF0000"/>
+                </a:solidFill>
+                <a:latin typeface="맑은 고딕" panose="020B0503020000020004" pitchFamily="50" charset="-127"/>
+                <a:ea typeface="맑은 고딕" panose="020B0503020000020004" pitchFamily="50" charset="-127"/>
+                <a:cs typeface="Segoe UI" panose="020B0502040204020203" pitchFamily="34" charset="0"/>
+              </a:rPr>
+              <a:t>Action</a:t>
+            </a:r>
+            <a:r>
+              <a:rPr lang="ko-KR" altLang="en-US" sz="2800" b="1">
+                <a:solidFill>
+                  <a:srgbClr val="FF0000"/>
+                </a:solidFill>
+                <a:latin typeface="맑은 고딕" panose="020B0503020000020004" pitchFamily="50" charset="-127"/>
+                <a:ea typeface="맑은 고딕" panose="020B0503020000020004" pitchFamily="50" charset="-127"/>
+                <a:cs typeface="Segoe UI" panose="020B0502040204020203" pitchFamily="34" charset="0"/>
+              </a:rPr>
+              <a:t>장르가 대체로 판매량 </a:t>
+            </a:r>
+            <a:r>
+              <a:rPr lang="en-US" altLang="ko-KR" sz="2800" b="1">
+                <a:solidFill>
+                  <a:srgbClr val="FF0000"/>
+                </a:solidFill>
+                <a:latin typeface="맑은 고딕" panose="020B0503020000020004" pitchFamily="50" charset="-127"/>
+                <a:ea typeface="맑은 고딕" panose="020B0503020000020004" pitchFamily="50" charset="-127"/>
+                <a:cs typeface="Segoe UI" panose="020B0502040204020203" pitchFamily="34" charset="0"/>
+              </a:rPr>
+              <a:t>1</a:t>
+            </a:r>
+            <a:r>
+              <a:rPr lang="ko-KR" altLang="en-US" sz="2800" b="1">
+                <a:solidFill>
+                  <a:srgbClr val="FF0000"/>
+                </a:solidFill>
+                <a:latin typeface="맑은 고딕" panose="020B0503020000020004" pitchFamily="50" charset="-127"/>
+                <a:ea typeface="맑은 고딕" panose="020B0503020000020004" pitchFamily="50" charset="-127"/>
+                <a:cs typeface="Segoe UI" panose="020B0502040204020203" pitchFamily="34" charset="0"/>
+              </a:rPr>
+              <a:t>위 </a:t>
+            </a:r>
+            <a:br>
+              <a:rPr lang="en-US" altLang="ko-KR" sz="2800" b="1">
+                <a:solidFill>
+                  <a:srgbClr val="FF0000"/>
+                </a:solidFill>
+                <a:latin typeface="맑은 고딕" panose="020B0503020000020004" pitchFamily="50" charset="-127"/>
+                <a:ea typeface="맑은 고딕" panose="020B0503020000020004" pitchFamily="50" charset="-127"/>
+                <a:cs typeface="Segoe UI" panose="020B0502040204020203" pitchFamily="34" charset="0"/>
+              </a:rPr>
+            </a:br>
+            <a:br>
+              <a:rPr lang="en-US" altLang="ko-KR" sz="2800" b="1">
+                <a:solidFill>
+                  <a:srgbClr val="FF0000"/>
+                </a:solidFill>
+                <a:latin typeface="맑은 고딕" panose="020B0503020000020004" pitchFamily="50" charset="-127"/>
+                <a:ea typeface="맑은 고딕" panose="020B0503020000020004" pitchFamily="50" charset="-127"/>
+                <a:cs typeface="Segoe UI" panose="020B0502040204020203" pitchFamily="34" charset="0"/>
+              </a:rPr>
+            </a:br>
+            <a:r>
+              <a:rPr lang="en-US" altLang="ko-KR" sz="2800">
+                <a:solidFill>
+                  <a:srgbClr val="CCDBE9"/>
+                </a:solidFill>
+                <a:latin typeface="맑은 고딕" panose="020B0503020000020004" pitchFamily="50" charset="-127"/>
+                <a:ea typeface="맑은 고딕" panose="020B0503020000020004" pitchFamily="50" charset="-127"/>
+                <a:cs typeface="Segoe UI" panose="020B0502040204020203" pitchFamily="34" charset="0"/>
+              </a:rPr>
+              <a:t>3. 2006,2009</a:t>
+            </a:r>
+            <a:r>
+              <a:rPr lang="ko-KR" altLang="en-US" sz="2800">
+                <a:solidFill>
+                  <a:srgbClr val="CCDBE9"/>
+                </a:solidFill>
+                <a:latin typeface="맑은 고딕" panose="020B0503020000020004" pitchFamily="50" charset="-127"/>
+                <a:ea typeface="맑은 고딕" panose="020B0503020000020004" pitchFamily="50" charset="-127"/>
+                <a:cs typeface="Segoe UI" panose="020B0502040204020203" pitchFamily="34" charset="0"/>
+              </a:rPr>
+              <a:t>년 </a:t>
+            </a:r>
+            <a:r>
+              <a:rPr lang="en-US" altLang="ko-KR" sz="2800" b="1">
+                <a:solidFill>
+                  <a:srgbClr val="FF0000"/>
+                </a:solidFill>
+                <a:latin typeface="맑은 고딕" panose="020B0503020000020004" pitchFamily="50" charset="-127"/>
+                <a:ea typeface="맑은 고딕" panose="020B0503020000020004" pitchFamily="50" charset="-127"/>
+                <a:cs typeface="Segoe UI" panose="020B0502040204020203" pitchFamily="34" charset="0"/>
+              </a:rPr>
+              <a:t>Sports</a:t>
+            </a:r>
+            <a:r>
+              <a:rPr lang="ko-KR" altLang="en-US" sz="2800" b="1">
+                <a:solidFill>
+                  <a:srgbClr val="FF0000"/>
+                </a:solidFill>
+                <a:latin typeface="맑은 고딕" panose="020B0503020000020004" pitchFamily="50" charset="-127"/>
+                <a:ea typeface="맑은 고딕" panose="020B0503020000020004" pitchFamily="50" charset="-127"/>
+                <a:cs typeface="Segoe UI" panose="020B0502040204020203" pitchFamily="34" charset="0"/>
+              </a:rPr>
+              <a:t>장르가 </a:t>
+            </a:r>
+            <a:r>
+              <a:rPr lang="en-US" altLang="ko-KR" sz="2800" b="1">
+                <a:solidFill>
+                  <a:srgbClr val="FF0000"/>
+                </a:solidFill>
+                <a:latin typeface="맑은 고딕" panose="020B0503020000020004" pitchFamily="50" charset="-127"/>
+                <a:ea typeface="맑은 고딕" panose="020B0503020000020004" pitchFamily="50" charset="-127"/>
+                <a:cs typeface="Segoe UI" panose="020B0502040204020203" pitchFamily="34" charset="0"/>
+              </a:rPr>
+              <a:t>1</a:t>
+            </a:r>
+            <a:r>
+              <a:rPr lang="ko-KR" altLang="en-US" sz="2800" b="1">
+                <a:solidFill>
+                  <a:srgbClr val="FF0000"/>
+                </a:solidFill>
+                <a:latin typeface="맑은 고딕" panose="020B0503020000020004" pitchFamily="50" charset="-127"/>
+                <a:ea typeface="맑은 고딕" panose="020B0503020000020004" pitchFamily="50" charset="-127"/>
+                <a:cs typeface="Segoe UI" panose="020B0502040204020203" pitchFamily="34" charset="0"/>
+              </a:rPr>
+              <a:t>위</a:t>
+            </a:r>
+            <a:br>
+              <a:rPr lang="en-US" altLang="ko-KR" sz="2800" b="1">
+                <a:solidFill>
+                  <a:srgbClr val="FF0000"/>
+                </a:solidFill>
+                <a:latin typeface="맑은 고딕" panose="020B0503020000020004" pitchFamily="50" charset="-127"/>
+                <a:ea typeface="맑은 고딕" panose="020B0503020000020004" pitchFamily="50" charset="-127"/>
+                <a:cs typeface="Segoe UI" panose="020B0502040204020203" pitchFamily="34" charset="0"/>
+              </a:rPr>
+            </a:br>
+            <a:br>
+              <a:rPr lang="ko-KR" altLang="en-US" sz="2800">
+                <a:solidFill>
+                  <a:srgbClr val="CCDBE9"/>
+                </a:solidFill>
+                <a:latin typeface="맑은 고딕" panose="020B0503020000020004" pitchFamily="50" charset="-127"/>
+                <a:ea typeface="맑은 고딕" panose="020B0503020000020004" pitchFamily="50" charset="-127"/>
+                <a:cs typeface="Segoe UI" panose="020B0502040204020203" pitchFamily="34" charset="0"/>
+              </a:rPr>
+            </a:br>
+            <a:r>
+              <a:rPr lang="en-US" altLang="ko-KR" sz="2800">
+                <a:solidFill>
+                  <a:srgbClr val="CCDBE9"/>
+                </a:solidFill>
+                <a:latin typeface="맑은 고딕" panose="020B0503020000020004" pitchFamily="50" charset="-127"/>
+                <a:ea typeface="맑은 고딕" panose="020B0503020000020004" pitchFamily="50" charset="-127"/>
+                <a:cs typeface="Segoe UI" panose="020B0502040204020203" pitchFamily="34" charset="0"/>
+              </a:rPr>
+              <a:t>4. 2009</a:t>
+            </a:r>
+            <a:r>
+              <a:rPr lang="ko-KR" altLang="en-US" sz="2800">
+                <a:solidFill>
+                  <a:srgbClr val="CCDBE9"/>
+                </a:solidFill>
+                <a:latin typeface="맑은 고딕" panose="020B0503020000020004" pitchFamily="50" charset="-127"/>
+                <a:ea typeface="맑은 고딕" panose="020B0503020000020004" pitchFamily="50" charset="-127"/>
+                <a:cs typeface="Segoe UI" panose="020B0502040204020203" pitchFamily="34" charset="0"/>
+              </a:rPr>
+              <a:t>년 이후</a:t>
+            </a:r>
+            <a:r>
+              <a:rPr lang="en-US" altLang="ko-KR" sz="2800">
+                <a:solidFill>
+                  <a:srgbClr val="CCDBE9"/>
+                </a:solidFill>
+                <a:latin typeface="맑은 고딕" panose="020B0503020000020004" pitchFamily="50" charset="-127"/>
+                <a:ea typeface="맑은 고딕" panose="020B0503020000020004" pitchFamily="50" charset="-127"/>
+                <a:cs typeface="Segoe UI" panose="020B0502040204020203" pitchFamily="34" charset="0"/>
+              </a:rPr>
+              <a:t>..</a:t>
+            </a:r>
+            <a:r>
+              <a:rPr lang="ko-KR" altLang="en-US" sz="2800">
+                <a:solidFill>
+                  <a:srgbClr val="CCDBE9"/>
+                </a:solidFill>
+                <a:latin typeface="맑은 고딕" panose="020B0503020000020004" pitchFamily="50" charset="-127"/>
+                <a:ea typeface="맑은 고딕" panose="020B0503020000020004" pitchFamily="50" charset="-127"/>
+                <a:cs typeface="Segoe UI" panose="020B0502040204020203" pitchFamily="34" charset="0"/>
+              </a:rPr>
+              <a:t> </a:t>
+            </a:r>
+            <a:r>
+              <a:rPr lang="ko-KR" altLang="en-US" sz="2800" b="1">
+                <a:solidFill>
+                  <a:srgbClr val="FF0000"/>
+                </a:solidFill>
+                <a:latin typeface="맑은 고딕" panose="020B0503020000020004" pitchFamily="50" charset="-127"/>
+                <a:ea typeface="맑은 고딕" panose="020B0503020000020004" pitchFamily="50" charset="-127"/>
+                <a:cs typeface="Segoe UI" panose="020B0502040204020203" pitchFamily="34" charset="0"/>
+              </a:rPr>
+              <a:t>판매량이 점차 감소하는 추세</a:t>
+            </a:r>
+            <a:endParaRPr lang="ko-KR" altLang="ko-KR" sz="2800" b="1">
+              <a:solidFill>
+                <a:srgbClr val="FF0000"/>
+              </a:solidFill>
               <a:latin typeface="맑은 고딕" panose="020B0503020000020004" pitchFamily="50" charset="-127"/>
               <a:ea typeface="맑은 고딕" panose="020B0503020000020004" pitchFamily="50" charset="-127"/>
             </a:endParaRPr>
           </a:p>
         </p:txBody>
       </p:sp>
+    </p:spTree>
+    <p:extLst>
+      <p:ext uri="{BB962C8B-B14F-4D97-AF65-F5344CB8AC3E}">
+        <p14:creationId xmlns:p14="http://schemas.microsoft.com/office/powerpoint/2010/main" val="4089233292"/>
+      </p:ext>
+    </p:extLst>
+  </p:cSld>
+  <p:clrMapOvr>
+    <a:masterClrMapping/>
+  </p:clrMapOvr>
+</p:sld>
+</file>
+
+<file path=ppt/slides/slide21.xml><?xml version="1.0" encoding="utf-8"?>
+<p:sld xmlns:a="http://schemas.openxmlformats.org/drawingml/2006/main" xmlns:r="http://schemas.openxmlformats.org/officeDocument/2006/relationships" xmlns:p="http://schemas.openxmlformats.org/presentationml/2006/main">
+  <p:cSld>
+    <p:spTree>
+      <p:nvGrpSpPr>
+        <p:cNvPr id="1" name=""/>
+        <p:cNvGrpSpPr/>
+        <p:nvPr/>
+      </p:nvGrpSpPr>
+      <p:grpSpPr>
+        <a:xfrm>
+          <a:off x="0" y="0"/>
+          <a:ext cx="0" cy="0"/>
+          <a:chOff x="0" y="0"/>
+          <a:chExt cx="0" cy="0"/>
+        </a:xfrm>
+      </p:grpSpPr>
       <p:pic>
         <p:nvPicPr>
-          <p:cNvPr id="11" name="그림 10">
+          <p:cNvPr id="7" name="그림 6">
             <a:extLst>
               <a:ext uri="{FF2B5EF4-FFF2-40B4-BE49-F238E27FC236}">
-                <a16:creationId xmlns:a16="http://schemas.microsoft.com/office/drawing/2014/main" id="{50DF0056-ACBF-6BD2-23AD-F3860E604FEE}"/>
+                <a16:creationId xmlns:a16="http://schemas.microsoft.com/office/drawing/2014/main" id="{2F2B687C-BAF3-3BE8-4824-98F434157997}"/>
+              </a:ext>
+            </a:extLst>
+          </p:cNvPr>
+          <p:cNvPicPr>
+            <a:picLocks noChangeAspect="1"/>
+          </p:cNvPicPr>
+          <p:nvPr/>
+        </p:nvPicPr>
+        <p:blipFill rotWithShape="1">
+          <a:blip r:embed="rId2"/>
+          <a:srcRect t="55752" r="11335" b="23009"/>
+          <a:stretch/>
+        </p:blipFill>
+        <p:spPr>
+          <a:xfrm>
+            <a:off x="439341" y="2733675"/>
+            <a:ext cx="8037909" cy="895350"/>
+          </a:xfrm>
+          <a:prstGeom prst="rect">
+            <a:avLst/>
+          </a:prstGeom>
+        </p:spPr>
+      </p:pic>
+    </p:spTree>
+    <p:extLst>
+      <p:ext uri="{BB962C8B-B14F-4D97-AF65-F5344CB8AC3E}">
+        <p14:creationId xmlns:p14="http://schemas.microsoft.com/office/powerpoint/2010/main" val="1903509082"/>
+      </p:ext>
+    </p:extLst>
+  </p:cSld>
+  <p:clrMapOvr>
+    <a:masterClrMapping/>
+  </p:clrMapOvr>
+</p:sld>
+</file>
+
+<file path=ppt/slides/slide22.xml><?xml version="1.0" encoding="utf-8"?>
+<p:sld xmlns:a="http://schemas.openxmlformats.org/drawingml/2006/main" xmlns:r="http://schemas.openxmlformats.org/officeDocument/2006/relationships" xmlns:p="http://schemas.openxmlformats.org/presentationml/2006/main">
+  <p:cSld>
+    <p:spTree>
+      <p:nvGrpSpPr>
+        <p:cNvPr id="1" name=""/>
+        <p:cNvGrpSpPr/>
+        <p:nvPr/>
+      </p:nvGrpSpPr>
+      <p:grpSpPr>
+        <a:xfrm>
+          <a:off x="0" y="0"/>
+          <a:ext cx="0" cy="0"/>
+          <a:chOff x="0" y="0"/>
+          <a:chExt cx="0" cy="0"/>
+        </a:xfrm>
+      </p:grpSpPr>
+      <p:pic>
+        <p:nvPicPr>
+          <p:cNvPr id="3" name="그림 2">
+            <a:extLst>
+              <a:ext uri="{FF2B5EF4-FFF2-40B4-BE49-F238E27FC236}">
+                <a16:creationId xmlns:a16="http://schemas.microsoft.com/office/drawing/2014/main" id="{B9778FE2-4865-B395-24A7-B4C9B779C32D}"/>
               </a:ext>
             </a:extLst>
           </p:cNvPr>
@@ -4212,8 +6422,945 @@
         </p:blipFill>
         <p:spPr>
           <a:xfrm>
-            <a:off x="285680" y="2357718"/>
-            <a:ext cx="8572640" cy="3236258"/>
+            <a:off x="3653922" y="1437703"/>
+            <a:ext cx="5384800" cy="5343251"/>
+          </a:xfrm>
+          <a:prstGeom prst="rect">
+            <a:avLst/>
+          </a:prstGeom>
+        </p:spPr>
+      </p:pic>
+      <p:sp>
+        <p:nvSpPr>
+          <p:cNvPr id="7" name="직사각형 6">
+            <a:extLst>
+              <a:ext uri="{FF2B5EF4-FFF2-40B4-BE49-F238E27FC236}">
+                <a16:creationId xmlns:a16="http://schemas.microsoft.com/office/drawing/2014/main" id="{3ED8E50C-1B9D-8B66-1482-ACE734EF34D4}"/>
+              </a:ext>
+            </a:extLst>
+          </p:cNvPr>
+          <p:cNvSpPr/>
+          <p:nvPr/>
+        </p:nvSpPr>
+        <p:spPr>
+          <a:xfrm>
+            <a:off x="3511658" y="1659245"/>
+            <a:ext cx="1984267" cy="252444"/>
+          </a:xfrm>
+          <a:prstGeom prst="rect">
+            <a:avLst/>
+          </a:prstGeom>
+          <a:noFill/>
+          <a:ln w="57150">
+            <a:solidFill>
+              <a:srgbClr val="FF0000"/>
+            </a:solidFill>
+          </a:ln>
+        </p:spPr>
+        <p:style>
+          <a:lnRef idx="2">
+            <a:schemeClr val="accent1">
+              <a:shade val="50000"/>
+            </a:schemeClr>
+          </a:lnRef>
+          <a:fillRef idx="1">
+            <a:schemeClr val="accent1"/>
+          </a:fillRef>
+          <a:effectRef idx="0">
+            <a:schemeClr val="accent1"/>
+          </a:effectRef>
+          <a:fontRef idx="minor">
+            <a:schemeClr val="lt1"/>
+          </a:fontRef>
+        </p:style>
+        <p:txBody>
+          <a:bodyPr rtlCol="0" anchor="ctr"/>
+          <a:lstStyle/>
+          <a:p>
+            <a:pPr algn="ctr"/>
+            <a:endParaRPr lang="ko-KR" altLang="en-US"/>
+          </a:p>
+        </p:txBody>
+      </p:sp>
+      <p:sp>
+        <p:nvSpPr>
+          <p:cNvPr id="8" name="Rectangle 1">
+            <a:extLst>
+              <a:ext uri="{FF2B5EF4-FFF2-40B4-BE49-F238E27FC236}">
+                <a16:creationId xmlns:a16="http://schemas.microsoft.com/office/drawing/2014/main" id="{758DF95B-CF6F-9E5E-4A2E-7363BE903845}"/>
+              </a:ext>
+            </a:extLst>
+          </p:cNvPr>
+          <p:cNvSpPr txBox="1">
+            <a:spLocks noChangeArrowheads="1"/>
+          </p:cNvSpPr>
+          <p:nvPr/>
+        </p:nvSpPr>
+        <p:spPr bwMode="auto">
+          <a:xfrm>
+            <a:off x="374198" y="1437703"/>
+            <a:ext cx="2835728" cy="3139321"/>
+          </a:xfrm>
+          <a:prstGeom prst="rect">
+            <a:avLst/>
+          </a:prstGeom>
+          <a:solidFill>
+            <a:srgbClr val="262829"/>
+          </a:solidFill>
+          <a:ln>
+            <a:noFill/>
+          </a:ln>
+          <a:effectLst/>
+          <a:extLst>
+            <a:ext uri="{91240B29-F687-4F45-9708-019B960494DF}">
+              <a14:hiddenLine xmlns:a14="http://schemas.microsoft.com/office/drawing/2010/main" w="9525">
+                <a:solidFill>
+                  <a:schemeClr val="tx1"/>
+                </a:solidFill>
+                <a:miter lim="800000"/>
+                <a:headEnd/>
+                <a:tailEnd/>
+              </a14:hiddenLine>
+            </a:ext>
+            <a:ext uri="{AF507438-7753-43E0-B8FC-AC1667EBCBE1}">
+              <a14:hiddenEffects xmlns:a14="http://schemas.microsoft.com/office/drawing/2010/main">
+                <a:effectLst>
+                  <a:outerShdw dist="35921" dir="2700000" algn="ctr" rotWithShape="0">
+                    <a:schemeClr val="bg2"/>
+                  </a:outerShdw>
+                </a:effectLst>
+              </a14:hiddenEffects>
+            </a:ext>
+          </a:extLst>
+        </p:spPr>
+        <p:txBody>
+          <a:bodyPr vert="horz" wrap="square" lIns="0" tIns="0" rIns="0" bIns="0" numCol="1" rtlCol="0" anchor="ctr" anchorCtr="0" compatLnSpc="1">
+            <a:prstTxWarp prst="textNoShape">
+              <a:avLst/>
+            </a:prstTxWarp>
+            <a:spAutoFit/>
+          </a:bodyPr>
+          <a:lstStyle>
+            <a:lvl1pPr algn="ctr" defTabSz="914400" rtl="0" eaLnBrk="0" fontAlgn="base" latinLnBrk="1" hangingPunct="0">
+              <a:lnSpc>
+                <a:spcPct val="90000"/>
+              </a:lnSpc>
+              <a:spcBef>
+                <a:spcPct val="0"/>
+              </a:spcBef>
+              <a:spcAft>
+                <a:spcPct val="0"/>
+              </a:spcAft>
+              <a:buNone/>
+              <a:defRPr sz="6000" kern="1200">
+                <a:solidFill>
+                  <a:schemeClr val="tx1"/>
+                </a:solidFill>
+                <a:latin typeface="Arial" panose="020B0604020202020204" pitchFamily="34" charset="0"/>
+                <a:ea typeface="+mj-ea"/>
+                <a:cs typeface="+mj-cs"/>
+              </a:defRPr>
+            </a:lvl1pPr>
+            <a:lvl2pPr eaLnBrk="0" fontAlgn="base" hangingPunct="0">
+              <a:spcBef>
+                <a:spcPct val="0"/>
+              </a:spcBef>
+              <a:spcAft>
+                <a:spcPct val="0"/>
+              </a:spcAft>
+              <a:defRPr>
+                <a:solidFill>
+                  <a:schemeClr val="tx1"/>
+                </a:solidFill>
+                <a:latin typeface="Arial" panose="020B0604020202020204" pitchFamily="34" charset="0"/>
+              </a:defRPr>
+            </a:lvl2pPr>
+            <a:lvl3pPr eaLnBrk="0" fontAlgn="base" hangingPunct="0">
+              <a:spcBef>
+                <a:spcPct val="0"/>
+              </a:spcBef>
+              <a:spcAft>
+                <a:spcPct val="0"/>
+              </a:spcAft>
+              <a:defRPr>
+                <a:solidFill>
+                  <a:schemeClr val="tx1"/>
+                </a:solidFill>
+                <a:latin typeface="Arial" panose="020B0604020202020204" pitchFamily="34" charset="0"/>
+              </a:defRPr>
+            </a:lvl3pPr>
+            <a:lvl4pPr eaLnBrk="0" fontAlgn="base" hangingPunct="0">
+              <a:spcBef>
+                <a:spcPct val="0"/>
+              </a:spcBef>
+              <a:spcAft>
+                <a:spcPct val="0"/>
+              </a:spcAft>
+              <a:defRPr>
+                <a:solidFill>
+                  <a:schemeClr val="tx1"/>
+                </a:solidFill>
+                <a:latin typeface="Arial" panose="020B0604020202020204" pitchFamily="34" charset="0"/>
+              </a:defRPr>
+            </a:lvl4pPr>
+            <a:lvl5pPr eaLnBrk="0" fontAlgn="base" hangingPunct="0">
+              <a:spcBef>
+                <a:spcPct val="0"/>
+              </a:spcBef>
+              <a:spcAft>
+                <a:spcPct val="0"/>
+              </a:spcAft>
+              <a:defRPr>
+                <a:solidFill>
+                  <a:schemeClr val="tx1"/>
+                </a:solidFill>
+                <a:latin typeface="Arial" panose="020B0604020202020204" pitchFamily="34" charset="0"/>
+              </a:defRPr>
+            </a:lvl5pPr>
+            <a:lvl6pPr eaLnBrk="0" fontAlgn="base" hangingPunct="0">
+              <a:spcBef>
+                <a:spcPct val="0"/>
+              </a:spcBef>
+              <a:spcAft>
+                <a:spcPct val="0"/>
+              </a:spcAft>
+              <a:defRPr>
+                <a:solidFill>
+                  <a:schemeClr val="tx1"/>
+                </a:solidFill>
+                <a:latin typeface="Arial" panose="020B0604020202020204" pitchFamily="34" charset="0"/>
+              </a:defRPr>
+            </a:lvl6pPr>
+            <a:lvl7pPr eaLnBrk="0" fontAlgn="base" hangingPunct="0">
+              <a:spcBef>
+                <a:spcPct val="0"/>
+              </a:spcBef>
+              <a:spcAft>
+                <a:spcPct val="0"/>
+              </a:spcAft>
+              <a:defRPr>
+                <a:solidFill>
+                  <a:schemeClr val="tx1"/>
+                </a:solidFill>
+                <a:latin typeface="Arial" panose="020B0604020202020204" pitchFamily="34" charset="0"/>
+              </a:defRPr>
+            </a:lvl7pPr>
+            <a:lvl8pPr eaLnBrk="0" fontAlgn="base" hangingPunct="0">
+              <a:spcBef>
+                <a:spcPct val="0"/>
+              </a:spcBef>
+              <a:spcAft>
+                <a:spcPct val="0"/>
+              </a:spcAft>
+              <a:defRPr>
+                <a:solidFill>
+                  <a:schemeClr val="tx1"/>
+                </a:solidFill>
+                <a:latin typeface="Arial" panose="020B0604020202020204" pitchFamily="34" charset="0"/>
+              </a:defRPr>
+            </a:lvl8pPr>
+            <a:lvl9pPr eaLnBrk="0" fontAlgn="base" hangingPunct="0">
+              <a:spcBef>
+                <a:spcPct val="0"/>
+              </a:spcBef>
+              <a:spcAft>
+                <a:spcPct val="0"/>
+              </a:spcAft>
+              <a:defRPr>
+                <a:solidFill>
+                  <a:schemeClr val="tx1"/>
+                </a:solidFill>
+                <a:latin typeface="Arial" panose="020B0604020202020204" pitchFamily="34" charset="0"/>
+              </a:defRPr>
+            </a:lvl9pPr>
+          </a:lstStyle>
+          <a:p>
+            <a:pPr algn="l" latinLnBrk="0">
+              <a:lnSpc>
+                <a:spcPct val="100000"/>
+              </a:lnSpc>
+            </a:pPr>
+            <a:r>
+              <a:rPr lang="ko-KR" altLang="en-US" sz="3600" b="1">
+                <a:solidFill>
+                  <a:srgbClr val="CCDBE9"/>
+                </a:solidFill>
+                <a:latin typeface="맑은 고딕" panose="020B0503020000020004" pitchFamily="50" charset="-127"/>
+                <a:ea typeface="맑은 고딕" panose="020B0503020000020004" pitchFamily="50" charset="-127"/>
+                <a:cs typeface="Segoe UI" panose="020B0502040204020203" pitchFamily="34" charset="0"/>
+              </a:rPr>
+              <a:t>판매량 총합</a:t>
+            </a:r>
+            <a:br>
+              <a:rPr lang="en-US" altLang="ko-KR" sz="2800">
+                <a:solidFill>
+                  <a:srgbClr val="CCDBE9"/>
+                </a:solidFill>
+                <a:latin typeface="맑은 고딕" panose="020B0503020000020004" pitchFamily="50" charset="-127"/>
+                <a:ea typeface="맑은 고딕" panose="020B0503020000020004" pitchFamily="50" charset="-127"/>
+                <a:cs typeface="Segoe UI" panose="020B0502040204020203" pitchFamily="34" charset="0"/>
+              </a:rPr>
+            </a:br>
+            <a:endParaRPr lang="en-US" altLang="ko-KR" sz="2800">
+              <a:solidFill>
+                <a:srgbClr val="CCDBE9"/>
+              </a:solidFill>
+              <a:latin typeface="맑은 고딕" panose="020B0503020000020004" pitchFamily="50" charset="-127"/>
+              <a:ea typeface="맑은 고딕" panose="020B0503020000020004" pitchFamily="50" charset="-127"/>
+              <a:cs typeface="Segoe UI" panose="020B0502040204020203" pitchFamily="34" charset="0"/>
+            </a:endParaRPr>
+          </a:p>
+          <a:p>
+            <a:pPr algn="l" latinLnBrk="0">
+              <a:lnSpc>
+                <a:spcPct val="100000"/>
+              </a:lnSpc>
+            </a:pPr>
+            <a:r>
+              <a:rPr lang="en-US" altLang="ko-KR" sz="2800" b="1">
+                <a:solidFill>
+                  <a:srgbClr val="FF0000"/>
+                </a:solidFill>
+                <a:latin typeface="맑은 고딕" panose="020B0503020000020004" pitchFamily="50" charset="-127"/>
+                <a:ea typeface="맑은 고딕" panose="020B0503020000020004" pitchFamily="50" charset="-127"/>
+                <a:cs typeface="Segoe UI" panose="020B0502040204020203" pitchFamily="34" charset="0"/>
+              </a:rPr>
+              <a:t>1</a:t>
+            </a:r>
+            <a:r>
+              <a:rPr lang="ko-KR" altLang="en-US" sz="2800" b="1">
+                <a:solidFill>
+                  <a:srgbClr val="FF0000"/>
+                </a:solidFill>
+                <a:latin typeface="맑은 고딕" panose="020B0503020000020004" pitchFamily="50" charset="-127"/>
+                <a:ea typeface="맑은 고딕" panose="020B0503020000020004" pitchFamily="50" charset="-127"/>
+                <a:cs typeface="Segoe UI" panose="020B0502040204020203" pitchFamily="34" charset="0"/>
+              </a:rPr>
+              <a:t>위 닌텐도</a:t>
+            </a:r>
+            <a:br>
+              <a:rPr lang="en-US" altLang="ko-KR" sz="2800">
+                <a:solidFill>
+                  <a:srgbClr val="CCDBE9"/>
+                </a:solidFill>
+                <a:latin typeface="맑은 고딕" panose="020B0503020000020004" pitchFamily="50" charset="-127"/>
+                <a:ea typeface="맑은 고딕" panose="020B0503020000020004" pitchFamily="50" charset="-127"/>
+                <a:cs typeface="Segoe UI" panose="020B0502040204020203" pitchFamily="34" charset="0"/>
+              </a:rPr>
+            </a:br>
+            <a:br>
+              <a:rPr lang="en-US" altLang="ko-KR" sz="2800">
+                <a:solidFill>
+                  <a:srgbClr val="CCDBE9"/>
+                </a:solidFill>
+                <a:latin typeface="맑은 고딕" panose="020B0503020000020004" pitchFamily="50" charset="-127"/>
+                <a:ea typeface="맑은 고딕" panose="020B0503020000020004" pitchFamily="50" charset="-127"/>
+                <a:cs typeface="Segoe UI" panose="020B0502040204020203" pitchFamily="34" charset="0"/>
+              </a:rPr>
+            </a:br>
+            <a:br>
+              <a:rPr lang="en-US" altLang="ko-KR" sz="2800">
+                <a:solidFill>
+                  <a:srgbClr val="CCDBE9"/>
+                </a:solidFill>
+                <a:latin typeface="맑은 고딕" panose="020B0503020000020004" pitchFamily="50" charset="-127"/>
+                <a:ea typeface="맑은 고딕" panose="020B0503020000020004" pitchFamily="50" charset="-127"/>
+                <a:cs typeface="Segoe UI" panose="020B0502040204020203" pitchFamily="34" charset="0"/>
+              </a:rPr>
+            </a:br>
+            <a:r>
+              <a:rPr lang="en-US" altLang="ko-KR" sz="2800">
+                <a:solidFill>
+                  <a:srgbClr val="CCDBE9"/>
+                </a:solidFill>
+                <a:latin typeface="맑은 고딕" panose="020B0503020000020004" pitchFamily="50" charset="-127"/>
+                <a:ea typeface="맑은 고딕" panose="020B0503020000020004" pitchFamily="50" charset="-127"/>
+                <a:cs typeface="Segoe UI" panose="020B0502040204020203" pitchFamily="34" charset="0"/>
+              </a:rPr>
+              <a:t>2</a:t>
+            </a:r>
+            <a:r>
+              <a:rPr lang="ko-KR" altLang="en-US" sz="2800">
+                <a:solidFill>
+                  <a:srgbClr val="CCDBE9"/>
+                </a:solidFill>
+                <a:latin typeface="맑은 고딕" panose="020B0503020000020004" pitchFamily="50" charset="-127"/>
+                <a:ea typeface="맑은 고딕" panose="020B0503020000020004" pitchFamily="50" charset="-127"/>
+                <a:cs typeface="Segoe UI" panose="020B0502040204020203" pitchFamily="34" charset="0"/>
+              </a:rPr>
+              <a:t>위 </a:t>
+            </a:r>
+            <a:r>
+              <a:rPr lang="en-US" altLang="ko-KR" sz="2800">
+                <a:solidFill>
+                  <a:srgbClr val="CCDBE9"/>
+                </a:solidFill>
+                <a:latin typeface="맑은 고딕" panose="020B0503020000020004" pitchFamily="50" charset="-127"/>
+                <a:ea typeface="맑은 고딕" panose="020B0503020000020004" pitchFamily="50" charset="-127"/>
+                <a:cs typeface="Segoe UI" panose="020B0502040204020203" pitchFamily="34" charset="0"/>
+              </a:rPr>
+              <a:t>EA</a:t>
+            </a:r>
+          </a:p>
+          <a:p>
+            <a:pPr algn="l" latinLnBrk="0">
+              <a:lnSpc>
+                <a:spcPct val="100000"/>
+              </a:lnSpc>
+            </a:pPr>
+            <a:r>
+              <a:rPr lang="en-US" altLang="ko-KR" sz="2800">
+                <a:solidFill>
+                  <a:srgbClr val="CCDBE9"/>
+                </a:solidFill>
+                <a:latin typeface="맑은 고딕" panose="020B0503020000020004" pitchFamily="50" charset="-127"/>
+                <a:ea typeface="맑은 고딕" panose="020B0503020000020004" pitchFamily="50" charset="-127"/>
+                <a:cs typeface="Segoe UI" panose="020B0502040204020203" pitchFamily="34" charset="0"/>
+              </a:rPr>
+              <a:t>3</a:t>
+            </a:r>
+            <a:r>
+              <a:rPr lang="ko-KR" altLang="en-US" sz="2800">
+                <a:solidFill>
+                  <a:srgbClr val="CCDBE9"/>
+                </a:solidFill>
+                <a:latin typeface="맑은 고딕" panose="020B0503020000020004" pitchFamily="50" charset="-127"/>
+                <a:ea typeface="맑은 고딕" panose="020B0503020000020004" pitchFamily="50" charset="-127"/>
+                <a:cs typeface="Segoe UI" panose="020B0502040204020203" pitchFamily="34" charset="0"/>
+              </a:rPr>
+              <a:t>위 액티비젼</a:t>
+            </a:r>
+            <a:endParaRPr lang="en-US" altLang="ko-KR" sz="2800">
+              <a:solidFill>
+                <a:srgbClr val="CCDBE9"/>
+              </a:solidFill>
+              <a:latin typeface="맑은 고딕" panose="020B0503020000020004" pitchFamily="50" charset="-127"/>
+              <a:ea typeface="맑은 고딕" panose="020B0503020000020004" pitchFamily="50" charset="-127"/>
+              <a:cs typeface="Segoe UI" panose="020B0502040204020203" pitchFamily="34" charset="0"/>
+            </a:endParaRPr>
+          </a:p>
+        </p:txBody>
+      </p:sp>
+    </p:spTree>
+    <p:extLst>
+      <p:ext uri="{BB962C8B-B14F-4D97-AF65-F5344CB8AC3E}">
+        <p14:creationId xmlns:p14="http://schemas.microsoft.com/office/powerpoint/2010/main" val="3770476046"/>
+      </p:ext>
+    </p:extLst>
+  </p:cSld>
+  <p:clrMapOvr>
+    <a:masterClrMapping/>
+  </p:clrMapOvr>
+</p:sld>
+</file>
+
+<file path=ppt/slides/slide23.xml><?xml version="1.0" encoding="utf-8"?>
+<p:sld xmlns:a="http://schemas.openxmlformats.org/drawingml/2006/main" xmlns:r="http://schemas.openxmlformats.org/officeDocument/2006/relationships" xmlns:p="http://schemas.openxmlformats.org/presentationml/2006/main">
+  <p:cSld>
+    <p:spTree>
+      <p:nvGrpSpPr>
+        <p:cNvPr id="1" name=""/>
+        <p:cNvGrpSpPr/>
+        <p:nvPr/>
+      </p:nvGrpSpPr>
+      <p:grpSpPr>
+        <a:xfrm>
+          <a:off x="0" y="0"/>
+          <a:ext cx="0" cy="0"/>
+          <a:chOff x="0" y="0"/>
+          <a:chExt cx="0" cy="0"/>
+        </a:xfrm>
+      </p:grpSpPr>
+      <p:pic>
+        <p:nvPicPr>
+          <p:cNvPr id="4" name="그림 3">
+            <a:extLst>
+              <a:ext uri="{FF2B5EF4-FFF2-40B4-BE49-F238E27FC236}">
+                <a16:creationId xmlns:a16="http://schemas.microsoft.com/office/drawing/2014/main" id="{11C21196-0FA4-0EEC-294C-7FA7D937EFAA}"/>
+              </a:ext>
+            </a:extLst>
+          </p:cNvPr>
+          <p:cNvPicPr>
+            <a:picLocks noChangeAspect="1"/>
+          </p:cNvPicPr>
+          <p:nvPr/>
+        </p:nvPicPr>
+        <p:blipFill>
+          <a:blip r:embed="rId2"/>
+          <a:stretch>
+            <a:fillRect/>
+          </a:stretch>
+        </p:blipFill>
+        <p:spPr>
+          <a:xfrm>
+            <a:off x="224474" y="748145"/>
+            <a:ext cx="8138944" cy="4179457"/>
+          </a:xfrm>
+          <a:prstGeom prst="rect">
+            <a:avLst/>
+          </a:prstGeom>
+        </p:spPr>
+      </p:pic>
+      <p:sp>
+        <p:nvSpPr>
+          <p:cNvPr id="5" name="직사각형 4">
+            <a:extLst>
+              <a:ext uri="{FF2B5EF4-FFF2-40B4-BE49-F238E27FC236}">
+                <a16:creationId xmlns:a16="http://schemas.microsoft.com/office/drawing/2014/main" id="{CCAE2D83-6CAB-5763-524A-651D81252B1F}"/>
+              </a:ext>
+            </a:extLst>
+          </p:cNvPr>
+          <p:cNvSpPr/>
+          <p:nvPr/>
+        </p:nvSpPr>
+        <p:spPr>
+          <a:xfrm>
+            <a:off x="1569711" y="1173017"/>
+            <a:ext cx="4184543" cy="424873"/>
+          </a:xfrm>
+          <a:prstGeom prst="rect">
+            <a:avLst/>
+          </a:prstGeom>
+          <a:noFill/>
+          <a:ln w="57150">
+            <a:solidFill>
+              <a:srgbClr val="FF0000"/>
+            </a:solidFill>
+          </a:ln>
+        </p:spPr>
+        <p:style>
+          <a:lnRef idx="2">
+            <a:schemeClr val="accent1">
+              <a:shade val="50000"/>
+            </a:schemeClr>
+          </a:lnRef>
+          <a:fillRef idx="1">
+            <a:schemeClr val="accent1"/>
+          </a:fillRef>
+          <a:effectRef idx="0">
+            <a:schemeClr val="accent1"/>
+          </a:effectRef>
+          <a:fontRef idx="minor">
+            <a:schemeClr val="lt1"/>
+          </a:fontRef>
+        </p:style>
+        <p:txBody>
+          <a:bodyPr rtlCol="0" anchor="ctr"/>
+          <a:lstStyle/>
+          <a:p>
+            <a:pPr algn="ctr"/>
+            <a:endParaRPr lang="ko-KR" altLang="en-US"/>
+          </a:p>
+        </p:txBody>
+      </p:sp>
+      <p:sp>
+        <p:nvSpPr>
+          <p:cNvPr id="6" name="화살표: 오른쪽 5">
+            <a:extLst>
+              <a:ext uri="{FF2B5EF4-FFF2-40B4-BE49-F238E27FC236}">
+                <a16:creationId xmlns:a16="http://schemas.microsoft.com/office/drawing/2014/main" id="{D061FAED-0C80-1613-FEDC-EDEC2ECCD1FF}"/>
+              </a:ext>
+            </a:extLst>
+          </p:cNvPr>
+          <p:cNvSpPr/>
+          <p:nvPr/>
+        </p:nvSpPr>
+        <p:spPr>
+          <a:xfrm rot="4402231">
+            <a:off x="1251271" y="305029"/>
+            <a:ext cx="970338" cy="681050"/>
+          </a:xfrm>
+          <a:prstGeom prst="rightArrow">
+            <a:avLst>
+              <a:gd name="adj1" fmla="val 37787"/>
+              <a:gd name="adj2" fmla="val 57986"/>
+            </a:avLst>
+          </a:prstGeom>
+          <a:solidFill>
+            <a:schemeClr val="tx1"/>
+          </a:solidFill>
+          <a:ln w="57150">
+            <a:solidFill>
+              <a:srgbClr val="FF0000"/>
+            </a:solidFill>
+          </a:ln>
+        </p:spPr>
+        <p:style>
+          <a:lnRef idx="2">
+            <a:schemeClr val="accent1">
+              <a:shade val="50000"/>
+            </a:schemeClr>
+          </a:lnRef>
+          <a:fillRef idx="1">
+            <a:schemeClr val="accent1"/>
+          </a:fillRef>
+          <a:effectRef idx="0">
+            <a:schemeClr val="accent1"/>
+          </a:effectRef>
+          <a:fontRef idx="minor">
+            <a:schemeClr val="lt1"/>
+          </a:fontRef>
+        </p:style>
+        <p:txBody>
+          <a:bodyPr rtlCol="0" anchor="ctr"/>
+          <a:lstStyle/>
+          <a:p>
+            <a:pPr algn="ctr"/>
+            <a:endParaRPr lang="ko-KR" altLang="en-US"/>
+          </a:p>
+        </p:txBody>
+      </p:sp>
+      <p:sp>
+        <p:nvSpPr>
+          <p:cNvPr id="9" name="직사각형 8">
+            <a:extLst>
+              <a:ext uri="{FF2B5EF4-FFF2-40B4-BE49-F238E27FC236}">
+                <a16:creationId xmlns:a16="http://schemas.microsoft.com/office/drawing/2014/main" id="{4A17E3F8-A9C0-4CC4-F065-D47785347A08}"/>
+              </a:ext>
+            </a:extLst>
+          </p:cNvPr>
+          <p:cNvSpPr/>
+          <p:nvPr/>
+        </p:nvSpPr>
+        <p:spPr>
+          <a:xfrm>
+            <a:off x="5837382" y="1207883"/>
+            <a:ext cx="1182254" cy="3719719"/>
+          </a:xfrm>
+          <a:prstGeom prst="rect">
+            <a:avLst/>
+          </a:prstGeom>
+          <a:noFill/>
+          <a:ln w="57150">
+            <a:solidFill>
+              <a:srgbClr val="FF0000"/>
+            </a:solidFill>
+          </a:ln>
+        </p:spPr>
+        <p:style>
+          <a:lnRef idx="2">
+            <a:schemeClr val="accent1">
+              <a:shade val="50000"/>
+            </a:schemeClr>
+          </a:lnRef>
+          <a:fillRef idx="1">
+            <a:schemeClr val="accent1"/>
+          </a:fillRef>
+          <a:effectRef idx="0">
+            <a:schemeClr val="accent1"/>
+          </a:effectRef>
+          <a:fontRef idx="minor">
+            <a:schemeClr val="lt1"/>
+          </a:fontRef>
+        </p:style>
+        <p:txBody>
+          <a:bodyPr rtlCol="0" anchor="ctr"/>
+          <a:lstStyle/>
+          <a:p>
+            <a:pPr algn="ctr"/>
+            <a:endParaRPr lang="ko-KR" altLang="en-US"/>
+          </a:p>
+        </p:txBody>
+      </p:sp>
+    </p:spTree>
+    <p:extLst>
+      <p:ext uri="{BB962C8B-B14F-4D97-AF65-F5344CB8AC3E}">
+        <p14:creationId xmlns:p14="http://schemas.microsoft.com/office/powerpoint/2010/main" val="1677245445"/>
+      </p:ext>
+    </p:extLst>
+  </p:cSld>
+  <p:clrMapOvr>
+    <a:masterClrMapping/>
+  </p:clrMapOvr>
+</p:sld>
+</file>
+
+<file path=ppt/slides/slide24.xml><?xml version="1.0" encoding="utf-8"?>
+<p:sld xmlns:a="http://schemas.openxmlformats.org/drawingml/2006/main" xmlns:r="http://schemas.openxmlformats.org/officeDocument/2006/relationships" xmlns:p="http://schemas.openxmlformats.org/presentationml/2006/main">
+  <p:cSld>
+    <p:spTree>
+      <p:nvGrpSpPr>
+        <p:cNvPr id="1" name=""/>
+        <p:cNvGrpSpPr/>
+        <p:nvPr/>
+      </p:nvGrpSpPr>
+      <p:grpSpPr>
+        <a:xfrm>
+          <a:off x="0" y="0"/>
+          <a:ext cx="0" cy="0"/>
+          <a:chOff x="0" y="0"/>
+          <a:chExt cx="0" cy="0"/>
+        </a:xfrm>
+      </p:grpSpPr>
+      <p:pic>
+        <p:nvPicPr>
+          <p:cNvPr id="15" name="그림 14">
+            <a:extLst>
+              <a:ext uri="{FF2B5EF4-FFF2-40B4-BE49-F238E27FC236}">
+                <a16:creationId xmlns:a16="http://schemas.microsoft.com/office/drawing/2014/main" id="{2D6722F1-FDF9-2AA0-1924-DE78A01D7816}"/>
+              </a:ext>
+            </a:extLst>
+          </p:cNvPr>
+          <p:cNvPicPr>
+            <a:picLocks noChangeAspect="1"/>
+          </p:cNvPicPr>
+          <p:nvPr/>
+        </p:nvPicPr>
+        <p:blipFill>
+          <a:blip r:embed="rId2"/>
+          <a:stretch>
+            <a:fillRect/>
+          </a:stretch>
+        </p:blipFill>
+        <p:spPr>
+          <a:xfrm>
+            <a:off x="2906560" y="599202"/>
+            <a:ext cx="6201640" cy="6258798"/>
+          </a:xfrm>
+          <a:prstGeom prst="rect">
+            <a:avLst/>
+          </a:prstGeom>
+        </p:spPr>
+      </p:pic>
+      <p:pic>
+        <p:nvPicPr>
+          <p:cNvPr id="13" name="그림 12">
+            <a:extLst>
+              <a:ext uri="{FF2B5EF4-FFF2-40B4-BE49-F238E27FC236}">
+                <a16:creationId xmlns:a16="http://schemas.microsoft.com/office/drawing/2014/main" id="{59D05FC1-6EFB-5EC5-A1E9-5CDFC138B03D}"/>
+              </a:ext>
+            </a:extLst>
+          </p:cNvPr>
+          <p:cNvPicPr>
+            <a:picLocks noChangeAspect="1"/>
+          </p:cNvPicPr>
+          <p:nvPr/>
+        </p:nvPicPr>
+        <p:blipFill>
+          <a:blip r:embed="rId3"/>
+          <a:stretch>
+            <a:fillRect/>
+          </a:stretch>
+        </p:blipFill>
+        <p:spPr>
+          <a:xfrm>
+            <a:off x="0" y="652894"/>
+            <a:ext cx="2573700" cy="4957225"/>
+          </a:xfrm>
+          <a:prstGeom prst="rect">
+            <a:avLst/>
+          </a:prstGeom>
+        </p:spPr>
+      </p:pic>
+      <p:sp>
+        <p:nvSpPr>
+          <p:cNvPr id="5" name="직사각형 4">
+            <a:extLst>
+              <a:ext uri="{FF2B5EF4-FFF2-40B4-BE49-F238E27FC236}">
+                <a16:creationId xmlns:a16="http://schemas.microsoft.com/office/drawing/2014/main" id="{CCAE2D83-6CAB-5763-524A-651D81252B1F}"/>
+              </a:ext>
+            </a:extLst>
+          </p:cNvPr>
+          <p:cNvSpPr/>
+          <p:nvPr/>
+        </p:nvSpPr>
+        <p:spPr>
+          <a:xfrm>
+            <a:off x="271199" y="1098945"/>
+            <a:ext cx="2031298" cy="536428"/>
+          </a:xfrm>
+          <a:prstGeom prst="rect">
+            <a:avLst/>
+          </a:prstGeom>
+          <a:noFill/>
+          <a:ln w="57150">
+            <a:solidFill>
+              <a:srgbClr val="FF0000"/>
+            </a:solidFill>
+          </a:ln>
+        </p:spPr>
+        <p:style>
+          <a:lnRef idx="2">
+            <a:schemeClr val="accent1">
+              <a:shade val="50000"/>
+            </a:schemeClr>
+          </a:lnRef>
+          <a:fillRef idx="1">
+            <a:schemeClr val="accent1"/>
+          </a:fillRef>
+          <a:effectRef idx="0">
+            <a:schemeClr val="accent1"/>
+          </a:effectRef>
+          <a:fontRef idx="minor">
+            <a:schemeClr val="lt1"/>
+          </a:fontRef>
+        </p:style>
+        <p:txBody>
+          <a:bodyPr rtlCol="0" anchor="ctr"/>
+          <a:lstStyle/>
+          <a:p>
+            <a:pPr algn="ctr"/>
+            <a:endParaRPr lang="ko-KR" altLang="en-US"/>
+          </a:p>
+        </p:txBody>
+      </p:sp>
+      <p:sp>
+        <p:nvSpPr>
+          <p:cNvPr id="8" name="직사각형 7">
+            <a:extLst>
+              <a:ext uri="{FF2B5EF4-FFF2-40B4-BE49-F238E27FC236}">
+                <a16:creationId xmlns:a16="http://schemas.microsoft.com/office/drawing/2014/main" id="{2D431A85-CF0A-4D02-BAB9-285E659BDC6F}"/>
+              </a:ext>
+            </a:extLst>
+          </p:cNvPr>
+          <p:cNvSpPr/>
+          <p:nvPr/>
+        </p:nvSpPr>
+        <p:spPr>
+          <a:xfrm>
+            <a:off x="271199" y="2028674"/>
+            <a:ext cx="2031298" cy="455687"/>
+          </a:xfrm>
+          <a:prstGeom prst="rect">
+            <a:avLst/>
+          </a:prstGeom>
+          <a:noFill/>
+          <a:ln w="57150">
+            <a:solidFill>
+              <a:srgbClr val="FF0000"/>
+            </a:solidFill>
+          </a:ln>
+        </p:spPr>
+        <p:style>
+          <a:lnRef idx="2">
+            <a:schemeClr val="accent1">
+              <a:shade val="50000"/>
+            </a:schemeClr>
+          </a:lnRef>
+          <a:fillRef idx="1">
+            <a:schemeClr val="accent1"/>
+          </a:fillRef>
+          <a:effectRef idx="0">
+            <a:schemeClr val="accent1"/>
+          </a:effectRef>
+          <a:fontRef idx="minor">
+            <a:schemeClr val="lt1"/>
+          </a:fontRef>
+        </p:style>
+        <p:txBody>
+          <a:bodyPr rtlCol="0" anchor="ctr"/>
+          <a:lstStyle/>
+          <a:p>
+            <a:pPr algn="ctr"/>
+            <a:endParaRPr lang="ko-KR" altLang="en-US"/>
+          </a:p>
+        </p:txBody>
+      </p:sp>
+      <p:sp>
+        <p:nvSpPr>
+          <p:cNvPr id="9" name="직사각형 8">
+            <a:extLst>
+              <a:ext uri="{FF2B5EF4-FFF2-40B4-BE49-F238E27FC236}">
+                <a16:creationId xmlns:a16="http://schemas.microsoft.com/office/drawing/2014/main" id="{E8AD72A8-8F50-FBFF-76D6-BCC5ACA6D1FA}"/>
+              </a:ext>
+            </a:extLst>
+          </p:cNvPr>
+          <p:cNvSpPr/>
+          <p:nvPr/>
+        </p:nvSpPr>
+        <p:spPr>
+          <a:xfrm>
+            <a:off x="332860" y="3785892"/>
+            <a:ext cx="2031298" cy="438812"/>
+          </a:xfrm>
+          <a:prstGeom prst="rect">
+            <a:avLst/>
+          </a:prstGeom>
+          <a:noFill/>
+          <a:ln w="57150">
+            <a:solidFill>
+              <a:srgbClr val="FF0000"/>
+            </a:solidFill>
+          </a:ln>
+        </p:spPr>
+        <p:style>
+          <a:lnRef idx="2">
+            <a:schemeClr val="accent1">
+              <a:shade val="50000"/>
+            </a:schemeClr>
+          </a:lnRef>
+          <a:fillRef idx="1">
+            <a:schemeClr val="accent1"/>
+          </a:fillRef>
+          <a:effectRef idx="0">
+            <a:schemeClr val="accent1"/>
+          </a:effectRef>
+          <a:fontRef idx="minor">
+            <a:schemeClr val="lt1"/>
+          </a:fontRef>
+        </p:style>
+        <p:txBody>
+          <a:bodyPr rtlCol="0" anchor="ctr"/>
+          <a:lstStyle/>
+          <a:p>
+            <a:pPr algn="ctr"/>
+            <a:endParaRPr lang="ko-KR" altLang="en-US"/>
+          </a:p>
+        </p:txBody>
+      </p:sp>
+    </p:spTree>
+    <p:extLst>
+      <p:ext uri="{BB962C8B-B14F-4D97-AF65-F5344CB8AC3E}">
+        <p14:creationId xmlns:p14="http://schemas.microsoft.com/office/powerpoint/2010/main" val="2670503392"/>
+      </p:ext>
+    </p:extLst>
+  </p:cSld>
+  <p:clrMapOvr>
+    <a:masterClrMapping/>
+  </p:clrMapOvr>
+</p:sld>
+</file>
+
+<file path=ppt/slides/slide25.xml><?xml version="1.0" encoding="utf-8"?>
+<p:sld xmlns:a="http://schemas.openxmlformats.org/drawingml/2006/main" xmlns:r="http://schemas.openxmlformats.org/officeDocument/2006/relationships" xmlns:p="http://schemas.openxmlformats.org/presentationml/2006/main">
+  <p:cSld>
+    <p:spTree>
+      <p:nvGrpSpPr>
+        <p:cNvPr id="1" name=""/>
+        <p:cNvGrpSpPr/>
+        <p:nvPr/>
+      </p:nvGrpSpPr>
+      <p:grpSpPr>
+        <a:xfrm>
+          <a:off x="0" y="0"/>
+          <a:ext cx="0" cy="0"/>
+          <a:chOff x="0" y="0"/>
+          <a:chExt cx="0" cy="0"/>
+        </a:xfrm>
+      </p:grpSpPr>
+      <p:pic>
+        <p:nvPicPr>
+          <p:cNvPr id="7" name="그림 6">
+            <a:extLst>
+              <a:ext uri="{FF2B5EF4-FFF2-40B4-BE49-F238E27FC236}">
+                <a16:creationId xmlns:a16="http://schemas.microsoft.com/office/drawing/2014/main" id="{2F2B687C-BAF3-3BE8-4824-98F434157997}"/>
+              </a:ext>
+            </a:extLst>
+          </p:cNvPr>
+          <p:cNvPicPr>
+            <a:picLocks noChangeAspect="1"/>
+          </p:cNvPicPr>
+          <p:nvPr/>
+        </p:nvPicPr>
+        <p:blipFill rotWithShape="1">
+          <a:blip r:embed="rId2"/>
+          <a:srcRect t="75411" r="78684" b="6514"/>
+          <a:stretch/>
+        </p:blipFill>
+        <p:spPr>
+          <a:xfrm>
+            <a:off x="3373042" y="3048000"/>
+            <a:ext cx="1932384" cy="761999"/>
           </a:xfrm>
           <a:prstGeom prst="rect">
             <a:avLst/>
@@ -4223,7 +7370,455 @@
     </p:spTree>
     <p:extLst>
       <p:ext uri="{BB962C8B-B14F-4D97-AF65-F5344CB8AC3E}">
-        <p14:creationId xmlns:p14="http://schemas.microsoft.com/office/powerpoint/2010/main" val="3814500104"/>
+        <p14:creationId xmlns:p14="http://schemas.microsoft.com/office/powerpoint/2010/main" val="2333489959"/>
+      </p:ext>
+    </p:extLst>
+  </p:cSld>
+  <p:clrMapOvr>
+    <a:masterClrMapping/>
+  </p:clrMapOvr>
+</p:sld>
+</file>
+
+<file path=ppt/slides/slide26.xml><?xml version="1.0" encoding="utf-8"?>
+<p:sld xmlns:a="http://schemas.openxmlformats.org/drawingml/2006/main" xmlns:r="http://schemas.openxmlformats.org/officeDocument/2006/relationships" xmlns:p="http://schemas.openxmlformats.org/presentationml/2006/main">
+  <p:cSld>
+    <p:spTree>
+      <p:nvGrpSpPr>
+        <p:cNvPr id="1" name=""/>
+        <p:cNvGrpSpPr/>
+        <p:nvPr/>
+      </p:nvGrpSpPr>
+      <p:grpSpPr>
+        <a:xfrm>
+          <a:off x="0" y="0"/>
+          <a:ext cx="0" cy="0"/>
+          <a:chOff x="0" y="0"/>
+          <a:chExt cx="0" cy="0"/>
+        </a:xfrm>
+      </p:grpSpPr>
+      <p:pic>
+        <p:nvPicPr>
+          <p:cNvPr id="4" name="그림 3">
+            <a:extLst>
+              <a:ext uri="{FF2B5EF4-FFF2-40B4-BE49-F238E27FC236}">
+                <a16:creationId xmlns:a16="http://schemas.microsoft.com/office/drawing/2014/main" id="{A6CD18D5-89D9-5951-0ABD-228060DE767C}"/>
+              </a:ext>
+            </a:extLst>
+          </p:cNvPr>
+          <p:cNvPicPr>
+            <a:picLocks noChangeAspect="1"/>
+          </p:cNvPicPr>
+          <p:nvPr/>
+        </p:nvPicPr>
+        <p:blipFill>
+          <a:blip r:embed="rId2"/>
+          <a:stretch>
+            <a:fillRect/>
+          </a:stretch>
+        </p:blipFill>
+        <p:spPr>
+          <a:xfrm>
+            <a:off x="333075" y="685425"/>
+            <a:ext cx="3828210" cy="5353797"/>
+          </a:xfrm>
+          <a:prstGeom prst="rect">
+            <a:avLst/>
+          </a:prstGeom>
+        </p:spPr>
+      </p:pic>
+      <p:pic>
+        <p:nvPicPr>
+          <p:cNvPr id="3074" name="Picture 2" descr="위 스포츠 리조트">
+            <a:extLst>
+              <a:ext uri="{FF2B5EF4-FFF2-40B4-BE49-F238E27FC236}">
+                <a16:creationId xmlns:a16="http://schemas.microsoft.com/office/drawing/2014/main" id="{D279F26C-5457-83AF-DD1A-A1893520D0B4}"/>
+              </a:ext>
+            </a:extLst>
+          </p:cNvPr>
+          <p:cNvPicPr>
+            <a:picLocks noChangeAspect="1" noChangeArrowheads="1"/>
+          </p:cNvPicPr>
+          <p:nvPr/>
+        </p:nvPicPr>
+        <p:blipFill>
+          <a:blip r:embed="rId3">
+            <a:extLst>
+              <a:ext uri="{28A0092B-C50C-407E-A947-70E740481C1C}">
+                <a14:useLocalDpi xmlns:a14="http://schemas.microsoft.com/office/drawing/2010/main" val="0"/>
+              </a:ext>
+            </a:extLst>
+          </a:blip>
+          <a:srcRect/>
+          <a:stretch>
+            <a:fillRect/>
+          </a:stretch>
+        </p:blipFill>
+        <p:spPr bwMode="auto">
+          <a:xfrm>
+            <a:off x="4982717" y="685425"/>
+            <a:ext cx="3828210" cy="5353796"/>
+          </a:xfrm>
+          <a:prstGeom prst="rect">
+            <a:avLst/>
+          </a:prstGeom>
+          <a:noFill/>
+          <a:extLst>
+            <a:ext uri="{909E8E84-426E-40DD-AFC4-6F175D3DCCD1}">
+              <a14:hiddenFill xmlns:a14="http://schemas.microsoft.com/office/drawing/2010/main">
+                <a:solidFill>
+                  <a:srgbClr val="FFFFFF"/>
+                </a:solidFill>
+              </a14:hiddenFill>
+            </a:ext>
+          </a:extLst>
+        </p:spPr>
+      </p:pic>
+    </p:spTree>
+    <p:extLst>
+      <p:ext uri="{BB962C8B-B14F-4D97-AF65-F5344CB8AC3E}">
+        <p14:creationId xmlns:p14="http://schemas.microsoft.com/office/powerpoint/2010/main" val="3377071929"/>
+      </p:ext>
+    </p:extLst>
+  </p:cSld>
+  <p:clrMapOvr>
+    <a:masterClrMapping/>
+  </p:clrMapOvr>
+</p:sld>
+</file>
+
+<file path=ppt/slides/slide27.xml><?xml version="1.0" encoding="utf-8"?>
+<p:sld xmlns:a="http://schemas.openxmlformats.org/drawingml/2006/main" xmlns:r="http://schemas.openxmlformats.org/officeDocument/2006/relationships" xmlns:p="http://schemas.openxmlformats.org/presentationml/2006/main">
+  <p:cSld>
+    <p:spTree>
+      <p:nvGrpSpPr>
+        <p:cNvPr id="1" name=""/>
+        <p:cNvGrpSpPr/>
+        <p:nvPr/>
+      </p:nvGrpSpPr>
+      <p:grpSpPr>
+        <a:xfrm>
+          <a:off x="0" y="0"/>
+          <a:ext cx="0" cy="0"/>
+          <a:chOff x="0" y="0"/>
+          <a:chExt cx="0" cy="0"/>
+        </a:xfrm>
+      </p:grpSpPr>
+      <p:sp>
+        <p:nvSpPr>
+          <p:cNvPr id="3" name="Rectangle 1">
+            <a:extLst>
+              <a:ext uri="{FF2B5EF4-FFF2-40B4-BE49-F238E27FC236}">
+                <a16:creationId xmlns:a16="http://schemas.microsoft.com/office/drawing/2014/main" id="{8F6BF384-5703-9E4C-AE3D-EE3E4A4FB502}"/>
+              </a:ext>
+            </a:extLst>
+          </p:cNvPr>
+          <p:cNvSpPr txBox="1">
+            <a:spLocks noChangeArrowheads="1"/>
+          </p:cNvSpPr>
+          <p:nvPr/>
+        </p:nvSpPr>
+        <p:spPr bwMode="auto">
+          <a:xfrm>
+            <a:off x="1674307" y="1536175"/>
+            <a:ext cx="5795387" cy="3785652"/>
+          </a:xfrm>
+          <a:prstGeom prst="rect">
+            <a:avLst/>
+          </a:prstGeom>
+          <a:solidFill>
+            <a:srgbClr val="262829"/>
+          </a:solidFill>
+          <a:ln>
+            <a:noFill/>
+          </a:ln>
+          <a:effectLst/>
+          <a:extLst>
+            <a:ext uri="{91240B29-F687-4F45-9708-019B960494DF}">
+              <a14:hiddenLine xmlns:a14="http://schemas.microsoft.com/office/drawing/2010/main" w="9525">
+                <a:solidFill>
+                  <a:schemeClr val="tx1"/>
+                </a:solidFill>
+                <a:miter lim="800000"/>
+                <a:headEnd/>
+                <a:tailEnd/>
+              </a14:hiddenLine>
+            </a:ext>
+            <a:ext uri="{AF507438-7753-43E0-B8FC-AC1667EBCBE1}">
+              <a14:hiddenEffects xmlns:a14="http://schemas.microsoft.com/office/drawing/2010/main">
+                <a:effectLst>
+                  <a:outerShdw dist="35921" dir="2700000" algn="ctr" rotWithShape="0">
+                    <a:schemeClr val="bg2"/>
+                  </a:outerShdw>
+                </a:effectLst>
+              </a14:hiddenEffects>
+            </a:ext>
+          </a:extLst>
+        </p:spPr>
+        <p:txBody>
+          <a:bodyPr vert="horz" wrap="square" lIns="0" tIns="0" rIns="0" bIns="0" numCol="1" rtlCol="0" anchor="ctr" anchorCtr="0" compatLnSpc="1">
+            <a:prstTxWarp prst="textNoShape">
+              <a:avLst/>
+            </a:prstTxWarp>
+            <a:spAutoFit/>
+          </a:bodyPr>
+          <a:lstStyle>
+            <a:lvl1pPr algn="ctr" defTabSz="457200" rtl="0" eaLnBrk="0" fontAlgn="base" latinLnBrk="1" hangingPunct="0">
+              <a:spcBef>
+                <a:spcPct val="0"/>
+              </a:spcBef>
+              <a:spcAft>
+                <a:spcPct val="0"/>
+              </a:spcAft>
+              <a:buNone/>
+              <a:defRPr sz="5400" kern="1200">
+                <a:ln>
+                  <a:solidFill>
+                    <a:schemeClr val="bg1">
+                      <a:lumMod val="75000"/>
+                      <a:lumOff val="25000"/>
+                      <a:alpha val="10000"/>
+                    </a:schemeClr>
+                  </a:solidFill>
+                </a:ln>
+                <a:solidFill>
+                  <a:schemeClr val="tx1"/>
+                </a:solidFill>
+                <a:effectLst>
+                  <a:outerShdw blurRad="9525" dist="25400" dir="14640000" algn="tl" rotWithShape="0">
+                    <a:schemeClr val="bg1">
+                      <a:alpha val="30000"/>
+                    </a:schemeClr>
+                  </a:outerShdw>
+                </a:effectLst>
+                <a:latin typeface="Arial" panose="020B0604020202020204" pitchFamily="34" charset="0"/>
+                <a:ea typeface="+mj-ea"/>
+                <a:cs typeface="Trebuchet MS"/>
+              </a:defRPr>
+            </a:lvl1pPr>
+            <a:lvl2pPr eaLnBrk="0" fontAlgn="base" latinLnBrk="1" hangingPunct="0">
+              <a:spcBef>
+                <a:spcPct val="0"/>
+              </a:spcBef>
+              <a:spcAft>
+                <a:spcPct val="0"/>
+              </a:spcAft>
+              <a:defRPr>
+                <a:solidFill>
+                  <a:schemeClr val="tx1"/>
+                </a:solidFill>
+                <a:latin typeface="Arial" panose="020B0604020202020204" pitchFamily="34" charset="0"/>
+              </a:defRPr>
+            </a:lvl2pPr>
+            <a:lvl3pPr eaLnBrk="0" fontAlgn="base" latinLnBrk="1" hangingPunct="0">
+              <a:spcBef>
+                <a:spcPct val="0"/>
+              </a:spcBef>
+              <a:spcAft>
+                <a:spcPct val="0"/>
+              </a:spcAft>
+              <a:defRPr>
+                <a:solidFill>
+                  <a:schemeClr val="tx1"/>
+                </a:solidFill>
+                <a:latin typeface="Arial" panose="020B0604020202020204" pitchFamily="34" charset="0"/>
+              </a:defRPr>
+            </a:lvl3pPr>
+            <a:lvl4pPr eaLnBrk="0" fontAlgn="base" latinLnBrk="1" hangingPunct="0">
+              <a:spcBef>
+                <a:spcPct val="0"/>
+              </a:spcBef>
+              <a:spcAft>
+                <a:spcPct val="0"/>
+              </a:spcAft>
+              <a:defRPr>
+                <a:solidFill>
+                  <a:schemeClr val="tx1"/>
+                </a:solidFill>
+                <a:latin typeface="Arial" panose="020B0604020202020204" pitchFamily="34" charset="0"/>
+              </a:defRPr>
+            </a:lvl4pPr>
+            <a:lvl5pPr eaLnBrk="0" fontAlgn="base" latinLnBrk="1" hangingPunct="0">
+              <a:spcBef>
+                <a:spcPct val="0"/>
+              </a:spcBef>
+              <a:spcAft>
+                <a:spcPct val="0"/>
+              </a:spcAft>
+              <a:defRPr>
+                <a:solidFill>
+                  <a:schemeClr val="tx1"/>
+                </a:solidFill>
+                <a:latin typeface="Arial" panose="020B0604020202020204" pitchFamily="34" charset="0"/>
+              </a:defRPr>
+            </a:lvl5pPr>
+            <a:lvl6pPr eaLnBrk="0" fontAlgn="base" latinLnBrk="1" hangingPunct="0">
+              <a:spcBef>
+                <a:spcPct val="0"/>
+              </a:spcBef>
+              <a:spcAft>
+                <a:spcPct val="0"/>
+              </a:spcAft>
+              <a:defRPr>
+                <a:solidFill>
+                  <a:schemeClr val="tx1"/>
+                </a:solidFill>
+                <a:latin typeface="Arial" panose="020B0604020202020204" pitchFamily="34" charset="0"/>
+              </a:defRPr>
+            </a:lvl6pPr>
+            <a:lvl7pPr eaLnBrk="0" fontAlgn="base" latinLnBrk="1" hangingPunct="0">
+              <a:spcBef>
+                <a:spcPct val="0"/>
+              </a:spcBef>
+              <a:spcAft>
+                <a:spcPct val="0"/>
+              </a:spcAft>
+              <a:defRPr>
+                <a:solidFill>
+                  <a:schemeClr val="tx1"/>
+                </a:solidFill>
+                <a:latin typeface="Arial" panose="020B0604020202020204" pitchFamily="34" charset="0"/>
+              </a:defRPr>
+            </a:lvl7pPr>
+            <a:lvl8pPr eaLnBrk="0" fontAlgn="base" latinLnBrk="1" hangingPunct="0">
+              <a:spcBef>
+                <a:spcPct val="0"/>
+              </a:spcBef>
+              <a:spcAft>
+                <a:spcPct val="0"/>
+              </a:spcAft>
+              <a:defRPr>
+                <a:solidFill>
+                  <a:schemeClr val="tx1"/>
+                </a:solidFill>
+                <a:latin typeface="Arial" panose="020B0604020202020204" pitchFamily="34" charset="0"/>
+              </a:defRPr>
+            </a:lvl8pPr>
+            <a:lvl9pPr eaLnBrk="0" fontAlgn="base" latinLnBrk="1" hangingPunct="0">
+              <a:spcBef>
+                <a:spcPct val="0"/>
+              </a:spcBef>
+              <a:spcAft>
+                <a:spcPct val="0"/>
+              </a:spcAft>
+              <a:defRPr>
+                <a:solidFill>
+                  <a:schemeClr val="tx1"/>
+                </a:solidFill>
+                <a:latin typeface="Arial" panose="020B0604020202020204" pitchFamily="34" charset="0"/>
+              </a:defRPr>
+            </a:lvl9pPr>
+          </a:lstStyle>
+          <a:p>
+            <a:pPr defTabSz="914400" latinLnBrk="0"/>
+            <a:endParaRPr lang="en-US" altLang="ko-KR" sz="4800" b="1">
+              <a:ln>
+                <a:noFill/>
+              </a:ln>
+              <a:solidFill>
+                <a:srgbClr val="CCDBE9"/>
+              </a:solidFill>
+              <a:effectLst/>
+              <a:latin typeface="마비옛체_OTF" panose="02000503000000000000" pitchFamily="50" charset="-127"/>
+              <a:ea typeface="마비옛체_OTF" panose="02000503000000000000" pitchFamily="50" charset="-127"/>
+              <a:cs typeface="Segoe UI" panose="020B0502040204020203" pitchFamily="34" charset="0"/>
+            </a:endParaRPr>
+          </a:p>
+          <a:p>
+            <a:pPr defTabSz="914400" latinLnBrk="0"/>
+            <a:r>
+              <a:rPr lang="ko-KR" altLang="en-US" sz="4800" b="1">
+                <a:ln>
+                  <a:noFill/>
+                </a:ln>
+                <a:solidFill>
+                  <a:srgbClr val="CCDBE9"/>
+                </a:solidFill>
+                <a:effectLst/>
+                <a:latin typeface="마비옛체_OTF" panose="02000503000000000000" pitchFamily="50" charset="-127"/>
+                <a:ea typeface="마비옛체_OTF" panose="02000503000000000000" pitchFamily="50" charset="-127"/>
+                <a:cs typeface="Segoe UI" panose="020B0502040204020203" pitchFamily="34" charset="0"/>
+              </a:rPr>
+              <a:t>감사합니다</a:t>
+            </a:r>
+            <a:r>
+              <a:rPr lang="en-US" altLang="ko-KR" sz="4800" b="1">
+                <a:ln>
+                  <a:noFill/>
+                </a:ln>
+                <a:solidFill>
+                  <a:srgbClr val="CCDBE9"/>
+                </a:solidFill>
+                <a:effectLst/>
+                <a:latin typeface="마비옛체_OTF" panose="02000503000000000000" pitchFamily="50" charset="-127"/>
+                <a:ea typeface="마비옛체_OTF" panose="02000503000000000000" pitchFamily="50" charset="-127"/>
+                <a:cs typeface="Segoe UI" panose="020B0502040204020203" pitchFamily="34" charset="0"/>
+              </a:rPr>
+              <a:t>.</a:t>
+            </a:r>
+          </a:p>
+          <a:p>
+            <a:pPr defTabSz="914400" latinLnBrk="0"/>
+            <a:endParaRPr lang="en-US" altLang="ko-KR" sz="4800" b="1">
+              <a:ln>
+                <a:noFill/>
+              </a:ln>
+              <a:solidFill>
+                <a:srgbClr val="CCDBE9"/>
+              </a:solidFill>
+              <a:effectLst/>
+              <a:latin typeface="마비옛체_OTF" panose="02000503000000000000" pitchFamily="50" charset="-127"/>
+              <a:ea typeface="마비옛체_OTF" panose="02000503000000000000" pitchFamily="50" charset="-127"/>
+              <a:cs typeface="Segoe UI" panose="020B0502040204020203" pitchFamily="34" charset="0"/>
+            </a:endParaRPr>
+          </a:p>
+          <a:p>
+            <a:pPr defTabSz="914400" latinLnBrk="0"/>
+            <a:r>
+              <a:rPr lang="en-US" altLang="ko-KR" b="1">
+                <a:ln>
+                  <a:noFill/>
+                </a:ln>
+                <a:solidFill>
+                  <a:srgbClr val="CCDBE9"/>
+                </a:solidFill>
+                <a:effectLst/>
+                <a:latin typeface="마비옛체_OTF" panose="02000503000000000000" pitchFamily="50" charset="-127"/>
+                <a:ea typeface="마비옛체_OTF" panose="02000503000000000000" pitchFamily="50" charset="-127"/>
+                <a:cs typeface="Segoe UI" panose="020B0502040204020203" pitchFamily="34" charset="0"/>
+              </a:rPr>
+              <a:t>Thank you</a:t>
+            </a:r>
+            <a:endParaRPr lang="en-US" altLang="ko-KR" sz="4800" b="1">
+              <a:ln>
+                <a:noFill/>
+              </a:ln>
+              <a:solidFill>
+                <a:srgbClr val="CCDBE9"/>
+              </a:solidFill>
+              <a:effectLst/>
+              <a:latin typeface="마비옛체_OTF" panose="02000503000000000000" pitchFamily="50" charset="-127"/>
+              <a:ea typeface="마비옛체_OTF" panose="02000503000000000000" pitchFamily="50" charset="-127"/>
+              <a:cs typeface="Segoe UI" panose="020B0502040204020203" pitchFamily="34" charset="0"/>
+            </a:endParaRPr>
+          </a:p>
+          <a:p>
+            <a:pPr defTabSz="914400" latinLnBrk="0"/>
+            <a:endParaRPr lang="ko-KR" altLang="ko-KR" sz="4800">
+              <a:ln>
+                <a:noFill/>
+              </a:ln>
+              <a:effectLst/>
+              <a:latin typeface="마비옛체_OTF" panose="02000503000000000000" pitchFamily="50" charset="-127"/>
+              <a:ea typeface="마비옛체_OTF" panose="02000503000000000000" pitchFamily="50" charset="-127"/>
+            </a:endParaRPr>
+          </a:p>
+        </p:txBody>
+      </p:sp>
+    </p:spTree>
+    <p:extLst>
+      <p:ext uri="{BB962C8B-B14F-4D97-AF65-F5344CB8AC3E}">
+        <p14:creationId xmlns:p14="http://schemas.microsoft.com/office/powerpoint/2010/main" val="567759182"/>
       </p:ext>
     </p:extLst>
   </p:cSld>
@@ -4274,6 +7869,35 @@
           <a:xfrm>
             <a:off x="0" y="1736133"/>
             <a:ext cx="9144000" cy="3385734"/>
+          </a:xfrm>
+          <a:prstGeom prst="rect">
+            <a:avLst/>
+          </a:prstGeom>
+        </p:spPr>
+      </p:pic>
+      <p:pic>
+        <p:nvPicPr>
+          <p:cNvPr id="11" name="그림 10">
+            <a:extLst>
+              <a:ext uri="{FF2B5EF4-FFF2-40B4-BE49-F238E27FC236}">
+                <a16:creationId xmlns:a16="http://schemas.microsoft.com/office/drawing/2014/main" id="{F1756405-4762-F99A-DFFA-FA128380AAA9}"/>
+              </a:ext>
+            </a:extLst>
+          </p:cNvPr>
+          <p:cNvPicPr>
+            <a:picLocks noChangeAspect="1"/>
+          </p:cNvPicPr>
+          <p:nvPr/>
+        </p:nvPicPr>
+        <p:blipFill rotWithShape="1">
+          <a:blip r:embed="rId3"/>
+          <a:srcRect l="1824" t="735" r="61625" b="77942"/>
+          <a:stretch/>
+        </p:blipFill>
+        <p:spPr>
+          <a:xfrm>
+            <a:off x="136299" y="676275"/>
+            <a:ext cx="3054576" cy="828675"/>
           </a:xfrm>
           <a:prstGeom prst="rect">
             <a:avLst/>
@@ -4818,7 +8442,7 @@
           <a:solidFill>
             <a:schemeClr val="tx1"/>
           </a:solidFill>
-          <a:ln>
+          <a:ln w="57150">
             <a:solidFill>
               <a:srgbClr val="FF0000"/>
             </a:solidFill>
@@ -4881,10 +8505,69 @@
       </p:grpSpPr>
       <p:pic>
         <p:nvPicPr>
-          <p:cNvPr id="9" name="그림 8">
+          <p:cNvPr id="4" name="그림 3">
             <a:extLst>
               <a:ext uri="{FF2B5EF4-FFF2-40B4-BE49-F238E27FC236}">
-                <a16:creationId xmlns:a16="http://schemas.microsoft.com/office/drawing/2014/main" id="{6DAA959E-D625-1EFA-D0CA-53F4200DB098}"/>
+                <a16:creationId xmlns:a16="http://schemas.microsoft.com/office/drawing/2014/main" id="{FE8C0EB2-B6D9-6D20-84AF-C6F95D41537F}"/>
+              </a:ext>
+            </a:extLst>
+          </p:cNvPr>
+          <p:cNvPicPr>
+            <a:picLocks noChangeAspect="1"/>
+          </p:cNvPicPr>
+          <p:nvPr/>
+        </p:nvPicPr>
+        <p:blipFill rotWithShape="1">
+          <a:blip r:embed="rId2"/>
+          <a:srcRect t="19468" b="63275"/>
+          <a:stretch/>
+        </p:blipFill>
+        <p:spPr>
+          <a:xfrm>
+            <a:off x="285750" y="2613556"/>
+            <a:ext cx="8572500" cy="687914"/>
+          </a:xfrm>
+          <a:prstGeom prst="rect">
+            <a:avLst/>
+          </a:prstGeom>
+        </p:spPr>
+      </p:pic>
+    </p:spTree>
+    <p:extLst>
+      <p:ext uri="{BB962C8B-B14F-4D97-AF65-F5344CB8AC3E}">
+        <p14:creationId xmlns:p14="http://schemas.microsoft.com/office/powerpoint/2010/main" val="3612085463"/>
+      </p:ext>
+    </p:extLst>
+  </p:cSld>
+  <p:clrMapOvr>
+    <a:masterClrMapping/>
+  </p:clrMapOvr>
+</p:sld>
+</file>
+
+<file path=ppt/slides/slide7.xml><?xml version="1.0" encoding="utf-8"?>
+<p:sld xmlns:a="http://schemas.openxmlformats.org/drawingml/2006/main" xmlns:r="http://schemas.openxmlformats.org/officeDocument/2006/relationships" xmlns:p="http://schemas.openxmlformats.org/presentationml/2006/main">
+  <p:cSld>
+    <p:spTree>
+      <p:nvGrpSpPr>
+        <p:cNvPr id="1" name=""/>
+        <p:cNvGrpSpPr/>
+        <p:nvPr/>
+      </p:nvGrpSpPr>
+      <p:grpSpPr>
+        <a:xfrm>
+          <a:off x="0" y="0"/>
+          <a:ext cx="0" cy="0"/>
+          <a:chOff x="0" y="0"/>
+          <a:chExt cx="0" cy="0"/>
+        </a:xfrm>
+      </p:grpSpPr>
+      <p:pic>
+        <p:nvPicPr>
+          <p:cNvPr id="11" name="그림 10">
+            <a:extLst>
+              <a:ext uri="{FF2B5EF4-FFF2-40B4-BE49-F238E27FC236}">
+                <a16:creationId xmlns:a16="http://schemas.microsoft.com/office/drawing/2014/main" id="{60BE9292-7923-737C-B1EE-5BDC0490E71E}"/>
               </a:ext>
             </a:extLst>
           </p:cNvPr>
@@ -4901,8 +8584,147 @@
         </p:blipFill>
         <p:spPr>
           <a:xfrm>
-            <a:off x="262689" y="3123860"/>
-            <a:ext cx="8618623" cy="777088"/>
+            <a:off x="1299706" y="1114102"/>
+            <a:ext cx="6544588" cy="4629796"/>
+          </a:xfrm>
+          <a:prstGeom prst="rect">
+            <a:avLst/>
+          </a:prstGeom>
+        </p:spPr>
+      </p:pic>
+      <p:sp>
+        <p:nvSpPr>
+          <p:cNvPr id="13" name="직사각형 12">
+            <a:extLst>
+              <a:ext uri="{FF2B5EF4-FFF2-40B4-BE49-F238E27FC236}">
+                <a16:creationId xmlns:a16="http://schemas.microsoft.com/office/drawing/2014/main" id="{ABD888E4-5FA6-3F53-5C3C-C42866EB0E1E}"/>
+              </a:ext>
+            </a:extLst>
+          </p:cNvPr>
+          <p:cNvSpPr/>
+          <p:nvPr/>
+        </p:nvSpPr>
+        <p:spPr>
+          <a:xfrm>
+            <a:off x="6576292" y="1114102"/>
+            <a:ext cx="1191490" cy="4629796"/>
+          </a:xfrm>
+          <a:prstGeom prst="rect">
+            <a:avLst/>
+          </a:prstGeom>
+          <a:noFill/>
+          <a:ln w="57150">
+            <a:solidFill>
+              <a:srgbClr val="FF0000"/>
+            </a:solidFill>
+          </a:ln>
+        </p:spPr>
+        <p:style>
+          <a:lnRef idx="2">
+            <a:schemeClr val="accent1">
+              <a:shade val="50000"/>
+            </a:schemeClr>
+          </a:lnRef>
+          <a:fillRef idx="1">
+            <a:schemeClr val="accent1"/>
+          </a:fillRef>
+          <a:effectRef idx="0">
+            <a:schemeClr val="accent1"/>
+          </a:effectRef>
+          <a:fontRef idx="minor">
+            <a:schemeClr val="lt1"/>
+          </a:fontRef>
+        </p:style>
+        <p:txBody>
+          <a:bodyPr rtlCol="0" anchor="ctr"/>
+          <a:lstStyle/>
+          <a:p>
+            <a:pPr algn="ctr"/>
+            <a:endParaRPr lang="ko-KR" altLang="en-US"/>
+          </a:p>
+        </p:txBody>
+      </p:sp>
+      <p:sp>
+        <p:nvSpPr>
+          <p:cNvPr id="14" name="화살표: 오른쪽 13">
+            <a:extLst>
+              <a:ext uri="{FF2B5EF4-FFF2-40B4-BE49-F238E27FC236}">
+                <a16:creationId xmlns:a16="http://schemas.microsoft.com/office/drawing/2014/main" id="{E7627B6B-9938-E3EB-98EB-F1DBA60D9ECD}"/>
+              </a:ext>
+            </a:extLst>
+          </p:cNvPr>
+          <p:cNvSpPr/>
+          <p:nvPr/>
+        </p:nvSpPr>
+        <p:spPr>
+          <a:xfrm rot="13040339">
+            <a:off x="7652527" y="5725544"/>
+            <a:ext cx="1332972" cy="973046"/>
+          </a:xfrm>
+          <a:prstGeom prst="rightArrow">
+            <a:avLst>
+              <a:gd name="adj1" fmla="val 50000"/>
+              <a:gd name="adj2" fmla="val 63313"/>
+            </a:avLst>
+          </a:prstGeom>
+          <a:solidFill>
+            <a:schemeClr val="tx1"/>
+          </a:solidFill>
+          <a:ln w="57150">
+            <a:solidFill>
+              <a:srgbClr val="FF0000"/>
+            </a:solidFill>
+          </a:ln>
+        </p:spPr>
+        <p:style>
+          <a:lnRef idx="2">
+            <a:schemeClr val="accent1">
+              <a:shade val="50000"/>
+            </a:schemeClr>
+          </a:lnRef>
+          <a:fillRef idx="1">
+            <a:schemeClr val="accent1"/>
+          </a:fillRef>
+          <a:effectRef idx="0">
+            <a:schemeClr val="accent1"/>
+          </a:effectRef>
+          <a:fontRef idx="minor">
+            <a:schemeClr val="lt1"/>
+          </a:fontRef>
+        </p:style>
+        <p:txBody>
+          <a:bodyPr rtlCol="0" anchor="ctr"/>
+          <a:lstStyle/>
+          <a:p>
+            <a:pPr algn="ctr"/>
+            <a:endParaRPr lang="ko-KR" altLang="en-US"/>
+          </a:p>
+        </p:txBody>
+      </p:sp>
+      <p:pic>
+        <p:nvPicPr>
+          <p:cNvPr id="16" name="그림 15">
+            <a:extLst>
+              <a:ext uri="{FF2B5EF4-FFF2-40B4-BE49-F238E27FC236}">
+                <a16:creationId xmlns:a16="http://schemas.microsoft.com/office/drawing/2014/main" id="{F21E4159-9A9C-11FF-280D-5751281F21CA}"/>
+              </a:ext>
+            </a:extLst>
+          </p:cNvPr>
+          <p:cNvPicPr>
+            <a:picLocks noChangeAspect="1"/>
+          </p:cNvPicPr>
+          <p:nvPr/>
+        </p:nvPicPr>
+        <p:blipFill>
+          <a:blip r:embed="rId3"/>
+          <a:stretch>
+            <a:fillRect/>
+          </a:stretch>
+        </p:blipFill>
+        <p:spPr>
+          <a:xfrm>
+            <a:off x="0" y="230841"/>
+            <a:ext cx="9144000" cy="605118"/>
           </a:xfrm>
           <a:prstGeom prst="rect">
             <a:avLst/>
@@ -4922,7 +8744,176 @@
 </p:sld>
 </file>
 
-<file path=ppt/slides/slide7.xml><?xml version="1.0" encoding="utf-8"?>
+<file path=ppt/slides/slide8.xml><?xml version="1.0" encoding="utf-8"?>
+<p:sld xmlns:a="http://schemas.openxmlformats.org/drawingml/2006/main" xmlns:r="http://schemas.openxmlformats.org/officeDocument/2006/relationships" xmlns:p="http://schemas.openxmlformats.org/presentationml/2006/main">
+  <p:cSld>
+    <p:spTree>
+      <p:nvGrpSpPr>
+        <p:cNvPr id="1" name=""/>
+        <p:cNvGrpSpPr/>
+        <p:nvPr/>
+      </p:nvGrpSpPr>
+      <p:grpSpPr>
+        <a:xfrm>
+          <a:off x="0" y="0"/>
+          <a:ext cx="0" cy="0"/>
+          <a:chOff x="0" y="0"/>
+          <a:chExt cx="0" cy="0"/>
+        </a:xfrm>
+      </p:grpSpPr>
+      <p:pic>
+        <p:nvPicPr>
+          <p:cNvPr id="11" name="그림 10">
+            <a:extLst>
+              <a:ext uri="{FF2B5EF4-FFF2-40B4-BE49-F238E27FC236}">
+                <a16:creationId xmlns:a16="http://schemas.microsoft.com/office/drawing/2014/main" id="{60BE9292-7923-737C-B1EE-5BDC0490E71E}"/>
+              </a:ext>
+            </a:extLst>
+          </p:cNvPr>
+          <p:cNvPicPr>
+            <a:picLocks noChangeAspect="1"/>
+          </p:cNvPicPr>
+          <p:nvPr/>
+        </p:nvPicPr>
+        <p:blipFill>
+          <a:blip r:embed="rId2"/>
+          <a:stretch>
+            <a:fillRect/>
+          </a:stretch>
+        </p:blipFill>
+        <p:spPr>
+          <a:xfrm>
+            <a:off x="1299706" y="1114102"/>
+            <a:ext cx="6544588" cy="4629796"/>
+          </a:xfrm>
+          <a:prstGeom prst="rect">
+            <a:avLst/>
+          </a:prstGeom>
+        </p:spPr>
+      </p:pic>
+      <p:sp>
+        <p:nvSpPr>
+          <p:cNvPr id="13" name="직사각형 12">
+            <a:extLst>
+              <a:ext uri="{FF2B5EF4-FFF2-40B4-BE49-F238E27FC236}">
+                <a16:creationId xmlns:a16="http://schemas.microsoft.com/office/drawing/2014/main" id="{ABD888E4-5FA6-3F53-5C3C-C42866EB0E1E}"/>
+              </a:ext>
+            </a:extLst>
+          </p:cNvPr>
+          <p:cNvSpPr/>
+          <p:nvPr/>
+        </p:nvSpPr>
+        <p:spPr>
+          <a:xfrm>
+            <a:off x="1299705" y="1440873"/>
+            <a:ext cx="1415785" cy="4303025"/>
+          </a:xfrm>
+          <a:prstGeom prst="rect">
+            <a:avLst/>
+          </a:prstGeom>
+          <a:noFill/>
+          <a:ln w="57150">
+            <a:solidFill>
+              <a:srgbClr val="FF0000"/>
+            </a:solidFill>
+          </a:ln>
+        </p:spPr>
+        <p:style>
+          <a:lnRef idx="2">
+            <a:schemeClr val="accent1">
+              <a:shade val="50000"/>
+            </a:schemeClr>
+          </a:lnRef>
+          <a:fillRef idx="1">
+            <a:schemeClr val="accent1"/>
+          </a:fillRef>
+          <a:effectRef idx="0">
+            <a:schemeClr val="accent1"/>
+          </a:effectRef>
+          <a:fontRef idx="minor">
+            <a:schemeClr val="lt1"/>
+          </a:fontRef>
+        </p:style>
+        <p:txBody>
+          <a:bodyPr rtlCol="0" anchor="ctr"/>
+          <a:lstStyle/>
+          <a:p>
+            <a:pPr algn="ctr"/>
+            <a:endParaRPr lang="ko-KR" altLang="en-US"/>
+          </a:p>
+        </p:txBody>
+      </p:sp>
+      <p:sp>
+        <p:nvSpPr>
+          <p:cNvPr id="14" name="화살표: 오른쪽 13">
+            <a:extLst>
+              <a:ext uri="{FF2B5EF4-FFF2-40B4-BE49-F238E27FC236}">
+                <a16:creationId xmlns:a16="http://schemas.microsoft.com/office/drawing/2014/main" id="{E7627B6B-9938-E3EB-98EB-F1DBA60D9ECD}"/>
+              </a:ext>
+            </a:extLst>
+          </p:cNvPr>
+          <p:cNvSpPr/>
+          <p:nvPr/>
+        </p:nvSpPr>
+        <p:spPr>
+          <a:xfrm rot="13040339">
+            <a:off x="2664892" y="3896921"/>
+            <a:ext cx="1332972" cy="973046"/>
+          </a:xfrm>
+          <a:prstGeom prst="rightArrow">
+            <a:avLst>
+              <a:gd name="adj1" fmla="val 50000"/>
+              <a:gd name="adj2" fmla="val 63313"/>
+            </a:avLst>
+          </a:prstGeom>
+          <a:solidFill>
+            <a:schemeClr val="tx1"/>
+          </a:solidFill>
+          <a:ln w="57150">
+            <a:solidFill>
+              <a:srgbClr val="FF0000"/>
+            </a:solidFill>
+          </a:ln>
+        </p:spPr>
+        <p:style>
+          <a:lnRef idx="2">
+            <a:schemeClr val="accent1">
+              <a:shade val="50000"/>
+            </a:schemeClr>
+          </a:lnRef>
+          <a:fillRef idx="1">
+            <a:schemeClr val="accent1"/>
+          </a:fillRef>
+          <a:effectRef idx="0">
+            <a:schemeClr val="accent1"/>
+          </a:effectRef>
+          <a:fontRef idx="minor">
+            <a:schemeClr val="lt1"/>
+          </a:fontRef>
+        </p:style>
+        <p:txBody>
+          <a:bodyPr rtlCol="0" anchor="ctr"/>
+          <a:lstStyle/>
+          <a:p>
+            <a:pPr algn="ctr"/>
+            <a:endParaRPr lang="ko-KR" altLang="en-US"/>
+          </a:p>
+        </p:txBody>
+      </p:sp>
+    </p:spTree>
+    <p:extLst>
+      <p:ext uri="{BB962C8B-B14F-4D97-AF65-F5344CB8AC3E}">
+        <p14:creationId xmlns:p14="http://schemas.microsoft.com/office/powerpoint/2010/main" val="326820862"/>
+      </p:ext>
+    </p:extLst>
+  </p:cSld>
+  <p:clrMapOvr>
+    <a:masterClrMapping/>
+  </p:clrMapOvr>
+</p:sld>
+</file>
+
+<file path=ppt/slides/slide9.xml><?xml version="1.0" encoding="utf-8"?>
 <p:sld xmlns:a="http://schemas.openxmlformats.org/drawingml/2006/main" xmlns:r="http://schemas.openxmlformats.org/officeDocument/2006/relationships" xmlns:p="http://schemas.openxmlformats.org/presentationml/2006/main">
   <p:cSld>
     <p:spTree>
@@ -4961,108 +8952,127 @@
         </p:blipFill>
         <p:spPr>
           <a:xfrm>
-            <a:off x="1047136" y="515048"/>
-            <a:ext cx="7049729" cy="5827905"/>
+            <a:off x="1645054" y="110596"/>
+            <a:ext cx="7374323" cy="6096239"/>
           </a:xfrm>
           <a:prstGeom prst="rect">
             <a:avLst/>
           </a:prstGeom>
         </p:spPr>
       </p:pic>
+      <p:sp>
+        <p:nvSpPr>
+          <p:cNvPr id="5" name="직사각형 4">
+            <a:extLst>
+              <a:ext uri="{FF2B5EF4-FFF2-40B4-BE49-F238E27FC236}">
+                <a16:creationId xmlns:a16="http://schemas.microsoft.com/office/drawing/2014/main" id="{32195417-838B-3971-D430-1B3F1FAFD0E5}"/>
+              </a:ext>
+            </a:extLst>
+          </p:cNvPr>
+          <p:cNvSpPr/>
+          <p:nvPr/>
+        </p:nvSpPr>
+        <p:spPr>
+          <a:xfrm>
+            <a:off x="2235200" y="5846617"/>
+            <a:ext cx="6502399" cy="360217"/>
+          </a:xfrm>
+          <a:prstGeom prst="rect">
+            <a:avLst/>
+          </a:prstGeom>
+          <a:noFill/>
+          <a:ln w="57150">
+            <a:solidFill>
+              <a:srgbClr val="FF0000"/>
+            </a:solidFill>
+          </a:ln>
+        </p:spPr>
+        <p:style>
+          <a:lnRef idx="2">
+            <a:schemeClr val="accent1">
+              <a:shade val="50000"/>
+            </a:schemeClr>
+          </a:lnRef>
+          <a:fillRef idx="1">
+            <a:schemeClr val="accent1"/>
+          </a:fillRef>
+          <a:effectRef idx="0">
+            <a:schemeClr val="accent1"/>
+          </a:effectRef>
+          <a:fontRef idx="minor">
+            <a:schemeClr val="lt1"/>
+          </a:fontRef>
+        </p:style>
+        <p:txBody>
+          <a:bodyPr rtlCol="0" anchor="ctr"/>
+          <a:lstStyle/>
+          <a:p>
+            <a:pPr algn="ctr"/>
+            <a:endParaRPr lang="ko-KR" altLang="en-US"/>
+          </a:p>
+        </p:txBody>
+      </p:sp>
+      <p:sp>
+        <p:nvSpPr>
+          <p:cNvPr id="6" name="화살표: 오른쪽 5">
+            <a:extLst>
+              <a:ext uri="{FF2B5EF4-FFF2-40B4-BE49-F238E27FC236}">
+                <a16:creationId xmlns:a16="http://schemas.microsoft.com/office/drawing/2014/main" id="{09F30F20-E251-49AE-F3C4-76684184DDF8}"/>
+              </a:ext>
+            </a:extLst>
+          </p:cNvPr>
+          <p:cNvSpPr/>
+          <p:nvPr/>
+        </p:nvSpPr>
+        <p:spPr>
+          <a:xfrm rot="20856427">
+            <a:off x="813343" y="5753252"/>
+            <a:ext cx="1332972" cy="973046"/>
+          </a:xfrm>
+          <a:prstGeom prst="rightArrow">
+            <a:avLst>
+              <a:gd name="adj1" fmla="val 50000"/>
+              <a:gd name="adj2" fmla="val 63313"/>
+            </a:avLst>
+          </a:prstGeom>
+          <a:solidFill>
+            <a:schemeClr val="tx1"/>
+          </a:solidFill>
+          <a:ln w="57150">
+            <a:solidFill>
+              <a:srgbClr val="FF0000"/>
+            </a:solidFill>
+          </a:ln>
+        </p:spPr>
+        <p:style>
+          <a:lnRef idx="2">
+            <a:schemeClr val="accent1">
+              <a:shade val="50000"/>
+            </a:schemeClr>
+          </a:lnRef>
+          <a:fillRef idx="1">
+            <a:schemeClr val="accent1"/>
+          </a:fillRef>
+          <a:effectRef idx="0">
+            <a:schemeClr val="accent1"/>
+          </a:effectRef>
+          <a:fontRef idx="minor">
+            <a:schemeClr val="lt1"/>
+          </a:fontRef>
+        </p:style>
+        <p:txBody>
+          <a:bodyPr rtlCol="0" anchor="ctr"/>
+          <a:lstStyle/>
+          <a:p>
+            <a:pPr algn="ctr"/>
+            <a:endParaRPr lang="ko-KR" altLang="en-US"/>
+          </a:p>
+        </p:txBody>
+      </p:sp>
     </p:spTree>
     <p:extLst>
       <p:ext uri="{BB962C8B-B14F-4D97-AF65-F5344CB8AC3E}">
-        <p14:creationId xmlns:p14="http://schemas.microsoft.com/office/powerpoint/2010/main" val="1700154152"/>
-      </p:ext>
-    </p:extLst>
-  </p:cSld>
-  <p:clrMapOvr>
-    <a:masterClrMapping/>
-  </p:clrMapOvr>
-</p:sld>
-</file>
-
-<file path=ppt/slides/slide8.xml><?xml version="1.0" encoding="utf-8"?>
-<p:sld xmlns:a="http://schemas.openxmlformats.org/drawingml/2006/main" xmlns:r="http://schemas.openxmlformats.org/officeDocument/2006/relationships" xmlns:p="http://schemas.openxmlformats.org/presentationml/2006/main">
-  <p:cSld>
-    <p:spTree>
-      <p:nvGrpSpPr>
-        <p:cNvPr id="1" name=""/>
-        <p:cNvGrpSpPr/>
-        <p:nvPr/>
-      </p:nvGrpSpPr>
-      <p:grpSpPr>
-        <a:xfrm>
-          <a:off x="0" y="0"/>
-          <a:ext cx="0" cy="0"/>
-          <a:chOff x="0" y="0"/>
-          <a:chExt cx="0" cy="0"/>
-        </a:xfrm>
-      </p:grpSpPr>
-      <p:pic>
-        <p:nvPicPr>
-          <p:cNvPr id="3" name="그림 2">
-            <a:extLst>
-              <a:ext uri="{FF2B5EF4-FFF2-40B4-BE49-F238E27FC236}">
-                <a16:creationId xmlns:a16="http://schemas.microsoft.com/office/drawing/2014/main" id="{696E68BB-8D8E-6358-85BE-49589046083C}"/>
-              </a:ext>
-            </a:extLst>
-          </p:cNvPr>
-          <p:cNvPicPr>
-            <a:picLocks noChangeAspect="1"/>
-          </p:cNvPicPr>
-          <p:nvPr/>
-        </p:nvPicPr>
-        <p:blipFill>
-          <a:blip r:embed="rId2"/>
-          <a:stretch>
-            <a:fillRect/>
-          </a:stretch>
-        </p:blipFill>
-        <p:spPr>
-          <a:xfrm>
-            <a:off x="0" y="1594270"/>
-            <a:ext cx="9144000" cy="3132587"/>
-          </a:xfrm>
-          <a:prstGeom prst="rect">
-            <a:avLst/>
-          </a:prstGeom>
-        </p:spPr>
-      </p:pic>
-    </p:spTree>
-    <p:extLst>
-      <p:ext uri="{BB962C8B-B14F-4D97-AF65-F5344CB8AC3E}">
-        <p14:creationId xmlns:p14="http://schemas.microsoft.com/office/powerpoint/2010/main" val="2378752019"/>
-      </p:ext>
-    </p:extLst>
-  </p:cSld>
-  <p:clrMapOvr>
-    <a:masterClrMapping/>
-  </p:clrMapOvr>
-</p:sld>
-</file>
-
-<file path=ppt/slides/slide9.xml><?xml version="1.0" encoding="utf-8"?>
-<p:sld xmlns:a="http://schemas.openxmlformats.org/drawingml/2006/main" xmlns:r="http://schemas.openxmlformats.org/officeDocument/2006/relationships" xmlns:p="http://schemas.openxmlformats.org/presentationml/2006/main">
-  <p:cSld>
-    <p:spTree>
-      <p:nvGrpSpPr>
-        <p:cNvPr id="1" name=""/>
-        <p:cNvGrpSpPr/>
-        <p:nvPr/>
-      </p:nvGrpSpPr>
-      <p:grpSpPr>
-        <a:xfrm>
-          <a:off x="0" y="0"/>
-          <a:ext cx="0" cy="0"/>
-          <a:chOff x="0" y="0"/>
-          <a:chExt cx="0" cy="0"/>
-        </a:xfrm>
-      </p:grpSpPr>
-    </p:spTree>
-    <p:extLst>
-      <p:ext uri="{BB962C8B-B14F-4D97-AF65-F5344CB8AC3E}">
-        <p14:creationId xmlns:p14="http://schemas.microsoft.com/office/powerpoint/2010/main" val="2120161179"/>
+        <p14:creationId xmlns:p14="http://schemas.microsoft.com/office/powerpoint/2010/main" val="1521336482"/>
       </p:ext>
     </p:extLst>
   </p:cSld>
